--- a/2025-Q3/Unity4/2025-07-27-Unity4.pptx
+++ b/2025-Q3/Unity4/2025-07-27-Unity4.pptx
@@ -283,7 +283,7 @@
               <a:pPr>
                 <a:defRPr/>
               </a:pPr>
-              <a:t>7/26/2025</a:t>
+              <a:t>7/27/2025</a:t>
             </a:fld>
             <a:endParaRPr lang="en-US"/>
           </a:p>
@@ -10258,7 +10258,7 @@
           <p:nvPr>
             <p:extLst>
               <p:ext uri="{D42A27DB-BD31-4B8C-83A1-F6EECF244321}">
-                <p14:modId xmlns:p14="http://schemas.microsoft.com/office/powerpoint/2010/main" val="1350549943"/>
+                <p14:modId xmlns:p14="http://schemas.microsoft.com/office/powerpoint/2010/main" val="2606034674"/>
               </p:ext>
             </p:extLst>
           </p:nvPr>
@@ -10305,12 +10305,12 @@
                         <a:buNone/>
                       </a:pPr>
                       <a:r>
-                        <a:rPr lang="en-US" sz="1600" u="sng" kern="0" dirty="0">
+                        <a:rPr lang="en-US" sz="1800" u="sng" kern="0" dirty="0">
                           <a:effectLst/>
                         </a:rPr>
                         <a:t>Faithful Fellowship</a:t>
                       </a:r>
-                      <a:endParaRPr lang="en-US" sz="1400" u="sng" kern="100" dirty="0">
+                      <a:endParaRPr lang="en-US" sz="1600" u="sng" kern="100" dirty="0">
                         <a:effectLst/>
                         <a:latin typeface="Aptos" panose="020B0004020202020204" pitchFamily="34" charset="0"/>
                         <a:ea typeface="Aptos" panose="020B0004020202020204" pitchFamily="34" charset="0"/>
@@ -10335,12 +10335,12 @@
                         <a:buNone/>
                       </a:pPr>
                       <a:r>
-                        <a:rPr lang="en-US" sz="1600" u="sng" kern="0" dirty="0">
+                        <a:rPr lang="en-US" sz="1800" u="sng" kern="0" dirty="0">
                           <a:effectLst/>
                         </a:rPr>
                         <a:t>Broken Fellowship</a:t>
                       </a:r>
-                      <a:endParaRPr lang="en-US" sz="1400" u="sng" kern="100" dirty="0">
+                      <a:endParaRPr lang="en-US" sz="1600" u="sng" kern="100" dirty="0">
                         <a:effectLst/>
                         <a:latin typeface="Aptos" panose="020B0004020202020204" pitchFamily="34" charset="0"/>
                         <a:ea typeface="Aptos" panose="020B0004020202020204" pitchFamily="34" charset="0"/>

--- a/2025-Q3/Unity4/2025-07-27-Unity4.pptx
+++ b/2025-Q3/Unity4/2025-07-27-Unity4.pptx
@@ -283,7 +283,7 @@
               <a:pPr>
                 <a:defRPr/>
               </a:pPr>
-              <a:t>7/27/2025</a:t>
+              <a:t>8/9/2025</a:t>
             </a:fld>
             <a:endParaRPr lang="en-US"/>
           </a:p>
@@ -2279,7 +2279,7 @@
         <p:spPr/>
         <p:txBody>
           <a:bodyPr>
-            <a:normAutofit fontScale="85000" lnSpcReduction="20000"/>
+            <a:normAutofit fontScale="70000" lnSpcReduction="20000"/>
           </a:bodyPr>
           <a:lstStyle/>
           <a:p>
@@ -3280,7 +3280,7 @@
         <p:spPr/>
         <p:txBody>
           <a:bodyPr>
-            <a:normAutofit fontScale="70000" lnSpcReduction="20000"/>
+            <a:normAutofit fontScale="32500" lnSpcReduction="20000"/>
           </a:bodyPr>
           <a:lstStyle/>
           <a:p>
@@ -5398,7 +5398,7 @@
         <p:spPr/>
         <p:txBody>
           <a:bodyPr>
-            <a:normAutofit fontScale="70000" lnSpcReduction="20000"/>
+            <a:normAutofit fontScale="55000" lnSpcReduction="20000"/>
           </a:bodyPr>
           <a:lstStyle/>
           <a:p>
@@ -8017,16 +8017,15 @@
           </a:p>
           <a:p>
             <a:r>
-              <a:rPr lang="en-US" sz="2000" dirty="0">
+              <a:rPr lang="en-US" sz="2000">
                 <a:solidFill>
                   <a:schemeClr val="tx2">
                     <a:lumMod val="60000"/>
                     <a:lumOff val="40000"/>
                   </a:schemeClr>
                 </a:solidFill>
-                <a:hlinkClick r:id="rId4"/>
-              </a:rPr>
-              <a:t>https://TinyUrl.com/UsefulUnity</a:t>
+              </a:rPr>
+              <a:t>https://tinyurl.com/Call2Unity</a:t>
             </a:r>
             <a:endParaRPr lang="en-US" sz="2000" dirty="0">
               <a:solidFill>

--- a/2025-Q3/Unity4/2025-07-27-Unity4.pptx
+++ b/2025-Q3/Unity4/2025-07-27-Unity4.pptx
@@ -212,7 +212,7 @@
         </p:nvSpPr>
         <p:spPr>
           <a:xfrm>
-            <a:off x="1" y="0"/>
+            <a:off x="2" y="1"/>
             <a:ext cx="3076364" cy="469265"/>
           </a:xfrm>
           <a:prstGeom prst="rect">
@@ -220,7 +220,7 @@
           </a:prstGeom>
         </p:spPr>
         <p:txBody>
-          <a:bodyPr vert="horz" wrap="square" lIns="94103" tIns="47052" rIns="94103" bIns="47052" numCol="1" anchor="t" anchorCtr="0" compatLnSpc="1">
+          <a:bodyPr vert="horz" wrap="square" lIns="94087" tIns="47044" rIns="94087" bIns="47044" numCol="1" anchor="t" anchorCtr="0" compatLnSpc="1">
             <a:prstTxWarp prst="textNoShape">
               <a:avLst/>
             </a:prstTxWarp>
@@ -253,7 +253,7 @@
         </p:nvSpPr>
         <p:spPr>
           <a:xfrm>
-            <a:off x="4021295" y="0"/>
+            <a:off x="4021295" y="1"/>
             <a:ext cx="3076364" cy="469265"/>
           </a:xfrm>
           <a:prstGeom prst="rect">
@@ -261,7 +261,7 @@
           </a:prstGeom>
         </p:spPr>
         <p:txBody>
-          <a:bodyPr vert="horz" wrap="square" lIns="94103" tIns="47052" rIns="94103" bIns="47052" numCol="1" anchor="t" anchorCtr="0" compatLnSpc="1">
+          <a:bodyPr vert="horz" wrap="square" lIns="94087" tIns="47044" rIns="94087" bIns="47044" numCol="1" anchor="t" anchorCtr="0" compatLnSpc="1">
             <a:prstTxWarp prst="textNoShape">
               <a:avLst/>
             </a:prstTxWarp>
@@ -283,7 +283,7 @@
               <a:pPr>
                 <a:defRPr/>
               </a:pPr>
-              <a:t>8/9/2025</a:t>
+              <a:t>10/28/2025</a:t>
             </a:fld>
             <a:endParaRPr lang="en-US"/>
           </a:p>
@@ -315,7 +315,7 @@
           </a:ln>
         </p:spPr>
         <p:txBody>
-          <a:bodyPr vert="horz" wrap="square" lIns="94103" tIns="47052" rIns="94103" bIns="47052" numCol="1" anchor="ctr" anchorCtr="0" compatLnSpc="1">
+          <a:bodyPr vert="horz" wrap="square" lIns="94087" tIns="47044" rIns="94087" bIns="47044" numCol="1" anchor="ctr" anchorCtr="0" compatLnSpc="1">
             <a:prstTxWarp prst="textNoShape">
               <a:avLst/>
             </a:prstTxWarp>
@@ -347,7 +347,7 @@
           </a:prstGeom>
         </p:spPr>
         <p:txBody>
-          <a:bodyPr vert="horz" wrap="square" lIns="94103" tIns="47052" rIns="94103" bIns="47052" numCol="1" anchor="t" anchorCtr="0" compatLnSpc="1">
+          <a:bodyPr vert="horz" wrap="square" lIns="94087" tIns="47044" rIns="94087" bIns="47044" numCol="1" anchor="t" anchorCtr="0" compatLnSpc="1">
             <a:prstTxWarp prst="textNoShape">
               <a:avLst/>
             </a:prstTxWarp>
@@ -403,7 +403,7 @@
         </p:nvSpPr>
         <p:spPr>
           <a:xfrm>
-            <a:off x="1" y="8914406"/>
+            <a:off x="2" y="8914406"/>
             <a:ext cx="3076364" cy="469265"/>
           </a:xfrm>
           <a:prstGeom prst="rect">
@@ -411,7 +411,7 @@
           </a:prstGeom>
         </p:spPr>
         <p:txBody>
-          <a:bodyPr vert="horz" wrap="square" lIns="94103" tIns="47052" rIns="94103" bIns="47052" numCol="1" anchor="b" anchorCtr="0" compatLnSpc="1">
+          <a:bodyPr vert="horz" wrap="square" lIns="94087" tIns="47044" rIns="94087" bIns="47044" numCol="1" anchor="b" anchorCtr="0" compatLnSpc="1">
             <a:prstTxWarp prst="textNoShape">
               <a:avLst/>
             </a:prstTxWarp>
@@ -452,7 +452,7 @@
           </a:prstGeom>
         </p:spPr>
         <p:txBody>
-          <a:bodyPr vert="horz" wrap="square" lIns="94103" tIns="47052" rIns="94103" bIns="47052" numCol="1" anchor="b" anchorCtr="0" compatLnSpc="1">
+          <a:bodyPr vert="horz" wrap="square" lIns="94087" tIns="47044" rIns="94087" bIns="47044" numCol="1" anchor="b" anchorCtr="0" compatLnSpc="1">
             <a:prstTxWarp prst="textNoShape">
               <a:avLst/>
             </a:prstTxWarp>
@@ -677,21 +677,7 @@
           </a:bodyPr>
           <a:lstStyle/>
           <a:p>
-            <a:pPr marL="0" marR="0" lvl="0" indent="0" algn="l" defTabSz="914400" rtl="0" eaLnBrk="0" fontAlgn="base" latinLnBrk="0" hangingPunct="0">
-              <a:lnSpc>
-                <a:spcPct val="100000"/>
-              </a:lnSpc>
-              <a:spcBef>
-                <a:spcPct val="30000"/>
-              </a:spcBef>
-              <a:spcAft>
-                <a:spcPct val="0"/>
-              </a:spcAft>
-              <a:buClrTx/>
-              <a:buSzTx/>
-              <a:buFontTx/>
-              <a:buNone/>
-              <a:tabLst/>
+            <a:pPr defTabSz="914246">
               <a:defRPr/>
             </a:pPr>
             <a:r>
@@ -700,180 +686,78 @@
             </a:r>
           </a:p>
           <a:p>
-            <a:pPr marL="0" lvl="0" indent="0">
-              <a:buNone/>
-            </a:pPr>
             <a:endParaRPr lang="en-US" sz="1400" dirty="0"/>
           </a:p>
           <a:p>
             <a:pPr fontAlgn="base"/>
             <a:r>
-              <a:rPr lang="en-US" sz="1200" b="1" kern="1200" dirty="0">
-                <a:solidFill>
-                  <a:schemeClr val="tx1"/>
-                </a:solidFill>
-                <a:effectLst/>
-                <a:latin typeface="+mn-lt"/>
-                <a:ea typeface="ＭＳ Ｐゴシック" pitchFamily="-106" charset="-128"/>
-                <a:cs typeface="ＭＳ Ｐゴシック" pitchFamily="-106" charset="-128"/>
-              </a:rPr>
+              <a:rPr lang="en-US" sz="1400" b="1" dirty="0"/>
               <a:t>Text</a:t>
             </a:r>
             <a:r>
-              <a:rPr lang="en-US" sz="1200" kern="1200" dirty="0">
-                <a:solidFill>
-                  <a:schemeClr val="tx1"/>
-                </a:solidFill>
-                <a:effectLst/>
-                <a:latin typeface="+mn-lt"/>
-                <a:ea typeface="ＭＳ Ｐゴシック" pitchFamily="-106" charset="-128"/>
-                <a:cs typeface="ＭＳ Ｐゴシック" pitchFamily="-106" charset="-128"/>
-              </a:rPr>
+              <a:rPr lang="en-US" sz="1400" dirty="0"/>
               <a:t>: Acts 2:42–47</a:t>
             </a:r>
           </a:p>
           <a:p>
             <a:pPr fontAlgn="base"/>
             <a:r>
-              <a:rPr lang="en-US" sz="1200" b="1" kern="1200" dirty="0">
-                <a:solidFill>
-                  <a:schemeClr val="tx1"/>
-                </a:solidFill>
-                <a:effectLst/>
-                <a:latin typeface="+mn-lt"/>
-                <a:ea typeface="ＭＳ Ｐゴシック" pitchFamily="-106" charset="-128"/>
-                <a:cs typeface="ＭＳ Ｐゴシック" pitchFamily="-106" charset="-128"/>
-              </a:rPr>
+              <a:rPr lang="en-US" sz="1400" b="1" dirty="0"/>
               <a:t>Objective</a:t>
             </a:r>
             <a:r>
-              <a:rPr lang="en-US" sz="1200" kern="1200" dirty="0">
-                <a:solidFill>
-                  <a:schemeClr val="tx1"/>
-                </a:solidFill>
-                <a:effectLst/>
-                <a:latin typeface="+mn-lt"/>
-                <a:ea typeface="ＭＳ Ｐゴシック" pitchFamily="-106" charset="-128"/>
-                <a:cs typeface="ＭＳ Ｐゴシック" pitchFamily="-106" charset="-128"/>
-              </a:rPr>
+              <a:rPr lang="en-US" sz="1400" dirty="0"/>
               <a:t>: Fellowship is commitment, not convenience.</a:t>
             </a:r>
           </a:p>
           <a:p>
             <a:pPr fontAlgn="base"/>
             <a:r>
-              <a:rPr lang="en-US" sz="1200" b="1" kern="1200" dirty="0">
-                <a:solidFill>
-                  <a:schemeClr val="tx1"/>
-                </a:solidFill>
-                <a:effectLst/>
-                <a:latin typeface="+mn-lt"/>
-                <a:ea typeface="ＭＳ Ｐゴシック" pitchFamily="-106" charset="-128"/>
-                <a:cs typeface="ＭＳ Ｐゴシック" pitchFamily="-106" charset="-128"/>
-              </a:rPr>
+              <a:rPr lang="en-US" sz="1400" b="1" dirty="0"/>
               <a:t>Key Themes</a:t>
             </a:r>
             <a:r>
-              <a:rPr lang="en-US" sz="1200" kern="1200" dirty="0">
-                <a:solidFill>
-                  <a:schemeClr val="tx1"/>
-                </a:solidFill>
-                <a:effectLst/>
-                <a:latin typeface="+mn-lt"/>
-                <a:ea typeface="ＭＳ Ｐゴシック" pitchFamily="-106" charset="-128"/>
-                <a:cs typeface="ＭＳ Ｐゴシック" pitchFamily="-106" charset="-128"/>
-              </a:rPr>
+              <a:rPr lang="en-US" sz="1400" dirty="0"/>
               <a:t>: Shared life, devotion, joy.</a:t>
             </a:r>
           </a:p>
           <a:p>
             <a:pPr fontAlgn="base"/>
             <a:r>
-              <a:rPr lang="en-US" sz="1200" b="1" kern="1200" dirty="0">
-                <a:solidFill>
-                  <a:schemeClr val="tx1"/>
-                </a:solidFill>
-                <a:effectLst/>
-                <a:latin typeface="+mn-lt"/>
-                <a:ea typeface="ＭＳ Ｐゴシック" pitchFamily="-106" charset="-128"/>
-                <a:cs typeface="ＭＳ Ｐゴシック" pitchFamily="-106" charset="-128"/>
-              </a:rPr>
+              <a:rPr lang="en-US" sz="1400" b="1" dirty="0"/>
               <a:t>Discussion</a:t>
             </a:r>
             <a:r>
-              <a:rPr lang="en-US" sz="1200" kern="1200" dirty="0">
-                <a:solidFill>
-                  <a:schemeClr val="tx1"/>
-                </a:solidFill>
-                <a:effectLst/>
-                <a:latin typeface="+mn-lt"/>
-                <a:ea typeface="ＭＳ Ｐゴシック" pitchFamily="-106" charset="-128"/>
-                <a:cs typeface="ＭＳ Ｐゴシック" pitchFamily="-106" charset="-128"/>
-              </a:rPr>
+              <a:rPr lang="en-US" sz="1400" dirty="0"/>
               <a:t>:</a:t>
             </a:r>
           </a:p>
           <a:p>
             <a:pPr lvl="0"/>
             <a:r>
-              <a:rPr lang="en-US" sz="1200" kern="1200" dirty="0">
-                <a:solidFill>
-                  <a:schemeClr val="tx1"/>
-                </a:solidFill>
-                <a:effectLst/>
-                <a:latin typeface="+mn-lt"/>
-                <a:ea typeface="ＭＳ Ｐゴシック" pitchFamily="-106" charset="-128"/>
-                <a:cs typeface="ＭＳ Ｐゴシック" pitchFamily="-106" charset="-128"/>
-              </a:rPr>
+              <a:rPr lang="en-US" sz="1400" dirty="0"/>
               <a:t>How did the early church live out unity?</a:t>
             </a:r>
           </a:p>
           <a:p>
             <a:pPr lvl="0" fontAlgn="base"/>
             <a:r>
-              <a:rPr lang="en-US" sz="1200" kern="1200" dirty="0">
-                <a:solidFill>
-                  <a:schemeClr val="tx1"/>
-                </a:solidFill>
-                <a:effectLst/>
-                <a:latin typeface="+mn-lt"/>
-                <a:ea typeface="ＭＳ Ｐゴシック" pitchFamily="-106" charset="-128"/>
-                <a:cs typeface="ＭＳ Ｐゴシック" pitchFamily="-106" charset="-128"/>
-              </a:rPr>
+              <a:rPr lang="en-US" sz="1400" dirty="0"/>
               <a:t>How can we reclaim covenant fellowship today?</a:t>
             </a:r>
           </a:p>
           <a:p>
             <a:pPr fontAlgn="base"/>
             <a:r>
-              <a:rPr lang="en-US" sz="1200" b="1" kern="1200" dirty="0">
-                <a:solidFill>
-                  <a:schemeClr val="tx1"/>
-                </a:solidFill>
-                <a:effectLst/>
-                <a:latin typeface="+mn-lt"/>
-                <a:ea typeface="ＭＳ Ｐゴシック" pitchFamily="-106" charset="-128"/>
-                <a:cs typeface="ＭＳ Ｐゴシック" pitchFamily="-106" charset="-128"/>
-              </a:rPr>
+              <a:rPr lang="en-US" sz="1400" b="1" dirty="0"/>
               <a:t>Application</a:t>
             </a:r>
             <a:r>
-              <a:rPr lang="en-US" sz="1200" kern="1200" dirty="0">
-                <a:solidFill>
-                  <a:schemeClr val="tx1"/>
-                </a:solidFill>
-                <a:effectLst/>
-                <a:latin typeface="+mn-lt"/>
-                <a:ea typeface="ＭＳ Ｐゴシック" pitchFamily="-106" charset="-128"/>
-                <a:cs typeface="ＭＳ Ｐゴシック" pitchFamily="-106" charset="-128"/>
-              </a:rPr>
+              <a:rPr lang="en-US" sz="1400" dirty="0"/>
               <a:t>: Commit to intentional community rhythms.</a:t>
             </a:r>
           </a:p>
           <a:p>
-            <a:pPr marL="0" lvl="0" indent="0">
-              <a:buNone/>
-            </a:pPr>
             <a:endParaRPr lang="en-US" sz="1400" dirty="0"/>
           </a:p>
         </p:txBody>
@@ -973,320 +857,130 @@
           <a:lstStyle/>
           <a:p>
             <a:r>
-              <a:rPr lang="en-US" sz="1200" b="1" kern="1200" dirty="0">
-                <a:solidFill>
-                  <a:schemeClr val="tx1"/>
-                </a:solidFill>
-                <a:effectLst/>
-                <a:latin typeface="+mn-lt"/>
-                <a:ea typeface="ＭＳ Ｐゴシック" pitchFamily="-106" charset="-128"/>
-                <a:cs typeface="ＭＳ Ｐゴシック" pitchFamily="-106" charset="-128"/>
-              </a:rPr>
+              <a:rPr lang="en-US" sz="1400" b="1" dirty="0"/>
               <a:t>Foundational Pillars of Fellowship (from Acts 2)</a:t>
             </a:r>
-            <a:endParaRPr lang="en-US" sz="1200" kern="1200" dirty="0">
-              <a:solidFill>
-                <a:schemeClr val="tx1"/>
-              </a:solidFill>
-              <a:effectLst/>
-              <a:latin typeface="+mn-lt"/>
-              <a:ea typeface="ＭＳ Ｐゴシック" pitchFamily="-106" charset="-128"/>
-              <a:cs typeface="ＭＳ Ｐゴシック" pitchFamily="-106" charset="-128"/>
-            </a:endParaRPr>
+            <a:endParaRPr lang="en-US" sz="1400" dirty="0"/>
           </a:p>
           <a:p>
             <a:pPr rtl="0" fontAlgn="ctr"/>
             <a:r>
-              <a:rPr lang="en-US" sz="1200" b="1" kern="1200" dirty="0">
-                <a:solidFill>
-                  <a:schemeClr val="tx1"/>
-                </a:solidFill>
-                <a:effectLst/>
-                <a:latin typeface="+mn-lt"/>
-                <a:ea typeface="ＭＳ Ｐゴシック" pitchFamily="-106" charset="-128"/>
-                <a:cs typeface="ＭＳ Ｐゴシック" pitchFamily="-106" charset="-128"/>
-              </a:rPr>
+              <a:rPr lang="en-US" sz="1400" b="1" dirty="0"/>
               <a:t>Devotion</a:t>
             </a:r>
             <a:r>
-              <a:rPr lang="en-US" sz="1200" kern="1200" dirty="0">
-                <a:solidFill>
-                  <a:schemeClr val="tx1"/>
-                </a:solidFill>
-                <a:effectLst/>
-                <a:latin typeface="+mn-lt"/>
-                <a:ea typeface="ＭＳ Ｐゴシック" pitchFamily="-106" charset="-128"/>
-                <a:cs typeface="ＭＳ Ｐゴシック" pitchFamily="-106" charset="-128"/>
-              </a:rPr>
+              <a:rPr lang="en-US" sz="1400" dirty="0"/>
               <a:t> – Persistent commitment to spiritual practices (v. 42)</a:t>
             </a:r>
           </a:p>
           <a:p>
             <a:pPr rtl="0" fontAlgn="ctr"/>
             <a:r>
-              <a:rPr lang="en-US" sz="1200" b="1" kern="1200" dirty="0">
-                <a:solidFill>
-                  <a:schemeClr val="tx1"/>
-                </a:solidFill>
-                <a:effectLst/>
-                <a:latin typeface="+mn-lt"/>
-                <a:ea typeface="ＭＳ Ｐゴシック" pitchFamily="-106" charset="-128"/>
-                <a:cs typeface="ＭＳ Ｐゴシック" pitchFamily="-106" charset="-128"/>
-              </a:rPr>
+              <a:rPr lang="en-US" sz="1400" b="1" dirty="0"/>
               <a:t>Presence</a:t>
             </a:r>
             <a:r>
-              <a:rPr lang="en-US" sz="1200" kern="1200" dirty="0">
-                <a:solidFill>
-                  <a:schemeClr val="tx1"/>
-                </a:solidFill>
-                <a:effectLst/>
-                <a:latin typeface="+mn-lt"/>
-                <a:ea typeface="ＭＳ Ｐゴシック" pitchFamily="-106" charset="-128"/>
-                <a:cs typeface="ＭＳ Ｐゴシック" pitchFamily="-106" charset="-128"/>
-              </a:rPr>
+              <a:rPr lang="en-US" sz="1400" dirty="0"/>
               <a:t> – Sharing meals, time, and space (v. 46)</a:t>
             </a:r>
           </a:p>
           <a:p>
             <a:pPr rtl="0" fontAlgn="ctr"/>
             <a:r>
-              <a:rPr lang="en-US" sz="1200" b="1" kern="1200" dirty="0">
-                <a:solidFill>
-                  <a:schemeClr val="tx1"/>
-                </a:solidFill>
-                <a:effectLst/>
-                <a:latin typeface="+mn-lt"/>
-                <a:ea typeface="ＭＳ Ｐゴシック" pitchFamily="-106" charset="-128"/>
-                <a:cs typeface="ＭＳ Ｐゴシック" pitchFamily="-106" charset="-128"/>
-              </a:rPr>
+              <a:rPr lang="en-US" sz="1400" b="1" dirty="0"/>
               <a:t>Generosity</a:t>
             </a:r>
             <a:r>
-              <a:rPr lang="en-US" sz="1200" kern="1200" dirty="0">
-                <a:solidFill>
-                  <a:schemeClr val="tx1"/>
-                </a:solidFill>
-                <a:effectLst/>
-                <a:latin typeface="+mn-lt"/>
-                <a:ea typeface="ＭＳ Ｐゴシック" pitchFamily="-106" charset="-128"/>
-                <a:cs typeface="ＭＳ Ｐゴシック" pitchFamily="-106" charset="-128"/>
-              </a:rPr>
+              <a:rPr lang="en-US" sz="1400" dirty="0"/>
               <a:t> – Meeting needs with glad and sincere hearts (v. 45)</a:t>
             </a:r>
           </a:p>
           <a:p>
             <a:pPr rtl="0" fontAlgn="ctr"/>
             <a:r>
-              <a:rPr lang="en-US" sz="1200" b="1" kern="1200" dirty="0">
-                <a:solidFill>
-                  <a:schemeClr val="tx1"/>
-                </a:solidFill>
-                <a:effectLst/>
-                <a:latin typeface="+mn-lt"/>
-                <a:ea typeface="ＭＳ Ｐゴシック" pitchFamily="-106" charset="-128"/>
-                <a:cs typeface="ＭＳ Ｐゴシック" pitchFamily="-106" charset="-128"/>
-              </a:rPr>
+              <a:rPr lang="en-US" sz="1400" b="1" dirty="0"/>
               <a:t>Unity</a:t>
             </a:r>
             <a:r>
-              <a:rPr lang="en-US" sz="1200" kern="1200" dirty="0">
-                <a:solidFill>
-                  <a:schemeClr val="tx1"/>
-                </a:solidFill>
-                <a:effectLst/>
-                <a:latin typeface="+mn-lt"/>
-                <a:ea typeface="ＭＳ Ｐゴシック" pitchFamily="-106" charset="-128"/>
-                <a:cs typeface="ＭＳ Ｐゴシック" pitchFamily="-106" charset="-128"/>
-              </a:rPr>
+              <a:rPr lang="en-US" sz="1400" dirty="0"/>
               <a:t> – Having “all things in common” (v. 44)</a:t>
             </a:r>
           </a:p>
           <a:p>
             <a:pPr rtl="0" fontAlgn="ctr"/>
             <a:r>
-              <a:rPr lang="en-US" sz="1200" b="1" kern="1200" dirty="0">
-                <a:solidFill>
-                  <a:schemeClr val="tx1"/>
-                </a:solidFill>
-                <a:effectLst/>
-                <a:latin typeface="+mn-lt"/>
-                <a:ea typeface="ＭＳ Ｐゴシック" pitchFamily="-106" charset="-128"/>
-                <a:cs typeface="ＭＳ Ｐゴシック" pitchFamily="-106" charset="-128"/>
-              </a:rPr>
+              <a:rPr lang="en-US" sz="1400" b="1" dirty="0"/>
               <a:t>Worship and Praise</a:t>
             </a:r>
             <a:r>
-              <a:rPr lang="en-US" sz="1200" kern="1200" dirty="0">
-                <a:solidFill>
-                  <a:schemeClr val="tx1"/>
-                </a:solidFill>
-                <a:effectLst/>
-                <a:latin typeface="+mn-lt"/>
-                <a:ea typeface="ＭＳ Ｐゴシック" pitchFamily="-106" charset="-128"/>
-                <a:cs typeface="ＭＳ Ｐゴシック" pitchFamily="-106" charset="-128"/>
-              </a:rPr>
+              <a:rPr lang="en-US" sz="1400" dirty="0"/>
               <a:t> – A rhythm of collective joy and awe (v. 47)</a:t>
             </a:r>
           </a:p>
           <a:p>
             <a:r>
-              <a:rPr lang="en-US" sz="1200" kern="1200" dirty="0">
-                <a:solidFill>
-                  <a:schemeClr val="tx1"/>
-                </a:solidFill>
-                <a:effectLst/>
-                <a:latin typeface="+mn-lt"/>
-                <a:ea typeface="ＭＳ Ｐゴシック" pitchFamily="-106" charset="-128"/>
-                <a:cs typeface="ＭＳ Ｐゴシック" pitchFamily="-106" charset="-128"/>
-              </a:rPr>
+              <a:rPr lang="en-US" sz="1400" dirty="0"/>
               <a:t>This is not loose association, but a </a:t>
             </a:r>
             <a:r>
-              <a:rPr lang="en-US" sz="1200" b="1" kern="1200" dirty="0">
-                <a:solidFill>
-                  <a:schemeClr val="tx1"/>
-                </a:solidFill>
-                <a:effectLst/>
-                <a:latin typeface="+mn-lt"/>
-                <a:ea typeface="ＭＳ Ｐゴシック" pitchFamily="-106" charset="-128"/>
-                <a:cs typeface="ＭＳ Ｐゴシック" pitchFamily="-106" charset="-128"/>
-              </a:rPr>
+              <a:rPr lang="en-US" sz="1400" b="1" dirty="0"/>
               <a:t>covenant community</a:t>
             </a:r>
             <a:r>
-              <a:rPr lang="en-US" sz="1200" kern="1200" dirty="0">
-                <a:solidFill>
-                  <a:schemeClr val="tx1"/>
-                </a:solidFill>
-                <a:effectLst/>
-                <a:latin typeface="+mn-lt"/>
-                <a:ea typeface="ＭＳ Ｐゴシック" pitchFamily="-106" charset="-128"/>
-                <a:cs typeface="ＭＳ Ｐゴシック" pitchFamily="-106" charset="-128"/>
-              </a:rPr>
+              <a:rPr lang="en-US" sz="1400" dirty="0"/>
               <a:t>—sustained by shared values and spiritual bonds.</a:t>
             </a:r>
           </a:p>
           <a:p>
-            <a:endParaRPr lang="en-US" dirty="0"/>
-          </a:p>
-          <a:p>
-            <a:r>
-              <a:rPr lang="en-US" sz="1200" kern="1200" dirty="0">
-                <a:solidFill>
-                  <a:schemeClr val="tx1"/>
-                </a:solidFill>
-                <a:effectLst/>
-                <a:latin typeface="+mn-lt"/>
-                <a:ea typeface="ＭＳ Ｐゴシック" pitchFamily="-106" charset="-128"/>
-                <a:cs typeface="ＭＳ Ｐゴシック" pitchFamily="-106" charset="-128"/>
-              </a:rPr>
+            <a:endParaRPr lang="en-US" sz="1400" dirty="0"/>
+          </a:p>
+          <a:p>
+            <a:r>
+              <a:rPr lang="en-US" sz="1400" dirty="0"/>
               <a:t>Fellowship is a sacred, Spirit-born </a:t>
             </a:r>
             <a:r>
-              <a:rPr lang="en-US" sz="1200" b="1" kern="1200" dirty="0">
-                <a:solidFill>
-                  <a:schemeClr val="tx1"/>
-                </a:solidFill>
-                <a:effectLst/>
-                <a:latin typeface="+mn-lt"/>
-                <a:ea typeface="ＭＳ Ｐゴシック" pitchFamily="-106" charset="-128"/>
-                <a:cs typeface="ＭＳ Ｐゴシック" pitchFamily="-106" charset="-128"/>
-              </a:rPr>
+              <a:rPr lang="en-US" sz="1400" b="1" dirty="0"/>
               <a:t>commitment</a:t>
             </a:r>
             <a:r>
-              <a:rPr lang="en-US" sz="1200" kern="1200" dirty="0">
-                <a:solidFill>
-                  <a:schemeClr val="tx1"/>
-                </a:solidFill>
-                <a:effectLst/>
-                <a:latin typeface="+mn-lt"/>
-                <a:ea typeface="ＭＳ Ｐゴシック" pitchFamily="-106" charset="-128"/>
-                <a:cs typeface="ＭＳ Ｐゴシック" pitchFamily="-106" charset="-128"/>
-              </a:rPr>
+              <a:rPr lang="en-US" sz="1400" dirty="0"/>
               <a:t> to shared life—not a matter of convenience or occasional attendance. The early church practiced this through rhythms of worship, hospitality, generosity, and mutual encouragement.</a:t>
             </a:r>
           </a:p>
           <a:p>
-            <a:endParaRPr lang="en-US" sz="1200" kern="1200" dirty="0">
-              <a:solidFill>
-                <a:schemeClr val="tx1"/>
-              </a:solidFill>
-              <a:effectLst/>
-              <a:latin typeface="+mn-lt"/>
-              <a:ea typeface="ＭＳ Ｐゴシック" pitchFamily="-106" charset="-128"/>
-            </a:endParaRPr>
+            <a:endParaRPr lang="en-US" sz="1400" dirty="0"/>
           </a:p>
           <a:p>
             <a:pPr rtl="0" fontAlgn="ctr"/>
             <a:r>
-              <a:rPr lang="en-US" sz="1200" b="0" i="0" kern="1200" dirty="0">
-                <a:solidFill>
-                  <a:schemeClr val="tx1"/>
-                </a:solidFill>
-                <a:effectLst/>
-                <a:latin typeface="+mn-lt"/>
-                <a:ea typeface="ＭＳ Ｐゴシック" pitchFamily="-106" charset="-128"/>
-                <a:cs typeface="ＭＳ Ｐゴシック" pitchFamily="-106" charset="-128"/>
-              </a:rPr>
+              <a:rPr lang="en-US" sz="1400" dirty="0"/>
               <a:t>How does our fellowship today compare to the model in Acts 2?</a:t>
             </a:r>
           </a:p>
           <a:p>
             <a:pPr rtl="0" fontAlgn="ctr"/>
             <a:r>
-              <a:rPr lang="en-US" sz="1200" b="0" i="0" kern="1200" dirty="0">
-                <a:solidFill>
-                  <a:schemeClr val="tx1"/>
-                </a:solidFill>
-                <a:effectLst/>
-                <a:latin typeface="+mn-lt"/>
-                <a:ea typeface="ＭＳ Ｐゴシック" pitchFamily="-106" charset="-128"/>
-                <a:cs typeface="ＭＳ Ｐゴシック" pitchFamily="-106" charset="-128"/>
-              </a:rPr>
+              <a:rPr lang="en-US" sz="1400" dirty="0"/>
               <a:t>In what ways does convenience threaten covenant commitment in the modern church?</a:t>
             </a:r>
           </a:p>
           <a:p>
             <a:pPr rtl="0" fontAlgn="ctr"/>
             <a:r>
-              <a:rPr lang="en-US" sz="1200" b="0" i="0" kern="1200" dirty="0">
-                <a:solidFill>
-                  <a:schemeClr val="tx1"/>
-                </a:solidFill>
-                <a:effectLst/>
-                <a:latin typeface="+mn-lt"/>
-                <a:ea typeface="ＭＳ Ｐゴシック" pitchFamily="-106" charset="-128"/>
-                <a:cs typeface="ＭＳ Ｐゴシック" pitchFamily="-106" charset="-128"/>
-              </a:rPr>
+              <a:rPr lang="en-US" sz="1400" dirty="0"/>
               <a:t>Which of the seven Ephesians themes do you think your church needs most?</a:t>
             </a:r>
           </a:p>
           <a:p>
             <a:pPr rtl="0" fontAlgn="ctr"/>
             <a:r>
-              <a:rPr lang="en-US" sz="1200" b="0" i="0" kern="1200" dirty="0">
-                <a:solidFill>
-                  <a:schemeClr val="tx1"/>
-                </a:solidFill>
-                <a:effectLst/>
-                <a:latin typeface="+mn-lt"/>
-                <a:ea typeface="ＭＳ Ｐゴシック" pitchFamily="-106" charset="-128"/>
-                <a:cs typeface="ＭＳ Ｐゴシック" pitchFamily="-106" charset="-128"/>
-              </a:rPr>
+              <a:rPr lang="en-US" sz="1400" dirty="0"/>
               <a:t>How can your small group or congregation pursue “intentional rhythms” of fellowship?</a:t>
             </a:r>
           </a:p>
           <a:p>
-            <a:endParaRPr lang="en-US" sz="1200" kern="1200" dirty="0">
-              <a:solidFill>
-                <a:schemeClr val="tx1"/>
-              </a:solidFill>
-              <a:effectLst/>
-              <a:latin typeface="+mn-lt"/>
-              <a:ea typeface="ＭＳ Ｐゴシック" pitchFamily="-106" charset="-128"/>
-            </a:endParaRPr>
+            <a:endParaRPr lang="en-US" sz="1400" dirty="0"/>
           </a:p>
           <a:p>
             <a:endParaRPr lang="en-US" dirty="0"/>
@@ -1400,787 +1094,307 @@
           <a:lstStyle/>
           <a:p>
             <a:r>
-              <a:rPr lang="en-US" sz="1200" b="1" kern="1200" dirty="0">
-                <a:solidFill>
-                  <a:schemeClr val="tx1"/>
-                </a:solidFill>
-                <a:effectLst/>
-                <a:latin typeface="+mn-lt"/>
-                <a:ea typeface="ＭＳ Ｐゴシック" pitchFamily="-106" charset="-128"/>
-                <a:cs typeface="ＭＳ Ｐゴシック" pitchFamily="-106" charset="-128"/>
-              </a:rPr>
+              <a:rPr lang="en-US" sz="1400" b="1" dirty="0"/>
               <a:t>1. Cain and Abel (Genesis 4:1–9)</a:t>
             </a:r>
-            <a:endParaRPr lang="en-US" sz="1200" kern="1200" dirty="0">
-              <a:solidFill>
-                <a:schemeClr val="tx1"/>
-              </a:solidFill>
-              <a:effectLst/>
-              <a:latin typeface="+mn-lt"/>
-              <a:ea typeface="ＭＳ Ｐゴシック" pitchFamily="-106" charset="-128"/>
-              <a:cs typeface="ＭＳ Ｐゴシック" pitchFamily="-106" charset="-128"/>
-            </a:endParaRPr>
+            <a:endParaRPr lang="en-US" sz="1400" dirty="0"/>
           </a:p>
           <a:p>
             <a:pPr rtl="0" fontAlgn="ctr"/>
             <a:r>
-              <a:rPr lang="en-US" sz="1200" b="1" kern="1200" dirty="0">
-                <a:solidFill>
-                  <a:schemeClr val="tx1"/>
-                </a:solidFill>
-                <a:effectLst/>
-                <a:latin typeface="+mn-lt"/>
-                <a:ea typeface="ＭＳ Ｐゴシック" pitchFamily="-106" charset="-128"/>
-                <a:cs typeface="ＭＳ Ｐゴシック" pitchFamily="-106" charset="-128"/>
-              </a:rPr>
+              <a:rPr lang="en-US" sz="1400" b="1" dirty="0"/>
               <a:t>Violation</a:t>
             </a:r>
             <a:r>
-              <a:rPr lang="en-US" sz="1200" kern="1200" dirty="0">
-                <a:solidFill>
-                  <a:schemeClr val="tx1"/>
-                </a:solidFill>
-                <a:effectLst/>
-                <a:latin typeface="+mn-lt"/>
-                <a:ea typeface="ＭＳ Ｐゴシック" pitchFamily="-106" charset="-128"/>
-                <a:cs typeface="ＭＳ Ｐゴシック" pitchFamily="-106" charset="-128"/>
-              </a:rPr>
+              <a:rPr lang="en-US" sz="1400" dirty="0"/>
               <a:t>: Jealousy and unrepentance lead to murder.</a:t>
             </a:r>
           </a:p>
           <a:p>
             <a:pPr rtl="0" fontAlgn="ctr"/>
             <a:r>
-              <a:rPr lang="en-US" sz="1200" b="1" kern="1200" dirty="0">
-                <a:solidFill>
-                  <a:schemeClr val="tx1"/>
-                </a:solidFill>
-                <a:effectLst/>
-                <a:latin typeface="+mn-lt"/>
-                <a:ea typeface="ＭＳ Ｐゴシック" pitchFamily="-106" charset="-128"/>
-                <a:cs typeface="ＭＳ Ｐゴシック" pitchFamily="-106" charset="-128"/>
-              </a:rPr>
+              <a:rPr lang="en-US" sz="1400" b="1" dirty="0"/>
               <a:t>Fellowship Breakdown</a:t>
             </a:r>
             <a:r>
-              <a:rPr lang="en-US" sz="1200" kern="1200" dirty="0">
-                <a:solidFill>
-                  <a:schemeClr val="tx1"/>
-                </a:solidFill>
-                <a:effectLst/>
-                <a:latin typeface="+mn-lt"/>
-                <a:ea typeface="ＭＳ Ｐゴシック" pitchFamily="-106" charset="-128"/>
-                <a:cs typeface="ＭＳ Ｐゴシック" pitchFamily="-106" charset="-128"/>
-              </a:rPr>
+              <a:rPr lang="en-US" sz="1400" dirty="0"/>
               <a:t>: Instead of protecting his brother, Cain becomes his brother’s destroyer.</a:t>
             </a:r>
           </a:p>
           <a:p>
             <a:pPr rtl="0" fontAlgn="ctr"/>
             <a:r>
-              <a:rPr lang="en-US" sz="1200" b="1" kern="1200" dirty="0">
-                <a:solidFill>
-                  <a:schemeClr val="tx1"/>
-                </a:solidFill>
-                <a:effectLst/>
-                <a:latin typeface="+mn-lt"/>
-                <a:ea typeface="ＭＳ Ｐゴシック" pitchFamily="-106" charset="-128"/>
-                <a:cs typeface="ＭＳ Ｐゴシック" pitchFamily="-106" charset="-128"/>
-              </a:rPr>
+              <a:rPr lang="en-US" sz="1400" b="1" dirty="0"/>
               <a:t>Lesson</a:t>
             </a:r>
             <a:r>
-              <a:rPr lang="en-US" sz="1200" kern="1200" dirty="0">
-                <a:solidFill>
-                  <a:schemeClr val="tx1"/>
-                </a:solidFill>
-                <a:effectLst/>
-                <a:latin typeface="+mn-lt"/>
-                <a:ea typeface="ＭＳ Ｐゴシック" pitchFamily="-106" charset="-128"/>
-                <a:cs typeface="ＭＳ Ｐゴシック" pitchFamily="-106" charset="-128"/>
-              </a:rPr>
+              <a:rPr lang="en-US" sz="1400" dirty="0"/>
               <a:t>: Anger and envy, left unchecked, dissolve trust and desecrate the image of family and covenant.</a:t>
             </a:r>
           </a:p>
           <a:p>
             <a:r>
-              <a:rPr lang="en-US" sz="1200" i="1" kern="1200" dirty="0">
-                <a:solidFill>
-                  <a:schemeClr val="tx1"/>
-                </a:solidFill>
-                <a:effectLst/>
-                <a:latin typeface="+mn-lt"/>
-                <a:ea typeface="ＭＳ Ｐゴシック" pitchFamily="-106" charset="-128"/>
-                <a:cs typeface="ＭＳ Ｐゴシック" pitchFamily="-106" charset="-128"/>
-              </a:rPr>
+              <a:rPr lang="en-US" sz="1400" i="1" dirty="0"/>
               <a:t>“Am I my brother’s keeper?”</a:t>
             </a:r>
             <a:r>
-              <a:rPr lang="en-US" sz="1200" kern="1200" dirty="0">
-                <a:solidFill>
-                  <a:schemeClr val="tx1"/>
-                </a:solidFill>
-                <a:effectLst/>
-                <a:latin typeface="+mn-lt"/>
-                <a:ea typeface="ＭＳ Ｐゴシック" pitchFamily="-106" charset="-128"/>
-                <a:cs typeface="ＭＳ Ｐゴシック" pitchFamily="-106" charset="-128"/>
-              </a:rPr>
+              <a:rPr lang="en-US" sz="1400" dirty="0"/>
               <a:t> – Cain (Genesis 4:9)</a:t>
             </a:r>
           </a:p>
           <a:p>
             <a:r>
-              <a:rPr lang="en-US" sz="1200" kern="1200" dirty="0">
-                <a:solidFill>
-                  <a:schemeClr val="tx1"/>
-                </a:solidFill>
-                <a:effectLst/>
-                <a:latin typeface="+mn-lt"/>
-                <a:ea typeface="ＭＳ Ｐゴシック" pitchFamily="-106" charset="-128"/>
-                <a:cs typeface="ＭＳ Ｐゴシック" pitchFamily="-106" charset="-128"/>
-              </a:rPr>
+              <a:rPr lang="en-US" sz="1400" dirty="0"/>
               <a:t> </a:t>
             </a:r>
           </a:p>
           <a:p>
             <a:r>
-              <a:rPr lang="en-US" sz="1200" b="1" kern="1200" dirty="0">
-                <a:solidFill>
-                  <a:schemeClr val="tx1"/>
-                </a:solidFill>
-                <a:effectLst/>
-                <a:latin typeface="+mn-lt"/>
-                <a:ea typeface="ＭＳ Ｐゴシック" pitchFamily="-106" charset="-128"/>
-                <a:cs typeface="ＭＳ Ｐゴシック" pitchFamily="-106" charset="-128"/>
-              </a:rPr>
+              <a:rPr lang="en-US" sz="1400" b="1" dirty="0"/>
               <a:t>2. Korah’s Rebellion (Numbers 16)</a:t>
             </a:r>
-            <a:endParaRPr lang="en-US" sz="1200" kern="1200" dirty="0">
-              <a:solidFill>
-                <a:schemeClr val="tx1"/>
-              </a:solidFill>
-              <a:effectLst/>
-              <a:latin typeface="+mn-lt"/>
-              <a:ea typeface="ＭＳ Ｐゴシック" pitchFamily="-106" charset="-128"/>
-              <a:cs typeface="ＭＳ Ｐゴシック" pitchFamily="-106" charset="-128"/>
-            </a:endParaRPr>
+            <a:endParaRPr lang="en-US" sz="1400" dirty="0"/>
           </a:p>
           <a:p>
             <a:pPr rtl="0" fontAlgn="ctr"/>
             <a:r>
-              <a:rPr lang="en-US" sz="1200" b="1" kern="1200" dirty="0">
-                <a:solidFill>
-                  <a:schemeClr val="tx1"/>
-                </a:solidFill>
-                <a:effectLst/>
-                <a:latin typeface="+mn-lt"/>
-                <a:ea typeface="ＭＳ Ｐゴシック" pitchFamily="-106" charset="-128"/>
-                <a:cs typeface="ＭＳ Ｐゴシック" pitchFamily="-106" charset="-128"/>
-              </a:rPr>
+              <a:rPr lang="en-US" sz="1400" b="1" dirty="0"/>
               <a:t>Violation</a:t>
             </a:r>
             <a:r>
-              <a:rPr lang="en-US" sz="1200" kern="1200" dirty="0">
-                <a:solidFill>
-                  <a:schemeClr val="tx1"/>
-                </a:solidFill>
-                <a:effectLst/>
-                <a:latin typeface="+mn-lt"/>
-                <a:ea typeface="ＭＳ Ｐゴシック" pitchFamily="-106" charset="-128"/>
-                <a:cs typeface="ＭＳ Ｐゴシック" pitchFamily="-106" charset="-128"/>
-              </a:rPr>
+              <a:rPr lang="en-US" sz="1400" dirty="0"/>
               <a:t>: Pride and power-grabbing among the Levites challenged God’s appointed leadership (Moses and Aaron).</a:t>
             </a:r>
           </a:p>
           <a:p>
             <a:pPr rtl="0" fontAlgn="ctr"/>
             <a:r>
-              <a:rPr lang="en-US" sz="1200" b="1" kern="1200" dirty="0">
-                <a:solidFill>
-                  <a:schemeClr val="tx1"/>
-                </a:solidFill>
-                <a:effectLst/>
-                <a:latin typeface="+mn-lt"/>
-                <a:ea typeface="ＭＳ Ｐゴシック" pitchFamily="-106" charset="-128"/>
-                <a:cs typeface="ＭＳ Ｐゴシック" pitchFamily="-106" charset="-128"/>
-              </a:rPr>
+              <a:rPr lang="en-US" sz="1400" b="1" dirty="0"/>
               <a:t>Fellowship Breakdown</a:t>
             </a:r>
             <a:r>
-              <a:rPr lang="en-US" sz="1200" kern="1200" dirty="0">
-                <a:solidFill>
-                  <a:schemeClr val="tx1"/>
-                </a:solidFill>
-                <a:effectLst/>
-                <a:latin typeface="+mn-lt"/>
-                <a:ea typeface="ＭＳ Ｐゴシック" pitchFamily="-106" charset="-128"/>
-                <a:cs typeface="ＭＳ Ｐゴシック" pitchFamily="-106" charset="-128"/>
-              </a:rPr>
+              <a:rPr lang="en-US" sz="1400" dirty="0"/>
               <a:t>: The rebellion fractured the community and brought judgment.</a:t>
             </a:r>
           </a:p>
           <a:p>
             <a:pPr rtl="0" fontAlgn="ctr"/>
             <a:r>
-              <a:rPr lang="en-US" sz="1200" b="1" kern="1200" dirty="0">
-                <a:solidFill>
-                  <a:schemeClr val="tx1"/>
-                </a:solidFill>
-                <a:effectLst/>
-                <a:latin typeface="+mn-lt"/>
-                <a:ea typeface="ＭＳ Ｐゴシック" pitchFamily="-106" charset="-128"/>
-                <a:cs typeface="ＭＳ Ｐゴシック" pitchFamily="-106" charset="-128"/>
-              </a:rPr>
+              <a:rPr lang="en-US" sz="1400" b="1" dirty="0"/>
               <a:t>Lesson</a:t>
             </a:r>
             <a:r>
-              <a:rPr lang="en-US" sz="1200" kern="1200" dirty="0">
-                <a:solidFill>
-                  <a:schemeClr val="tx1"/>
-                </a:solidFill>
-                <a:effectLst/>
-                <a:latin typeface="+mn-lt"/>
-                <a:ea typeface="ＭＳ Ｐゴシック" pitchFamily="-106" charset="-128"/>
-                <a:cs typeface="ＭＳ Ｐゴシック" pitchFamily="-106" charset="-128"/>
-              </a:rPr>
+              <a:rPr lang="en-US" sz="1400" dirty="0"/>
               <a:t>: Disregarding God-ordained structure and promoting factionalism invites division and divine discipline.</a:t>
             </a:r>
           </a:p>
           <a:p>
             <a:r>
-              <a:rPr lang="en-US" sz="1200" kern="1200" dirty="0">
-                <a:solidFill>
-                  <a:schemeClr val="tx1"/>
-                </a:solidFill>
-                <a:effectLst/>
-                <a:latin typeface="+mn-lt"/>
-                <a:ea typeface="ＭＳ Ｐゴシック" pitchFamily="-106" charset="-128"/>
-                <a:cs typeface="ＭＳ Ｐゴシック" pitchFamily="-106" charset="-128"/>
-              </a:rPr>
+              <a:rPr lang="en-US" sz="1400" dirty="0"/>
               <a:t> </a:t>
             </a:r>
           </a:p>
           <a:p>
             <a:r>
-              <a:rPr lang="en-US" sz="1200" b="1" kern="1200" dirty="0">
-                <a:solidFill>
-                  <a:schemeClr val="tx1"/>
-                </a:solidFill>
-                <a:effectLst/>
-                <a:latin typeface="+mn-lt"/>
-                <a:ea typeface="ＭＳ Ｐゴシック" pitchFamily="-106" charset="-128"/>
-                <a:cs typeface="ＭＳ Ｐゴシック" pitchFamily="-106" charset="-128"/>
-              </a:rPr>
+              <a:rPr lang="en-US" sz="1400" b="1" dirty="0"/>
               <a:t>3. The Golden Calf (Exodus 32)</a:t>
             </a:r>
-            <a:endParaRPr lang="en-US" sz="1200" kern="1200" dirty="0">
-              <a:solidFill>
-                <a:schemeClr val="tx1"/>
-              </a:solidFill>
-              <a:effectLst/>
-              <a:latin typeface="+mn-lt"/>
-              <a:ea typeface="ＭＳ Ｐゴシック" pitchFamily="-106" charset="-128"/>
-              <a:cs typeface="ＭＳ Ｐゴシック" pitchFamily="-106" charset="-128"/>
-            </a:endParaRPr>
+            <a:endParaRPr lang="en-US" sz="1400" dirty="0"/>
           </a:p>
           <a:p>
             <a:pPr rtl="0" fontAlgn="ctr"/>
             <a:r>
-              <a:rPr lang="en-US" sz="1200" b="1" kern="1200" dirty="0">
-                <a:solidFill>
-                  <a:schemeClr val="tx1"/>
-                </a:solidFill>
-                <a:effectLst/>
-                <a:latin typeface="+mn-lt"/>
-                <a:ea typeface="ＭＳ Ｐゴシック" pitchFamily="-106" charset="-128"/>
-                <a:cs typeface="ＭＳ Ｐゴシック" pitchFamily="-106" charset="-128"/>
-              </a:rPr>
+              <a:rPr lang="en-US" sz="1400" b="1" dirty="0"/>
               <a:t>Violation</a:t>
             </a:r>
             <a:r>
-              <a:rPr lang="en-US" sz="1200" kern="1200" dirty="0">
-                <a:solidFill>
-                  <a:schemeClr val="tx1"/>
-                </a:solidFill>
-                <a:effectLst/>
-                <a:latin typeface="+mn-lt"/>
-                <a:ea typeface="ＭＳ Ｐゴシック" pitchFamily="-106" charset="-128"/>
-                <a:cs typeface="ＭＳ Ｐゴシック" pitchFamily="-106" charset="-128"/>
-              </a:rPr>
+              <a:rPr lang="en-US" sz="1400" dirty="0"/>
               <a:t>: The people quickly turned to idol worship in Moses' absence.</a:t>
             </a:r>
           </a:p>
           <a:p>
             <a:pPr rtl="0" fontAlgn="ctr"/>
             <a:r>
-              <a:rPr lang="en-US" sz="1200" b="1" kern="1200" dirty="0">
-                <a:solidFill>
-                  <a:schemeClr val="tx1"/>
-                </a:solidFill>
-                <a:effectLst/>
-                <a:latin typeface="+mn-lt"/>
-                <a:ea typeface="ＭＳ Ｐゴシック" pitchFamily="-106" charset="-128"/>
-                <a:cs typeface="ＭＳ Ｐゴシック" pitchFamily="-106" charset="-128"/>
-              </a:rPr>
+              <a:rPr lang="en-US" sz="1400" b="1" dirty="0"/>
               <a:t>Fellowship Breakdown</a:t>
             </a:r>
             <a:r>
-              <a:rPr lang="en-US" sz="1200" kern="1200" dirty="0">
-                <a:solidFill>
-                  <a:schemeClr val="tx1"/>
-                </a:solidFill>
-                <a:effectLst/>
-                <a:latin typeface="+mn-lt"/>
-                <a:ea typeface="ＭＳ Ｐゴシック" pitchFamily="-106" charset="-128"/>
-                <a:cs typeface="ＭＳ Ｐゴシック" pitchFamily="-106" charset="-128"/>
-              </a:rPr>
+              <a:rPr lang="en-US" sz="1400" dirty="0"/>
               <a:t>: They broke covenant with God and each other.</a:t>
             </a:r>
           </a:p>
           <a:p>
             <a:pPr rtl="0" fontAlgn="ctr"/>
             <a:r>
-              <a:rPr lang="en-US" sz="1200" b="1" kern="1200" dirty="0">
-                <a:solidFill>
-                  <a:schemeClr val="tx1"/>
-                </a:solidFill>
-                <a:effectLst/>
-                <a:latin typeface="+mn-lt"/>
-                <a:ea typeface="ＭＳ Ｐゴシック" pitchFamily="-106" charset="-128"/>
-                <a:cs typeface="ＭＳ Ｐゴシック" pitchFamily="-106" charset="-128"/>
-              </a:rPr>
+              <a:rPr lang="en-US" sz="1400" b="1" dirty="0"/>
               <a:t>Lesson</a:t>
             </a:r>
             <a:r>
-              <a:rPr lang="en-US" sz="1200" kern="1200" dirty="0">
-                <a:solidFill>
-                  <a:schemeClr val="tx1"/>
-                </a:solidFill>
-                <a:effectLst/>
-                <a:latin typeface="+mn-lt"/>
-                <a:ea typeface="ＭＳ Ｐゴシック" pitchFamily="-106" charset="-128"/>
-                <a:cs typeface="ＭＳ Ｐゴシック" pitchFamily="-106" charset="-128"/>
-              </a:rPr>
+              <a:rPr lang="en-US" sz="1400" dirty="0"/>
               <a:t>: Idolatry corrupts both vertical and horizontal relationships; fellowship rooted in convenience turns into chaos.</a:t>
             </a:r>
           </a:p>
           <a:p>
             <a:r>
-              <a:rPr lang="en-US" sz="1200" i="1" kern="1200" dirty="0">
-                <a:solidFill>
-                  <a:schemeClr val="tx1"/>
-                </a:solidFill>
-                <a:effectLst/>
-                <a:latin typeface="+mn-lt"/>
-                <a:ea typeface="ＭＳ Ｐゴシック" pitchFamily="-106" charset="-128"/>
-                <a:cs typeface="ＭＳ Ｐゴシック" pitchFamily="-106" charset="-128"/>
-              </a:rPr>
+              <a:rPr lang="en-US" sz="1400" i="1" dirty="0"/>
               <a:t>“They have been quick to turn away from what I commanded them…”</a:t>
             </a:r>
             <a:r>
-              <a:rPr lang="en-US" sz="1200" kern="1200" dirty="0">
-                <a:solidFill>
-                  <a:schemeClr val="tx1"/>
-                </a:solidFill>
-                <a:effectLst/>
-                <a:latin typeface="+mn-lt"/>
-                <a:ea typeface="ＭＳ Ｐゴシック" pitchFamily="-106" charset="-128"/>
-                <a:cs typeface="ＭＳ Ｐゴシック" pitchFamily="-106" charset="-128"/>
-              </a:rPr>
+              <a:rPr lang="en-US" sz="1400" dirty="0"/>
               <a:t> – Exodus 32:8</a:t>
             </a:r>
           </a:p>
           <a:p>
             <a:r>
-              <a:rPr lang="en-US" sz="1200" kern="1200" dirty="0">
-                <a:solidFill>
-                  <a:schemeClr val="tx1"/>
-                </a:solidFill>
-                <a:effectLst/>
-                <a:latin typeface="+mn-lt"/>
-                <a:ea typeface="ＭＳ Ｐゴシック" pitchFamily="-106" charset="-128"/>
-                <a:cs typeface="ＭＳ Ｐゴシック" pitchFamily="-106" charset="-128"/>
-              </a:rPr>
+              <a:rPr lang="en-US" sz="1400" dirty="0"/>
               <a:t> </a:t>
             </a:r>
           </a:p>
           <a:p>
             <a:r>
-              <a:rPr lang="en-US" sz="1200" b="1" kern="1200" dirty="0">
-                <a:solidFill>
-                  <a:schemeClr val="tx1"/>
-                </a:solidFill>
-                <a:effectLst/>
-                <a:latin typeface="+mn-lt"/>
-                <a:ea typeface="ＭＳ Ｐゴシック" pitchFamily="-106" charset="-128"/>
-                <a:cs typeface="ＭＳ Ｐゴシック" pitchFamily="-106" charset="-128"/>
-              </a:rPr>
+              <a:rPr lang="en-US" sz="1400" b="1" dirty="0"/>
               <a:t>4. Ananias and Sapphira (Acts 5:1–11)</a:t>
             </a:r>
-            <a:endParaRPr lang="en-US" sz="1200" kern="1200" dirty="0">
-              <a:solidFill>
-                <a:schemeClr val="tx1"/>
-              </a:solidFill>
-              <a:effectLst/>
-              <a:latin typeface="+mn-lt"/>
-              <a:ea typeface="ＭＳ Ｐゴシック" pitchFamily="-106" charset="-128"/>
-              <a:cs typeface="ＭＳ Ｐゴシック" pitchFamily="-106" charset="-128"/>
-            </a:endParaRPr>
+            <a:endParaRPr lang="en-US" sz="1400" dirty="0"/>
           </a:p>
           <a:p>
             <a:pPr rtl="0" fontAlgn="ctr"/>
             <a:r>
-              <a:rPr lang="en-US" sz="1200" b="1" kern="1200" dirty="0">
-                <a:solidFill>
-                  <a:schemeClr val="tx1"/>
-                </a:solidFill>
-                <a:effectLst/>
-                <a:latin typeface="+mn-lt"/>
-                <a:ea typeface="ＭＳ Ｐゴシック" pitchFamily="-106" charset="-128"/>
-                <a:cs typeface="ＭＳ Ｐゴシック" pitchFamily="-106" charset="-128"/>
-              </a:rPr>
+              <a:rPr lang="en-US" sz="1400" b="1" dirty="0"/>
               <a:t>Violation</a:t>
             </a:r>
             <a:r>
-              <a:rPr lang="en-US" sz="1200" kern="1200" dirty="0">
-                <a:solidFill>
-                  <a:schemeClr val="tx1"/>
-                </a:solidFill>
-                <a:effectLst/>
-                <a:latin typeface="+mn-lt"/>
-                <a:ea typeface="ＭＳ Ｐゴシック" pitchFamily="-106" charset="-128"/>
-                <a:cs typeface="ＭＳ Ｐゴシック" pitchFamily="-106" charset="-128"/>
-              </a:rPr>
+              <a:rPr lang="en-US" sz="1400" dirty="0"/>
               <a:t>: They lied to the apostles and the Holy Spirit about their offering.</a:t>
             </a:r>
           </a:p>
           <a:p>
             <a:pPr rtl="0" fontAlgn="ctr"/>
             <a:r>
-              <a:rPr lang="en-US" sz="1200" b="1" kern="1200" dirty="0">
-                <a:solidFill>
-                  <a:schemeClr val="tx1"/>
-                </a:solidFill>
-                <a:effectLst/>
-                <a:latin typeface="+mn-lt"/>
-                <a:ea typeface="ＭＳ Ｐゴシック" pitchFamily="-106" charset="-128"/>
-                <a:cs typeface="ＭＳ Ｐゴシック" pitchFamily="-106" charset="-128"/>
-              </a:rPr>
+              <a:rPr lang="en-US" sz="1400" b="1" dirty="0"/>
               <a:t>Fellowship Breakdown</a:t>
             </a:r>
             <a:r>
-              <a:rPr lang="en-US" sz="1200" kern="1200" dirty="0">
-                <a:solidFill>
-                  <a:schemeClr val="tx1"/>
-                </a:solidFill>
-                <a:effectLst/>
-                <a:latin typeface="+mn-lt"/>
-                <a:ea typeface="ＭＳ Ｐゴシック" pitchFamily="-106" charset="-128"/>
-                <a:cs typeface="ＭＳ Ｐゴシック" pitchFamily="-106" charset="-128"/>
-              </a:rPr>
+              <a:rPr lang="en-US" sz="1400" dirty="0"/>
               <a:t>: They undermined the trust and sincerity that defined early Christian community.</a:t>
             </a:r>
           </a:p>
           <a:p>
             <a:pPr rtl="0" fontAlgn="ctr"/>
             <a:r>
-              <a:rPr lang="en-US" sz="1200" b="1" kern="1200" dirty="0">
-                <a:solidFill>
-                  <a:schemeClr val="tx1"/>
-                </a:solidFill>
-                <a:effectLst/>
-                <a:latin typeface="+mn-lt"/>
-                <a:ea typeface="ＭＳ Ｐゴシック" pitchFamily="-106" charset="-128"/>
-                <a:cs typeface="ＭＳ Ｐゴシック" pitchFamily="-106" charset="-128"/>
-              </a:rPr>
+              <a:rPr lang="en-US" sz="1400" b="1" dirty="0"/>
               <a:t>Lesson</a:t>
             </a:r>
             <a:r>
-              <a:rPr lang="en-US" sz="1200" kern="1200" dirty="0">
-                <a:solidFill>
-                  <a:schemeClr val="tx1"/>
-                </a:solidFill>
-                <a:effectLst/>
-                <a:latin typeface="+mn-lt"/>
-                <a:ea typeface="ＭＳ Ｐゴシック" pitchFamily="-106" charset="-128"/>
-                <a:cs typeface="ＭＳ Ｐゴシック" pitchFamily="-106" charset="-128"/>
-              </a:rPr>
+              <a:rPr lang="en-US" sz="1400" dirty="0"/>
               <a:t>: Hypocrisy and deceit poison spiritual unity and violate the integrity of covenant life.</a:t>
             </a:r>
           </a:p>
           <a:p>
             <a:r>
-              <a:rPr lang="en-US" sz="1200" kern="1200" dirty="0">
-                <a:solidFill>
-                  <a:schemeClr val="tx1"/>
-                </a:solidFill>
-                <a:effectLst/>
-                <a:latin typeface="+mn-lt"/>
-                <a:ea typeface="ＭＳ Ｐゴシック" pitchFamily="-106" charset="-128"/>
-                <a:cs typeface="ＭＳ Ｐゴシック" pitchFamily="-106" charset="-128"/>
-              </a:rPr>
+              <a:rPr lang="en-US" sz="1400" dirty="0"/>
               <a:t> </a:t>
             </a:r>
           </a:p>
           <a:p>
             <a:r>
-              <a:rPr lang="en-US" sz="1200" b="1" kern="1200" dirty="0">
-                <a:solidFill>
-                  <a:schemeClr val="tx1"/>
-                </a:solidFill>
-                <a:effectLst/>
-                <a:latin typeface="+mn-lt"/>
-                <a:ea typeface="ＭＳ Ｐゴシック" pitchFamily="-106" charset="-128"/>
-                <a:cs typeface="ＭＳ Ｐゴシック" pitchFamily="-106" charset="-128"/>
-              </a:rPr>
+              <a:rPr lang="en-US" sz="1400" b="1" dirty="0"/>
               <a:t>5. Demas (2 Timothy 4:10)</a:t>
             </a:r>
-            <a:endParaRPr lang="en-US" sz="1200" kern="1200" dirty="0">
-              <a:solidFill>
-                <a:schemeClr val="tx1"/>
-              </a:solidFill>
-              <a:effectLst/>
-              <a:latin typeface="+mn-lt"/>
-              <a:ea typeface="ＭＳ Ｐゴシック" pitchFamily="-106" charset="-128"/>
-              <a:cs typeface="ＭＳ Ｐゴシック" pitchFamily="-106" charset="-128"/>
-            </a:endParaRPr>
+            <a:endParaRPr lang="en-US" sz="1400" dirty="0"/>
           </a:p>
           <a:p>
             <a:pPr rtl="0" fontAlgn="ctr"/>
             <a:r>
-              <a:rPr lang="en-US" sz="1200" b="1" kern="1200" dirty="0">
-                <a:solidFill>
-                  <a:schemeClr val="tx1"/>
-                </a:solidFill>
-                <a:effectLst/>
-                <a:latin typeface="+mn-lt"/>
-                <a:ea typeface="ＭＳ Ｐゴシック" pitchFamily="-106" charset="-128"/>
-                <a:cs typeface="ＭＳ Ｐゴシック" pitchFamily="-106" charset="-128"/>
-              </a:rPr>
+              <a:rPr lang="en-US" sz="1400" b="1" dirty="0"/>
               <a:t>Violation</a:t>
             </a:r>
             <a:r>
-              <a:rPr lang="en-US" sz="1200" kern="1200" dirty="0">
-                <a:solidFill>
-                  <a:schemeClr val="tx1"/>
-                </a:solidFill>
-                <a:effectLst/>
-                <a:latin typeface="+mn-lt"/>
-                <a:ea typeface="ＭＳ Ｐゴシック" pitchFamily="-106" charset="-128"/>
-                <a:cs typeface="ＭＳ Ｐゴシック" pitchFamily="-106" charset="-128"/>
-              </a:rPr>
+              <a:rPr lang="en-US" sz="1400" dirty="0"/>
               <a:t>: Forsook Paul out of love for the world.</a:t>
             </a:r>
           </a:p>
           <a:p>
             <a:pPr rtl="0" fontAlgn="ctr"/>
             <a:r>
-              <a:rPr lang="en-US" sz="1200" b="1" kern="1200" dirty="0">
-                <a:solidFill>
-                  <a:schemeClr val="tx1"/>
-                </a:solidFill>
-                <a:effectLst/>
-                <a:latin typeface="+mn-lt"/>
-                <a:ea typeface="ＭＳ Ｐゴシック" pitchFamily="-106" charset="-128"/>
-                <a:cs typeface="ＭＳ Ｐゴシック" pitchFamily="-106" charset="-128"/>
-              </a:rPr>
+              <a:rPr lang="en-US" sz="1400" b="1" dirty="0"/>
               <a:t>Fellowship Breakdown</a:t>
             </a:r>
             <a:r>
-              <a:rPr lang="en-US" sz="1200" kern="1200" dirty="0">
-                <a:solidFill>
-                  <a:schemeClr val="tx1"/>
-                </a:solidFill>
-                <a:effectLst/>
-                <a:latin typeface="+mn-lt"/>
-                <a:ea typeface="ＭＳ Ｐゴシック" pitchFamily="-106" charset="-128"/>
-                <a:cs typeface="ＭＳ Ｐゴシック" pitchFamily="-106" charset="-128"/>
-              </a:rPr>
+              <a:rPr lang="en-US" sz="1400" dirty="0"/>
               <a:t>: Deserted gospel partnership for worldly comfort or safety.</a:t>
             </a:r>
           </a:p>
           <a:p>
             <a:pPr rtl="0" fontAlgn="ctr"/>
             <a:r>
-              <a:rPr lang="en-US" sz="1200" b="1" kern="1200" dirty="0">
-                <a:solidFill>
-                  <a:schemeClr val="tx1"/>
-                </a:solidFill>
-                <a:effectLst/>
-                <a:latin typeface="+mn-lt"/>
-                <a:ea typeface="ＭＳ Ｐゴシック" pitchFamily="-106" charset="-128"/>
-                <a:cs typeface="ＭＳ Ｐゴシック" pitchFamily="-106" charset="-128"/>
-              </a:rPr>
+              <a:rPr lang="en-US" sz="1400" b="1" dirty="0"/>
               <a:t>Lesson</a:t>
             </a:r>
             <a:r>
-              <a:rPr lang="en-US" sz="1200" kern="1200" dirty="0">
-                <a:solidFill>
-                  <a:schemeClr val="tx1"/>
-                </a:solidFill>
-                <a:effectLst/>
-                <a:latin typeface="+mn-lt"/>
-                <a:ea typeface="ＭＳ Ｐゴシック" pitchFamily="-106" charset="-128"/>
-                <a:cs typeface="ＭＳ Ｐゴシック" pitchFamily="-106" charset="-128"/>
-              </a:rPr>
+              <a:rPr lang="en-US" sz="1400" dirty="0"/>
               <a:t>: Personal self-interest and love of the world can break gospel fellowship.</a:t>
             </a:r>
           </a:p>
           <a:p>
             <a:r>
-              <a:rPr lang="en-US" sz="1200" i="1" kern="1200" dirty="0">
-                <a:solidFill>
-                  <a:schemeClr val="tx1"/>
-                </a:solidFill>
-                <a:effectLst/>
-                <a:latin typeface="+mn-lt"/>
-                <a:ea typeface="ＭＳ Ｐゴシック" pitchFamily="-106" charset="-128"/>
-                <a:cs typeface="ＭＳ Ｐゴシック" pitchFamily="-106" charset="-128"/>
-              </a:rPr>
+              <a:rPr lang="en-US" sz="1400" i="1" dirty="0"/>
               <a:t>“Demas, because he loved this world, has deserted me…”</a:t>
             </a:r>
             <a:r>
-              <a:rPr lang="en-US" sz="1200" kern="1200" dirty="0">
-                <a:solidFill>
-                  <a:schemeClr val="tx1"/>
-                </a:solidFill>
-                <a:effectLst/>
-                <a:latin typeface="+mn-lt"/>
-                <a:ea typeface="ＭＳ Ｐゴシック" pitchFamily="-106" charset="-128"/>
-                <a:cs typeface="ＭＳ Ｐゴシック" pitchFamily="-106" charset="-128"/>
-              </a:rPr>
+              <a:rPr lang="en-US" sz="1400" dirty="0"/>
               <a:t> – 2 Timothy 4:10</a:t>
             </a:r>
           </a:p>
           <a:p>
             <a:r>
-              <a:rPr lang="en-US" sz="1200" kern="1200" dirty="0">
-                <a:solidFill>
-                  <a:schemeClr val="tx1"/>
-                </a:solidFill>
-                <a:effectLst/>
-                <a:latin typeface="+mn-lt"/>
-                <a:ea typeface="ＭＳ Ｐゴシック" pitchFamily="-106" charset="-128"/>
-                <a:cs typeface="ＭＳ Ｐゴシック" pitchFamily="-106" charset="-128"/>
-              </a:rPr>
+              <a:rPr lang="en-US" sz="1400" dirty="0"/>
               <a:t> </a:t>
             </a:r>
           </a:p>
           <a:p>
             <a:r>
-              <a:rPr lang="en-US" sz="1200" b="1" kern="1200" dirty="0">
-                <a:solidFill>
-                  <a:schemeClr val="tx1"/>
-                </a:solidFill>
-                <a:effectLst/>
-                <a:latin typeface="+mn-lt"/>
-                <a:ea typeface="ＭＳ Ｐゴシック" pitchFamily="-106" charset="-128"/>
-                <a:cs typeface="ＭＳ Ｐゴシック" pitchFamily="-106" charset="-128"/>
-              </a:rPr>
+              <a:rPr lang="en-US" sz="1400" b="1" dirty="0"/>
               <a:t>6. Diotrephes (3 John 9–10)</a:t>
             </a:r>
-            <a:endParaRPr lang="en-US" sz="1200" kern="1200" dirty="0">
-              <a:solidFill>
-                <a:schemeClr val="tx1"/>
-              </a:solidFill>
-              <a:effectLst/>
-              <a:latin typeface="+mn-lt"/>
-              <a:ea typeface="ＭＳ Ｐゴシック" pitchFamily="-106" charset="-128"/>
-              <a:cs typeface="ＭＳ Ｐゴシック" pitchFamily="-106" charset="-128"/>
-            </a:endParaRPr>
+            <a:endParaRPr lang="en-US" sz="1400" dirty="0"/>
           </a:p>
           <a:p>
             <a:pPr rtl="0" fontAlgn="ctr"/>
             <a:r>
-              <a:rPr lang="en-US" sz="1200" b="1" kern="1200" dirty="0">
-                <a:solidFill>
-                  <a:schemeClr val="tx1"/>
-                </a:solidFill>
-                <a:effectLst/>
-                <a:latin typeface="+mn-lt"/>
-                <a:ea typeface="ＭＳ Ｐゴシック" pitchFamily="-106" charset="-128"/>
-                <a:cs typeface="ＭＳ Ｐゴシック" pitchFamily="-106" charset="-128"/>
-              </a:rPr>
+              <a:rPr lang="en-US" sz="1400" b="1" dirty="0"/>
               <a:t>Violation</a:t>
             </a:r>
             <a:r>
-              <a:rPr lang="en-US" sz="1200" kern="1200" dirty="0">
-                <a:solidFill>
-                  <a:schemeClr val="tx1"/>
-                </a:solidFill>
-                <a:effectLst/>
-                <a:latin typeface="+mn-lt"/>
-                <a:ea typeface="ＭＳ Ｐゴシック" pitchFamily="-106" charset="-128"/>
-                <a:cs typeface="ＭＳ Ｐゴシック" pitchFamily="-106" charset="-128"/>
-              </a:rPr>
+              <a:rPr lang="en-US" sz="1400" dirty="0"/>
               <a:t>: Put himself first, rejected apostolic authority, and slandered fellow believers.</a:t>
             </a:r>
           </a:p>
           <a:p>
             <a:pPr rtl="0" fontAlgn="ctr"/>
             <a:r>
-              <a:rPr lang="en-US" sz="1200" b="1" kern="1200" dirty="0">
-                <a:solidFill>
-                  <a:schemeClr val="tx1"/>
-                </a:solidFill>
-                <a:effectLst/>
-                <a:latin typeface="+mn-lt"/>
-                <a:ea typeface="ＭＳ Ｐゴシック" pitchFamily="-106" charset="-128"/>
-                <a:cs typeface="ＭＳ Ｐゴシック" pitchFamily="-106" charset="-128"/>
-              </a:rPr>
+              <a:rPr lang="en-US" sz="1400" b="1" dirty="0"/>
               <a:t>Fellowship Breakdown</a:t>
             </a:r>
             <a:r>
-              <a:rPr lang="en-US" sz="1200" kern="1200" dirty="0">
-                <a:solidFill>
-                  <a:schemeClr val="tx1"/>
-                </a:solidFill>
-                <a:effectLst/>
-                <a:latin typeface="+mn-lt"/>
-                <a:ea typeface="ＭＳ Ｐゴシック" pitchFamily="-106" charset="-128"/>
-                <a:cs typeface="ＭＳ Ｐゴシック" pitchFamily="-106" charset="-128"/>
-              </a:rPr>
+              <a:rPr lang="en-US" sz="1400" dirty="0"/>
               <a:t>: Refused hospitality to others and cast out those who disagreed.</a:t>
             </a:r>
           </a:p>
           <a:p>
             <a:pPr rtl="0" fontAlgn="ctr"/>
             <a:r>
-              <a:rPr lang="en-US" sz="1200" b="1" kern="1200" dirty="0">
-                <a:solidFill>
-                  <a:schemeClr val="tx1"/>
-                </a:solidFill>
-                <a:effectLst/>
-                <a:latin typeface="+mn-lt"/>
-                <a:ea typeface="ＭＳ Ｐゴシック" pitchFamily="-106" charset="-128"/>
-                <a:cs typeface="ＭＳ Ｐゴシック" pitchFamily="-106" charset="-128"/>
-              </a:rPr>
+              <a:rPr lang="en-US" sz="1400" b="1" dirty="0"/>
               <a:t>Lesson</a:t>
             </a:r>
             <a:r>
-              <a:rPr lang="en-US" sz="1200" kern="1200" dirty="0">
-                <a:solidFill>
-                  <a:schemeClr val="tx1"/>
-                </a:solidFill>
-                <a:effectLst/>
-                <a:latin typeface="+mn-lt"/>
-                <a:ea typeface="ＭＳ Ｐゴシック" pitchFamily="-106" charset="-128"/>
-                <a:cs typeface="ＭＳ Ｐゴシック" pitchFamily="-106" charset="-128"/>
-              </a:rPr>
+              <a:rPr lang="en-US" sz="1400" dirty="0"/>
               <a:t>: Spiritual pride and control destroy the mutual submission that defines godly community.</a:t>
             </a:r>
           </a:p>
           <a:p>
             <a:r>
-              <a:rPr lang="en-US" sz="1200" kern="1200" dirty="0">
-                <a:solidFill>
-                  <a:schemeClr val="tx1"/>
-                </a:solidFill>
-                <a:effectLst/>
-                <a:latin typeface="+mn-lt"/>
-                <a:ea typeface="ＭＳ Ｐゴシック" pitchFamily="-106" charset="-128"/>
-                <a:cs typeface="ＭＳ Ｐゴシック" pitchFamily="-106" charset="-128"/>
-              </a:rPr>
+              <a:rPr lang="en-US" sz="1400" dirty="0"/>
               <a:t> </a:t>
             </a:r>
           </a:p>
@@ -2284,897 +1498,318 @@
           <a:lstStyle/>
           <a:p>
             <a:r>
-              <a:rPr lang="en-US" sz="1200" b="1" kern="1200" dirty="0">
-                <a:solidFill>
-                  <a:schemeClr val="tx1"/>
-                </a:solidFill>
-                <a:effectLst/>
-                <a:latin typeface="+mn-lt"/>
-                <a:ea typeface="ＭＳ Ｐゴシック" pitchFamily="-106" charset="-128"/>
-                <a:cs typeface="ＭＳ Ｐゴシック" pitchFamily="-106" charset="-128"/>
-              </a:rPr>
+              <a:rPr lang="en-US" sz="1400" b="1" dirty="0"/>
               <a:t>Historical Context</a:t>
             </a:r>
-            <a:endParaRPr lang="en-US" sz="1200" kern="1200" dirty="0">
-              <a:solidFill>
-                <a:schemeClr val="tx1"/>
-              </a:solidFill>
-              <a:effectLst/>
-              <a:latin typeface="+mn-lt"/>
-              <a:ea typeface="ＭＳ Ｐゴシック" pitchFamily="-106" charset="-128"/>
-              <a:cs typeface="ＭＳ Ｐゴシック" pitchFamily="-106" charset="-128"/>
-            </a:endParaRPr>
+            <a:endParaRPr lang="en-US" sz="1400" dirty="0"/>
           </a:p>
           <a:p>
             <a:pPr rtl="0" fontAlgn="ctr"/>
             <a:r>
-              <a:rPr lang="en-US" sz="1200" kern="1200" dirty="0">
-                <a:solidFill>
-                  <a:schemeClr val="tx1"/>
-                </a:solidFill>
-                <a:effectLst/>
-                <a:latin typeface="+mn-lt"/>
-                <a:ea typeface="ＭＳ Ｐゴシック" pitchFamily="-106" charset="-128"/>
-                <a:cs typeface="ＭＳ Ｐゴシック" pitchFamily="-106" charset="-128"/>
-              </a:rPr>
+              <a:rPr lang="en-US" sz="1400" dirty="0"/>
               <a:t>Around </a:t>
             </a:r>
             <a:r>
-              <a:rPr lang="en-US" sz="1200" b="1" kern="1200" dirty="0">
-                <a:solidFill>
-                  <a:schemeClr val="tx1"/>
-                </a:solidFill>
-                <a:effectLst/>
-                <a:latin typeface="+mn-lt"/>
-                <a:ea typeface="ＭＳ Ｐゴシック" pitchFamily="-106" charset="-128"/>
-                <a:cs typeface="ＭＳ Ｐゴシック" pitchFamily="-106" charset="-128"/>
-              </a:rPr>
+              <a:rPr lang="en-US" sz="1400" b="1" dirty="0"/>
               <a:t>250 AD</a:t>
             </a:r>
             <a:r>
-              <a:rPr lang="en-US" sz="1200" kern="1200" dirty="0">
-                <a:solidFill>
-                  <a:schemeClr val="tx1"/>
-                </a:solidFill>
-                <a:effectLst/>
-                <a:latin typeface="+mn-lt"/>
-                <a:ea typeface="ＭＳ Ｐゴシック" pitchFamily="-106" charset="-128"/>
-                <a:cs typeface="ＭＳ Ｐゴシック" pitchFamily="-106" charset="-128"/>
-              </a:rPr>
+              <a:rPr lang="en-US" sz="1400" dirty="0"/>
               <a:t>, under </a:t>
             </a:r>
             <a:r>
-              <a:rPr lang="en-US" sz="1200" b="1" kern="1200" dirty="0">
-                <a:solidFill>
-                  <a:schemeClr val="tx1"/>
-                </a:solidFill>
-                <a:effectLst/>
-                <a:latin typeface="+mn-lt"/>
-                <a:ea typeface="ＭＳ Ｐゴシック" pitchFamily="-106" charset="-128"/>
-                <a:cs typeface="ＭＳ Ｐゴシック" pitchFamily="-106" charset="-128"/>
-              </a:rPr>
+              <a:rPr lang="en-US" sz="1400" b="1" dirty="0"/>
               <a:t>Emperor Decius</a:t>
             </a:r>
             <a:r>
-              <a:rPr lang="en-US" sz="1200" kern="1200" dirty="0">
-                <a:solidFill>
-                  <a:schemeClr val="tx1"/>
-                </a:solidFill>
-                <a:effectLst/>
-                <a:latin typeface="+mn-lt"/>
-                <a:ea typeface="ＭＳ Ｐゴシック" pitchFamily="-106" charset="-128"/>
-                <a:cs typeface="ＭＳ Ｐゴシック" pitchFamily="-106" charset="-128"/>
-              </a:rPr>
+              <a:rPr lang="en-US" sz="1400" dirty="0"/>
               <a:t>, a major empire-wide </a:t>
             </a:r>
             <a:r>
-              <a:rPr lang="en-US" sz="1200" b="1" kern="1200" dirty="0">
-                <a:solidFill>
-                  <a:schemeClr val="tx1"/>
-                </a:solidFill>
-                <a:effectLst/>
-                <a:latin typeface="+mn-lt"/>
-                <a:ea typeface="ＭＳ Ｐゴシック" pitchFamily="-106" charset="-128"/>
-                <a:cs typeface="ＭＳ Ｐゴシック" pitchFamily="-106" charset="-128"/>
-              </a:rPr>
+              <a:rPr lang="en-US" sz="1400" b="1" dirty="0"/>
               <a:t>persecution of Christians</a:t>
             </a:r>
             <a:r>
-              <a:rPr lang="en-US" sz="1200" kern="1200" dirty="0">
-                <a:solidFill>
-                  <a:schemeClr val="tx1"/>
-                </a:solidFill>
-                <a:effectLst/>
-                <a:latin typeface="+mn-lt"/>
-                <a:ea typeface="ＭＳ Ｐゴシック" pitchFamily="-106" charset="-128"/>
-                <a:cs typeface="ＭＳ Ｐゴシック" pitchFamily="-106" charset="-128"/>
-              </a:rPr>
+              <a:rPr lang="en-US" sz="1400" dirty="0"/>
               <a:t> broke out.</a:t>
             </a:r>
           </a:p>
           <a:p>
             <a:pPr rtl="0" fontAlgn="ctr"/>
             <a:r>
-              <a:rPr lang="en-US" sz="1200" kern="1200" dirty="0">
-                <a:solidFill>
-                  <a:schemeClr val="tx1"/>
-                </a:solidFill>
-                <a:effectLst/>
-                <a:latin typeface="+mn-lt"/>
-                <a:ea typeface="ＭＳ Ｐゴシック" pitchFamily="-106" charset="-128"/>
-                <a:cs typeface="ＭＳ Ｐゴシック" pitchFamily="-106" charset="-128"/>
-              </a:rPr>
+              <a:rPr lang="en-US" sz="1400" dirty="0"/>
               <a:t>Christians were required to offer public sacrifices to Roman gods and receive a certificate (</a:t>
             </a:r>
             <a:r>
-              <a:rPr lang="en-US" sz="1200" b="1" kern="1200" dirty="0" err="1">
-                <a:solidFill>
-                  <a:schemeClr val="tx1"/>
-                </a:solidFill>
-                <a:effectLst/>
-                <a:latin typeface="+mn-lt"/>
-                <a:ea typeface="ＭＳ Ｐゴシック" pitchFamily="-106" charset="-128"/>
-                <a:cs typeface="ＭＳ Ｐゴシック" pitchFamily="-106" charset="-128"/>
-              </a:rPr>
+              <a:rPr lang="en-US" sz="1400" b="1" dirty="0" err="1"/>
               <a:t>libellus</a:t>
             </a:r>
             <a:r>
-              <a:rPr lang="en-US" sz="1200" kern="1200" dirty="0">
-                <a:solidFill>
-                  <a:schemeClr val="tx1"/>
-                </a:solidFill>
-                <a:effectLst/>
-                <a:latin typeface="+mn-lt"/>
-                <a:ea typeface="ＭＳ Ｐゴシック" pitchFamily="-106" charset="-128"/>
-                <a:cs typeface="ＭＳ Ｐゴシック" pitchFamily="-106" charset="-128"/>
-              </a:rPr>
+              <a:rPr lang="en-US" sz="1400" dirty="0"/>
               <a:t>) proving compliance.</a:t>
             </a:r>
           </a:p>
           <a:p>
             <a:pPr rtl="0" fontAlgn="ctr"/>
             <a:r>
-              <a:rPr lang="en-US" sz="1200" kern="1200" dirty="0">
-                <a:solidFill>
-                  <a:schemeClr val="tx1"/>
-                </a:solidFill>
-                <a:effectLst/>
-                <a:latin typeface="+mn-lt"/>
-                <a:ea typeface="ＭＳ Ｐゴシック" pitchFamily="-106" charset="-128"/>
-                <a:cs typeface="ＭＳ Ｐゴシック" pitchFamily="-106" charset="-128"/>
-              </a:rPr>
+              <a:rPr lang="en-US" sz="1400" dirty="0"/>
               <a:t>Many believers </a:t>
             </a:r>
             <a:r>
-              <a:rPr lang="en-US" sz="1200" b="1" kern="1200" dirty="0">
-                <a:solidFill>
-                  <a:schemeClr val="tx1"/>
-                </a:solidFill>
-                <a:effectLst/>
-                <a:latin typeface="+mn-lt"/>
-                <a:ea typeface="ＭＳ Ｐゴシック" pitchFamily="-106" charset="-128"/>
-                <a:cs typeface="ＭＳ Ｐゴシック" pitchFamily="-106" charset="-128"/>
-              </a:rPr>
+              <a:rPr lang="en-US" sz="1400" b="1" dirty="0"/>
               <a:t>lapsed (Latin: </a:t>
             </a:r>
             <a:r>
-              <a:rPr lang="en-US" sz="1200" b="1" i="1" kern="1200" dirty="0" err="1">
-                <a:solidFill>
-                  <a:schemeClr val="tx1"/>
-                </a:solidFill>
-                <a:effectLst/>
-                <a:latin typeface="+mn-lt"/>
-                <a:ea typeface="ＭＳ Ｐゴシック" pitchFamily="-106" charset="-128"/>
-                <a:cs typeface="ＭＳ Ｐゴシック" pitchFamily="-106" charset="-128"/>
-              </a:rPr>
+              <a:rPr lang="en-US" sz="1400" b="1" i="1" dirty="0" err="1"/>
               <a:t>lapsi</a:t>
             </a:r>
             <a:r>
-              <a:rPr lang="en-US" sz="1200" b="1" kern="1200" dirty="0">
-                <a:solidFill>
-                  <a:schemeClr val="tx1"/>
-                </a:solidFill>
-                <a:effectLst/>
-                <a:latin typeface="+mn-lt"/>
-                <a:ea typeface="ＭＳ Ｐゴシック" pitchFamily="-106" charset="-128"/>
-                <a:cs typeface="ＭＳ Ｐゴシック" pitchFamily="-106" charset="-128"/>
-              </a:rPr>
+              <a:rPr lang="en-US" sz="1400" b="1" dirty="0"/>
               <a:t>)</a:t>
             </a:r>
             <a:r>
-              <a:rPr lang="en-US" sz="1200" kern="1200" dirty="0">
-                <a:solidFill>
-                  <a:schemeClr val="tx1"/>
-                </a:solidFill>
-                <a:effectLst/>
-                <a:latin typeface="+mn-lt"/>
-                <a:ea typeface="ＭＳ Ｐゴシック" pitchFamily="-106" charset="-128"/>
-                <a:cs typeface="ＭＳ Ｐゴシック" pitchFamily="-106" charset="-128"/>
-              </a:rPr>
+              <a:rPr lang="en-US" sz="1400" dirty="0"/>
               <a:t>—denying Christ under pressure to save their lives or protect their families.</a:t>
             </a:r>
           </a:p>
           <a:p>
-            <a:endParaRPr lang="en-US" dirty="0"/>
-          </a:p>
-          <a:p>
-            <a:r>
-              <a:rPr lang="en-US" sz="1200" b="1" kern="1200" dirty="0">
-                <a:solidFill>
-                  <a:schemeClr val="tx1"/>
-                </a:solidFill>
-                <a:effectLst/>
-                <a:latin typeface="+mn-lt"/>
-                <a:ea typeface="ＭＳ Ｐゴシック" pitchFamily="-106" charset="-128"/>
-                <a:cs typeface="ＭＳ Ｐゴシック" pitchFamily="-106" charset="-128"/>
-              </a:rPr>
+            <a:endParaRPr lang="en-US" sz="1400" dirty="0"/>
+          </a:p>
+          <a:p>
+            <a:r>
+              <a:rPr lang="en-US" sz="1400" b="1" dirty="0"/>
               <a:t>The Schism: How the Division Arose</a:t>
             </a:r>
-            <a:endParaRPr lang="en-US" sz="1200" kern="1200" dirty="0">
-              <a:solidFill>
-                <a:schemeClr val="tx1"/>
-              </a:solidFill>
-              <a:effectLst/>
-              <a:latin typeface="+mn-lt"/>
-              <a:ea typeface="ＭＳ Ｐゴシック" pitchFamily="-106" charset="-128"/>
-              <a:cs typeface="ＭＳ Ｐゴシック" pitchFamily="-106" charset="-128"/>
-            </a:endParaRPr>
-          </a:p>
-          <a:p>
-            <a:r>
-              <a:rPr lang="en-US" sz="1200" b="1" kern="1200" dirty="0">
-                <a:solidFill>
-                  <a:schemeClr val="tx1"/>
-                </a:solidFill>
-                <a:effectLst/>
-                <a:latin typeface="+mn-lt"/>
-                <a:ea typeface="ＭＳ Ｐゴシック" pitchFamily="-106" charset="-128"/>
-                <a:cs typeface="ＭＳ Ｐゴシック" pitchFamily="-106" charset="-128"/>
-              </a:rPr>
+            <a:endParaRPr lang="en-US" sz="1400" dirty="0"/>
+          </a:p>
+          <a:p>
+            <a:r>
+              <a:rPr lang="en-US" sz="1400" b="1" dirty="0"/>
               <a:t>The Key Issue: What to Do With the Lapsed?</a:t>
             </a:r>
-            <a:endParaRPr lang="en-US" sz="1200" kern="1200" dirty="0">
-              <a:solidFill>
-                <a:schemeClr val="tx1"/>
-              </a:solidFill>
-              <a:effectLst/>
-              <a:latin typeface="+mn-lt"/>
-              <a:ea typeface="ＭＳ Ｐゴシック" pitchFamily="-106" charset="-128"/>
-              <a:cs typeface="ＭＳ Ｐゴシック" pitchFamily="-106" charset="-128"/>
-            </a:endParaRPr>
+            <a:endParaRPr lang="en-US" sz="1400" dirty="0"/>
           </a:p>
           <a:p>
             <a:pPr rtl="0" fontAlgn="ctr"/>
             <a:r>
-              <a:rPr lang="en-US" sz="1200" kern="1200" dirty="0">
-                <a:solidFill>
-                  <a:schemeClr val="tx1"/>
-                </a:solidFill>
-                <a:effectLst/>
-                <a:latin typeface="+mn-lt"/>
-                <a:ea typeface="ＭＳ Ｐゴシック" pitchFamily="-106" charset="-128"/>
-                <a:cs typeface="ＭＳ Ｐゴシック" pitchFamily="-106" charset="-128"/>
-              </a:rPr>
+              <a:rPr lang="en-US" sz="1400" dirty="0"/>
               <a:t>After the persecution ended, some believers wanted to </a:t>
             </a:r>
             <a:r>
-              <a:rPr lang="en-US" sz="1200" b="1" kern="1200" dirty="0">
-                <a:solidFill>
-                  <a:schemeClr val="tx1"/>
-                </a:solidFill>
-                <a:effectLst/>
-                <a:latin typeface="+mn-lt"/>
-                <a:ea typeface="ＭＳ Ｐゴシック" pitchFamily="-106" charset="-128"/>
-                <a:cs typeface="ＭＳ Ｐゴシック" pitchFamily="-106" charset="-128"/>
-              </a:rPr>
+              <a:rPr lang="en-US" sz="1400" b="1" dirty="0"/>
               <a:t>return to the Church</a:t>
             </a:r>
             <a:r>
-              <a:rPr lang="en-US" sz="1200" kern="1200" dirty="0">
-                <a:solidFill>
-                  <a:schemeClr val="tx1"/>
-                </a:solidFill>
-                <a:effectLst/>
-                <a:latin typeface="+mn-lt"/>
-                <a:ea typeface="ＭＳ Ｐゴシック" pitchFamily="-106" charset="-128"/>
-                <a:cs typeface="ＭＳ Ｐゴシック" pitchFamily="-106" charset="-128"/>
-              </a:rPr>
+              <a:rPr lang="en-US" sz="1400" dirty="0"/>
               <a:t>.</a:t>
             </a:r>
           </a:p>
           <a:p>
             <a:pPr rtl="0" fontAlgn="ctr"/>
             <a:r>
-              <a:rPr lang="en-US" sz="1200" kern="1200" dirty="0">
-                <a:solidFill>
-                  <a:schemeClr val="tx1"/>
-                </a:solidFill>
-                <a:effectLst/>
-                <a:latin typeface="+mn-lt"/>
-                <a:ea typeface="ＭＳ Ｐゴシック" pitchFamily="-106" charset="-128"/>
-                <a:cs typeface="ＭＳ Ｐゴシック" pitchFamily="-106" charset="-128"/>
-              </a:rPr>
+              <a:rPr lang="en-US" sz="1400" dirty="0"/>
               <a:t>This triggered a major debate over </a:t>
             </a:r>
             <a:r>
-              <a:rPr lang="en-US" sz="1200" b="1" kern="1200" dirty="0">
-                <a:solidFill>
-                  <a:schemeClr val="tx1"/>
-                </a:solidFill>
-                <a:effectLst/>
-                <a:latin typeface="+mn-lt"/>
-                <a:ea typeface="ＭＳ Ｐゴシック" pitchFamily="-106" charset="-128"/>
-                <a:cs typeface="ＭＳ Ｐゴシック" pitchFamily="-106" charset="-128"/>
-              </a:rPr>
+              <a:rPr lang="en-US" sz="1400" b="1" dirty="0"/>
               <a:t>church purity</a:t>
             </a:r>
             <a:r>
-              <a:rPr lang="en-US" sz="1200" kern="1200" dirty="0">
-                <a:solidFill>
-                  <a:schemeClr val="tx1"/>
-                </a:solidFill>
-                <a:effectLst/>
-                <a:latin typeface="+mn-lt"/>
-                <a:ea typeface="ＭＳ Ｐゴシック" pitchFamily="-106" charset="-128"/>
-                <a:cs typeface="ＭＳ Ｐゴシック" pitchFamily="-106" charset="-128"/>
-              </a:rPr>
+              <a:rPr lang="en-US" sz="1400" dirty="0"/>
               <a:t> vs. </a:t>
             </a:r>
             <a:r>
-              <a:rPr lang="en-US" sz="1200" b="1" kern="1200" dirty="0">
-                <a:solidFill>
-                  <a:schemeClr val="tx1"/>
-                </a:solidFill>
-                <a:effectLst/>
-                <a:latin typeface="+mn-lt"/>
-                <a:ea typeface="ＭＳ Ｐゴシック" pitchFamily="-106" charset="-128"/>
-                <a:cs typeface="ＭＳ Ｐゴシック" pitchFamily="-106" charset="-128"/>
-              </a:rPr>
+              <a:rPr lang="en-US" sz="1400" b="1" dirty="0"/>
               <a:t>mercy and reconciliation</a:t>
             </a:r>
             <a:r>
-              <a:rPr lang="en-US" sz="1200" kern="1200" dirty="0">
-                <a:solidFill>
-                  <a:schemeClr val="tx1"/>
-                </a:solidFill>
-                <a:effectLst/>
-                <a:latin typeface="+mn-lt"/>
-                <a:ea typeface="ＭＳ Ｐゴシック" pitchFamily="-106" charset="-128"/>
-                <a:cs typeface="ＭＳ Ｐゴシック" pitchFamily="-106" charset="-128"/>
-              </a:rPr>
+              <a:rPr lang="en-US" sz="1400" dirty="0"/>
               <a:t>.</a:t>
             </a:r>
           </a:p>
           <a:p>
             <a:r>
-              <a:rPr lang="en-US" sz="1200" b="1" kern="1200" dirty="0">
-                <a:solidFill>
-                  <a:schemeClr val="tx1"/>
-                </a:solidFill>
-                <a:effectLst/>
-                <a:latin typeface="+mn-lt"/>
-                <a:ea typeface="ＭＳ Ｐゴシック" pitchFamily="-106" charset="-128"/>
-                <a:cs typeface="ＭＳ Ｐゴシック" pitchFamily="-106" charset="-128"/>
-              </a:rPr>
+              <a:rPr lang="en-US" sz="1400" b="1" dirty="0"/>
               <a:t>Two Responses Emerged:</a:t>
             </a:r>
-            <a:endParaRPr lang="en-US" sz="1200" kern="1200" dirty="0">
-              <a:solidFill>
-                <a:schemeClr val="tx1"/>
-              </a:solidFill>
-              <a:effectLst/>
-              <a:latin typeface="+mn-lt"/>
-              <a:ea typeface="ＭＳ Ｐゴシック" pitchFamily="-106" charset="-128"/>
-              <a:cs typeface="ＭＳ Ｐゴシック" pitchFamily="-106" charset="-128"/>
-            </a:endParaRPr>
-          </a:p>
-          <a:p>
-            <a:r>
-              <a:rPr lang="en-US" sz="1200" b="1" kern="1200" dirty="0">
-                <a:solidFill>
-                  <a:schemeClr val="tx1"/>
-                </a:solidFill>
-                <a:effectLst/>
-                <a:latin typeface="+mn-lt"/>
-                <a:ea typeface="ＭＳ Ｐゴシック" pitchFamily="-106" charset="-128"/>
-                <a:cs typeface="ＭＳ Ｐゴシック" pitchFamily="-106" charset="-128"/>
-              </a:rPr>
+            <a:endParaRPr lang="en-US" sz="1400" dirty="0"/>
+          </a:p>
+          <a:p>
+            <a:r>
+              <a:rPr lang="en-US" sz="1400" b="1" dirty="0"/>
               <a:t>1. Novatian (in Rome)</a:t>
             </a:r>
-            <a:endParaRPr lang="en-US" sz="1200" kern="1200" dirty="0">
-              <a:solidFill>
-                <a:schemeClr val="tx1"/>
-              </a:solidFill>
-              <a:effectLst/>
-              <a:latin typeface="+mn-lt"/>
-              <a:ea typeface="ＭＳ Ｐゴシック" pitchFamily="-106" charset="-128"/>
-              <a:cs typeface="ＭＳ Ｐゴシック" pitchFamily="-106" charset="-128"/>
-            </a:endParaRPr>
+            <a:endParaRPr lang="en-US" sz="1400" dirty="0"/>
           </a:p>
           <a:p>
             <a:pPr rtl="0" fontAlgn="ctr"/>
             <a:r>
-              <a:rPr lang="en-US" sz="1200" kern="1200" dirty="0">
-                <a:solidFill>
-                  <a:schemeClr val="tx1"/>
-                </a:solidFill>
-                <a:effectLst/>
-                <a:latin typeface="+mn-lt"/>
-                <a:ea typeface="ＭＳ Ｐゴシック" pitchFamily="-106" charset="-128"/>
-                <a:cs typeface="ＭＳ Ｐゴシック" pitchFamily="-106" charset="-128"/>
-              </a:rPr>
+              <a:rPr lang="en-US" sz="1400" dirty="0"/>
               <a:t>A respected presbyter and theologian.</a:t>
             </a:r>
           </a:p>
           <a:p>
             <a:pPr rtl="0" fontAlgn="ctr"/>
             <a:r>
-              <a:rPr lang="en-US" sz="1200" kern="1200" dirty="0">
-                <a:solidFill>
-                  <a:schemeClr val="tx1"/>
-                </a:solidFill>
-                <a:effectLst/>
-                <a:latin typeface="+mn-lt"/>
-                <a:ea typeface="ＭＳ Ｐゴシック" pitchFamily="-106" charset="-128"/>
-                <a:cs typeface="ＭＳ Ｐゴシック" pitchFamily="-106" charset="-128"/>
-              </a:rPr>
+              <a:rPr lang="en-US" sz="1400" dirty="0"/>
               <a:t>Argued that </a:t>
             </a:r>
             <a:r>
-              <a:rPr lang="en-US" sz="1200" b="1" kern="1200" dirty="0">
-                <a:solidFill>
-                  <a:schemeClr val="tx1"/>
-                </a:solidFill>
-                <a:effectLst/>
-                <a:latin typeface="+mn-lt"/>
-                <a:ea typeface="ＭＳ Ｐゴシック" pitchFamily="-106" charset="-128"/>
-                <a:cs typeface="ＭＳ Ｐゴシック" pitchFamily="-106" charset="-128"/>
-              </a:rPr>
+              <a:rPr lang="en-US" sz="1400" b="1" dirty="0"/>
               <a:t>the lapsed could not be forgiven</a:t>
             </a:r>
             <a:r>
-              <a:rPr lang="en-US" sz="1200" kern="1200" dirty="0">
-                <a:solidFill>
-                  <a:schemeClr val="tx1"/>
-                </a:solidFill>
-                <a:effectLst/>
-                <a:latin typeface="+mn-lt"/>
-                <a:ea typeface="ＭＳ Ｐゴシック" pitchFamily="-106" charset="-128"/>
-                <a:cs typeface="ＭＳ Ｐゴシック" pitchFamily="-106" charset="-128"/>
-              </a:rPr>
+              <a:rPr lang="en-US" sz="1400" dirty="0"/>
               <a:t> by the Church—only God could do so at final judgment.</a:t>
             </a:r>
           </a:p>
           <a:p>
             <a:pPr rtl="0" fontAlgn="ctr"/>
             <a:r>
-              <a:rPr lang="en-US" sz="1200" kern="1200" dirty="0">
-                <a:solidFill>
-                  <a:schemeClr val="tx1"/>
-                </a:solidFill>
-                <a:effectLst/>
-                <a:latin typeface="+mn-lt"/>
-                <a:ea typeface="ＭＳ Ｐゴシック" pitchFamily="-106" charset="-128"/>
-                <a:cs typeface="ＭＳ Ｐゴシック" pitchFamily="-106" charset="-128"/>
-              </a:rPr>
+              <a:rPr lang="en-US" sz="1400" dirty="0"/>
               <a:t>His view: The Church must be a community of the pure; forgiveness was impossible for post-baptismal apostasy.</a:t>
             </a:r>
           </a:p>
           <a:p>
             <a:r>
-              <a:rPr lang="en-US" sz="1200" b="1" kern="1200" dirty="0">
-                <a:solidFill>
-                  <a:schemeClr val="tx1"/>
-                </a:solidFill>
-                <a:effectLst/>
-                <a:latin typeface="+mn-lt"/>
-                <a:ea typeface="ＭＳ Ｐゴシック" pitchFamily="-106" charset="-128"/>
-                <a:cs typeface="ＭＳ Ｐゴシック" pitchFamily="-106" charset="-128"/>
-              </a:rPr>
+              <a:rPr lang="en-US" sz="1400" b="1" dirty="0"/>
               <a:t>2. Cyprian (Bishop of Carthage)</a:t>
             </a:r>
-            <a:endParaRPr lang="en-US" sz="1200" kern="1200" dirty="0">
-              <a:solidFill>
-                <a:schemeClr val="tx1"/>
-              </a:solidFill>
-              <a:effectLst/>
-              <a:latin typeface="+mn-lt"/>
-              <a:ea typeface="ＭＳ Ｐゴシック" pitchFamily="-106" charset="-128"/>
-              <a:cs typeface="ＭＳ Ｐゴシック" pitchFamily="-106" charset="-128"/>
-            </a:endParaRPr>
+            <a:endParaRPr lang="en-US" sz="1400" dirty="0"/>
           </a:p>
           <a:p>
             <a:pPr rtl="0" fontAlgn="ctr"/>
             <a:r>
-              <a:rPr lang="en-US" sz="1200" kern="1200" dirty="0">
-                <a:solidFill>
-                  <a:schemeClr val="tx1"/>
-                </a:solidFill>
-                <a:effectLst/>
-                <a:latin typeface="+mn-lt"/>
-                <a:ea typeface="ＭＳ Ｐゴシック" pitchFamily="-106" charset="-128"/>
-                <a:cs typeface="ＭＳ Ｐゴシック" pitchFamily="-106" charset="-128"/>
-              </a:rPr>
+              <a:rPr lang="en-US" sz="1400" dirty="0"/>
               <a:t>Took a </a:t>
             </a:r>
             <a:r>
-              <a:rPr lang="en-US" sz="1200" b="1" kern="1200" dirty="0">
-                <a:solidFill>
-                  <a:schemeClr val="tx1"/>
-                </a:solidFill>
-                <a:effectLst/>
-                <a:latin typeface="+mn-lt"/>
-                <a:ea typeface="ＭＳ Ｐゴシック" pitchFamily="-106" charset="-128"/>
-                <a:cs typeface="ＭＳ Ｐゴシック" pitchFamily="-106" charset="-128"/>
-              </a:rPr>
+              <a:rPr lang="en-US" sz="1400" b="1" dirty="0"/>
               <a:t>pastoral and restorative approach</a:t>
             </a:r>
             <a:r>
-              <a:rPr lang="en-US" sz="1200" kern="1200" dirty="0">
-                <a:solidFill>
-                  <a:schemeClr val="tx1"/>
-                </a:solidFill>
-                <a:effectLst/>
-                <a:latin typeface="+mn-lt"/>
-                <a:ea typeface="ＭＳ Ｐゴシック" pitchFamily="-106" charset="-128"/>
-                <a:cs typeface="ＭＳ Ｐゴシック" pitchFamily="-106" charset="-128"/>
-              </a:rPr>
+              <a:rPr lang="en-US" sz="1400" dirty="0"/>
               <a:t>, rooted in unity and church authority.</a:t>
             </a:r>
           </a:p>
           <a:p>
             <a:pPr rtl="0" fontAlgn="ctr"/>
             <a:r>
-              <a:rPr lang="en-US" sz="1200" kern="1200" dirty="0">
-                <a:solidFill>
-                  <a:schemeClr val="tx1"/>
-                </a:solidFill>
-                <a:effectLst/>
-                <a:latin typeface="+mn-lt"/>
-                <a:ea typeface="ＭＳ Ｐゴシック" pitchFamily="-106" charset="-128"/>
-                <a:cs typeface="ＭＳ Ｐゴシック" pitchFamily="-106" charset="-128"/>
-              </a:rPr>
+              <a:rPr lang="en-US" sz="1400" dirty="0"/>
               <a:t>Recognized that some lapsed had sinned gravely, but believed the Church had </a:t>
             </a:r>
             <a:r>
-              <a:rPr lang="en-US" sz="1200" b="1" kern="1200" dirty="0">
-                <a:solidFill>
-                  <a:schemeClr val="tx1"/>
-                </a:solidFill>
-                <a:effectLst/>
-                <a:latin typeface="+mn-lt"/>
-                <a:ea typeface="ＭＳ Ｐゴシック" pitchFamily="-106" charset="-128"/>
-                <a:cs typeface="ＭＳ Ｐゴシック" pitchFamily="-106" charset="-128"/>
-              </a:rPr>
+              <a:rPr lang="en-US" sz="1400" b="1" dirty="0"/>
               <a:t>power to forgive</a:t>
             </a:r>
             <a:r>
-              <a:rPr lang="en-US" sz="1200" kern="1200" dirty="0">
-                <a:solidFill>
-                  <a:schemeClr val="tx1"/>
-                </a:solidFill>
-                <a:effectLst/>
-                <a:latin typeface="+mn-lt"/>
-                <a:ea typeface="ＭＳ Ｐゴシック" pitchFamily="-106" charset="-128"/>
-                <a:cs typeface="ＭＳ Ｐゴシック" pitchFamily="-106" charset="-128"/>
-              </a:rPr>
+              <a:rPr lang="en-US" sz="1400" dirty="0"/>
               <a:t> under Christ’s authority (John 20:23).</a:t>
             </a:r>
           </a:p>
           <a:p>
             <a:pPr rtl="0" fontAlgn="ctr"/>
             <a:r>
-              <a:rPr lang="en-US" sz="1200" kern="1200" dirty="0">
-                <a:solidFill>
-                  <a:schemeClr val="tx1"/>
-                </a:solidFill>
-                <a:effectLst/>
-                <a:latin typeface="+mn-lt"/>
-                <a:ea typeface="ＭＳ Ｐゴシック" pitchFamily="-106" charset="-128"/>
-                <a:cs typeface="ＭＳ Ｐゴシック" pitchFamily="-106" charset="-128"/>
-              </a:rPr>
+              <a:rPr lang="en-US" sz="1400" dirty="0"/>
               <a:t>Advocated for </a:t>
             </a:r>
             <a:r>
-              <a:rPr lang="en-US" sz="1200" b="1" kern="1200" dirty="0">
-                <a:solidFill>
-                  <a:schemeClr val="tx1"/>
-                </a:solidFill>
-                <a:effectLst/>
-                <a:latin typeface="+mn-lt"/>
-                <a:ea typeface="ＭＳ Ｐゴシック" pitchFamily="-106" charset="-128"/>
-                <a:cs typeface="ＭＳ Ｐゴシック" pitchFamily="-106" charset="-128"/>
-              </a:rPr>
+              <a:rPr lang="en-US" sz="1400" b="1" dirty="0"/>
               <a:t>gradual restoration</a:t>
             </a:r>
             <a:r>
-              <a:rPr lang="en-US" sz="1200" kern="1200" dirty="0">
-                <a:solidFill>
-                  <a:schemeClr val="tx1"/>
-                </a:solidFill>
-                <a:effectLst/>
-                <a:latin typeface="+mn-lt"/>
-                <a:ea typeface="ＭＳ Ｐゴシック" pitchFamily="-106" charset="-128"/>
-                <a:cs typeface="ＭＳ Ｐゴシック" pitchFamily="-106" charset="-128"/>
-              </a:rPr>
+              <a:rPr lang="en-US" sz="1400" dirty="0"/>
               <a:t> of the lapsed through repentance, confession, and spiritual discipline.</a:t>
             </a:r>
           </a:p>
           <a:p>
             <a:pPr rtl="0" fontAlgn="ctr"/>
-            <a:endParaRPr lang="en-US" sz="1200" kern="1200" dirty="0">
-              <a:solidFill>
-                <a:schemeClr val="tx1"/>
-              </a:solidFill>
-              <a:effectLst/>
-              <a:latin typeface="+mn-lt"/>
-              <a:ea typeface="ＭＳ Ｐゴシック" pitchFamily="-106" charset="-128"/>
-              <a:cs typeface="ＭＳ Ｐゴシック" pitchFamily="-106" charset="-128"/>
-            </a:endParaRPr>
-          </a:p>
-          <a:p>
-            <a:r>
-              <a:rPr lang="en-US" sz="1200" b="1" kern="1200" dirty="0">
-                <a:solidFill>
-                  <a:schemeClr val="tx1"/>
-                </a:solidFill>
-                <a:effectLst/>
-                <a:latin typeface="+mn-lt"/>
-                <a:ea typeface="ＭＳ Ｐゴシック" pitchFamily="-106" charset="-128"/>
-                <a:cs typeface="ＭＳ Ｐゴシック" pitchFamily="-106" charset="-128"/>
-              </a:rPr>
+            <a:endParaRPr lang="en-US" sz="1400" dirty="0"/>
+          </a:p>
+          <a:p>
+            <a:r>
+              <a:rPr lang="en-US" sz="1400" b="1" dirty="0"/>
               <a:t>Synod and Consensus</a:t>
             </a:r>
-            <a:endParaRPr lang="en-US" sz="1200" kern="1200" dirty="0">
-              <a:solidFill>
-                <a:schemeClr val="tx1"/>
-              </a:solidFill>
-              <a:effectLst/>
-              <a:latin typeface="+mn-lt"/>
-              <a:ea typeface="ＭＳ Ｐゴシック" pitchFamily="-106" charset="-128"/>
-              <a:cs typeface="ＭＳ Ｐゴシック" pitchFamily="-106" charset="-128"/>
-            </a:endParaRPr>
+            <a:endParaRPr lang="en-US" sz="1400" dirty="0"/>
           </a:p>
           <a:p>
             <a:pPr rtl="0" fontAlgn="ctr"/>
             <a:r>
-              <a:rPr lang="en-US" sz="1200" kern="1200" dirty="0">
-                <a:solidFill>
-                  <a:schemeClr val="tx1"/>
-                </a:solidFill>
-                <a:effectLst/>
-                <a:latin typeface="+mn-lt"/>
-                <a:ea typeface="ＭＳ Ｐゴシック" pitchFamily="-106" charset="-128"/>
-                <a:cs typeface="ＭＳ Ｐゴシック" pitchFamily="-106" charset="-128"/>
-              </a:rPr>
+              <a:rPr lang="en-US" sz="1400" dirty="0"/>
               <a:t>In 251 AD, Cyprian convened a </a:t>
             </a:r>
             <a:r>
-              <a:rPr lang="en-US" sz="1200" b="1" kern="1200" dirty="0">
-                <a:solidFill>
-                  <a:schemeClr val="tx1"/>
-                </a:solidFill>
-                <a:effectLst/>
-                <a:latin typeface="+mn-lt"/>
-                <a:ea typeface="ＭＳ Ｐゴシック" pitchFamily="-106" charset="-128"/>
-                <a:cs typeface="ＭＳ Ｐゴシック" pitchFamily="-106" charset="-128"/>
-              </a:rPr>
+              <a:rPr lang="en-US" sz="1400" b="1" dirty="0"/>
               <a:t>council of African bishops</a:t>
             </a:r>
             <a:r>
-              <a:rPr lang="en-US" sz="1200" kern="1200" dirty="0">
-                <a:solidFill>
-                  <a:schemeClr val="tx1"/>
-                </a:solidFill>
-                <a:effectLst/>
-                <a:latin typeface="+mn-lt"/>
-                <a:ea typeface="ＭＳ Ｐゴシック" pitchFamily="-106" charset="-128"/>
-                <a:cs typeface="ＭＳ Ｐゴシック" pitchFamily="-106" charset="-128"/>
-              </a:rPr>
+              <a:rPr lang="en-US" sz="1400" dirty="0"/>
               <a:t>.</a:t>
             </a:r>
           </a:p>
           <a:p>
             <a:r>
-              <a:rPr lang="en-US" sz="1200" b="1" kern="1200" dirty="0">
-                <a:solidFill>
-                  <a:schemeClr val="tx1"/>
-                </a:solidFill>
-                <a:effectLst/>
-                <a:latin typeface="+mn-lt"/>
-                <a:ea typeface="ＭＳ Ｐゴシック" pitchFamily="-106" charset="-128"/>
-                <a:cs typeface="ＭＳ Ｐゴシック" pitchFamily="-106" charset="-128"/>
-              </a:rPr>
+              <a:rPr lang="en-US" sz="1400" b="1" dirty="0"/>
               <a:t>1. Three-Tiered Approach to the Lapsed</a:t>
             </a:r>
-            <a:endParaRPr lang="en-US" sz="1200" kern="1200" dirty="0">
-              <a:solidFill>
-                <a:schemeClr val="tx1"/>
-              </a:solidFill>
-              <a:effectLst/>
-              <a:latin typeface="+mn-lt"/>
-              <a:ea typeface="ＭＳ Ｐゴシック" pitchFamily="-106" charset="-128"/>
-              <a:cs typeface="ＭＳ Ｐゴシック" pitchFamily="-106" charset="-128"/>
-            </a:endParaRPr>
+            <a:endParaRPr lang="en-US" sz="1400" dirty="0"/>
           </a:p>
           <a:p>
             <a:pPr rtl="0" fontAlgn="ctr"/>
             <a:r>
-              <a:rPr lang="en-US" sz="1200" b="1" kern="1200" dirty="0">
-                <a:solidFill>
-                  <a:schemeClr val="tx1"/>
-                </a:solidFill>
-                <a:effectLst/>
-                <a:latin typeface="+mn-lt"/>
-                <a:ea typeface="ＭＳ Ｐゴシック" pitchFamily="-106" charset="-128"/>
-                <a:cs typeface="ＭＳ Ｐゴシック" pitchFamily="-106" charset="-128"/>
-              </a:rPr>
+              <a:rPr lang="en-US" sz="1400" b="1" dirty="0"/>
               <a:t>Immediate restoration</a:t>
             </a:r>
             <a:r>
-              <a:rPr lang="en-US" sz="1200" kern="1200" dirty="0">
-                <a:solidFill>
-                  <a:schemeClr val="tx1"/>
-                </a:solidFill>
-                <a:effectLst/>
-                <a:latin typeface="+mn-lt"/>
-                <a:ea typeface="ＭＳ Ｐゴシック" pitchFamily="-106" charset="-128"/>
-                <a:cs typeface="ＭＳ Ｐゴシック" pitchFamily="-106" charset="-128"/>
-              </a:rPr>
+              <a:rPr lang="en-US" sz="1400" dirty="0"/>
               <a:t> for those who had resisted or suffered torture.</a:t>
             </a:r>
           </a:p>
           <a:p>
             <a:pPr rtl="0" fontAlgn="ctr"/>
             <a:r>
-              <a:rPr lang="en-US" sz="1200" b="1" kern="1200" dirty="0">
-                <a:solidFill>
-                  <a:schemeClr val="tx1"/>
-                </a:solidFill>
-                <a:effectLst/>
-                <a:latin typeface="+mn-lt"/>
-                <a:ea typeface="ＭＳ Ｐゴシック" pitchFamily="-106" charset="-128"/>
-                <a:cs typeface="ＭＳ Ｐゴシック" pitchFamily="-106" charset="-128"/>
-              </a:rPr>
+              <a:rPr lang="en-US" sz="1400" b="1" dirty="0"/>
               <a:t>Conditional restoration</a:t>
             </a:r>
             <a:r>
-              <a:rPr lang="en-US" sz="1200" kern="1200" dirty="0">
-                <a:solidFill>
-                  <a:schemeClr val="tx1"/>
-                </a:solidFill>
-                <a:effectLst/>
-                <a:latin typeface="+mn-lt"/>
-                <a:ea typeface="ＭＳ Ｐゴシック" pitchFamily="-106" charset="-128"/>
-                <a:cs typeface="ＭＳ Ｐゴシック" pitchFamily="-106" charset="-128"/>
-              </a:rPr>
+              <a:rPr lang="en-US" sz="1400" dirty="0"/>
               <a:t> for the lapsed after a period of penance.</a:t>
             </a:r>
           </a:p>
           <a:p>
             <a:pPr rtl="0" fontAlgn="ctr"/>
             <a:r>
-              <a:rPr lang="en-US" sz="1200" b="1" kern="1200" dirty="0">
-                <a:solidFill>
-                  <a:schemeClr val="tx1"/>
-                </a:solidFill>
-                <a:effectLst/>
-                <a:latin typeface="+mn-lt"/>
-                <a:ea typeface="ＭＳ Ｐゴシック" pitchFamily="-106" charset="-128"/>
-                <a:cs typeface="ＭＳ Ｐゴシック" pitchFamily="-106" charset="-128"/>
-              </a:rPr>
+              <a:rPr lang="en-US" sz="1400" b="1" dirty="0"/>
               <a:t>Permanent exclusion</a:t>
             </a:r>
             <a:r>
-              <a:rPr lang="en-US" sz="1200" kern="1200" dirty="0">
-                <a:solidFill>
-                  <a:schemeClr val="tx1"/>
-                </a:solidFill>
-                <a:effectLst/>
-                <a:latin typeface="+mn-lt"/>
-                <a:ea typeface="ＭＳ Ｐゴシック" pitchFamily="-106" charset="-128"/>
-                <a:cs typeface="ＭＳ Ｐゴシック" pitchFamily="-106" charset="-128"/>
-              </a:rPr>
+              <a:rPr lang="en-US" sz="1400" dirty="0"/>
               <a:t> for those unrepentant or defiant.</a:t>
             </a:r>
           </a:p>
           <a:p>
             <a:r>
-              <a:rPr lang="en-US" sz="1200" b="1" kern="1200" dirty="0">
-                <a:solidFill>
-                  <a:schemeClr val="tx1"/>
-                </a:solidFill>
-                <a:effectLst/>
-                <a:latin typeface="+mn-lt"/>
-                <a:ea typeface="ＭＳ Ｐゴシック" pitchFamily="-106" charset="-128"/>
-                <a:cs typeface="ＭＳ Ｐゴシック" pitchFamily="-106" charset="-128"/>
-              </a:rPr>
+              <a:rPr lang="en-US" sz="1400" b="1" dirty="0"/>
               <a:t>2. Emphasis on Unity</a:t>
             </a:r>
-            <a:endParaRPr lang="en-US" sz="1200" kern="1200" dirty="0">
-              <a:solidFill>
-                <a:schemeClr val="tx1"/>
-              </a:solidFill>
-              <a:effectLst/>
-              <a:latin typeface="+mn-lt"/>
-              <a:ea typeface="ＭＳ Ｐゴシック" pitchFamily="-106" charset="-128"/>
-              <a:cs typeface="ＭＳ Ｐゴシック" pitchFamily="-106" charset="-128"/>
-            </a:endParaRPr>
+            <a:endParaRPr lang="en-US" sz="1400" dirty="0"/>
           </a:p>
           <a:p>
             <a:pPr rtl="0" fontAlgn="ctr"/>
             <a:r>
-              <a:rPr lang="en-US" sz="1200" kern="1200" dirty="0">
-                <a:solidFill>
-                  <a:schemeClr val="tx1"/>
-                </a:solidFill>
-                <a:effectLst/>
-                <a:latin typeface="+mn-lt"/>
-                <a:ea typeface="ＭＳ Ｐゴシック" pitchFamily="-106" charset="-128"/>
-                <a:cs typeface="ＭＳ Ｐゴシック" pitchFamily="-106" charset="-128"/>
-              </a:rPr>
+              <a:rPr lang="en-US" sz="1400" dirty="0"/>
               <a:t>He taught that schism was as serious a sin as heresy: </a:t>
             </a:r>
             <a:r>
-              <a:rPr lang="en-US" sz="1200" i="1" kern="1200" dirty="0">
-                <a:solidFill>
-                  <a:schemeClr val="tx1"/>
-                </a:solidFill>
-                <a:effectLst/>
-                <a:latin typeface="+mn-lt"/>
-                <a:ea typeface="ＭＳ Ｐゴシック" pitchFamily="-106" charset="-128"/>
-                <a:cs typeface="ＭＳ Ｐゴシック" pitchFamily="-106" charset="-128"/>
-              </a:rPr>
+              <a:rPr lang="en-US" sz="1400" i="1" dirty="0"/>
               <a:t>“He can no longer have God for his Father who has not the Church for his mother.”</a:t>
             </a:r>
-            <a:endParaRPr lang="en-US" sz="1200" kern="1200" dirty="0">
-              <a:solidFill>
-                <a:schemeClr val="tx1"/>
-              </a:solidFill>
-              <a:effectLst/>
-              <a:latin typeface="+mn-lt"/>
-              <a:ea typeface="ＭＳ Ｐゴシック" pitchFamily="-106" charset="-128"/>
-              <a:cs typeface="ＭＳ Ｐゴシック" pitchFamily="-106" charset="-128"/>
-            </a:endParaRPr>
+            <a:endParaRPr lang="en-US" sz="1400" dirty="0"/>
           </a:p>
           <a:p>
             <a:pPr rtl="0" fontAlgn="ctr"/>
-            <a:endParaRPr lang="en-US" sz="1200" kern="1200" dirty="0">
-              <a:solidFill>
-                <a:schemeClr val="tx1"/>
-              </a:solidFill>
-              <a:effectLst/>
-              <a:latin typeface="+mn-lt"/>
-              <a:ea typeface="ＭＳ Ｐゴシック" pitchFamily="-106" charset="-128"/>
-              <a:cs typeface="ＭＳ Ｐゴシック" pitchFamily="-106" charset="-128"/>
-            </a:endParaRPr>
-          </a:p>
-          <a:p>
-            <a:pPr rtl="0" fontAlgn="ctr"/>
-            <a:endParaRPr lang="en-US" sz="1200" kern="1200" dirty="0">
-              <a:solidFill>
-                <a:schemeClr val="tx1"/>
-              </a:solidFill>
-              <a:effectLst/>
-              <a:latin typeface="+mn-lt"/>
-              <a:ea typeface="ＭＳ Ｐゴシック" pitchFamily="-106" charset="-128"/>
-              <a:cs typeface="ＭＳ Ｐゴシック" pitchFamily="-106" charset="-128"/>
-            </a:endParaRPr>
-          </a:p>
-          <a:p>
-            <a:pPr rtl="0" fontAlgn="ctr"/>
-            <a:endParaRPr lang="en-US" sz="1200" kern="1200" dirty="0">
-              <a:solidFill>
-                <a:schemeClr val="tx1"/>
-              </a:solidFill>
-              <a:effectLst/>
-              <a:latin typeface="+mn-lt"/>
-              <a:ea typeface="ＭＳ Ｐゴシック" pitchFamily="-106" charset="-128"/>
-              <a:cs typeface="ＭＳ Ｐゴシック" pitchFamily="-106" charset="-128"/>
-            </a:endParaRPr>
-          </a:p>
-          <a:p>
-            <a:endParaRPr lang="en-US" dirty="0"/>
+            <a:endParaRPr lang="en-US" sz="1400" dirty="0"/>
           </a:p>
         </p:txBody>
       </p:sp>
@@ -3285,1326 +1920,494 @@
           <a:lstStyle/>
           <a:p>
             <a:r>
-              <a:rPr lang="en-US" sz="1200" b="1" kern="1200" dirty="0">
-                <a:solidFill>
-                  <a:schemeClr val="tx1"/>
-                </a:solidFill>
-                <a:effectLst/>
-                <a:latin typeface="+mn-lt"/>
-                <a:ea typeface="ＭＳ Ｐゴシック" pitchFamily="-106" charset="-128"/>
-                <a:cs typeface="ＭＳ Ｐゴシック" pitchFamily="-106" charset="-128"/>
-              </a:rPr>
+              <a:rPr lang="en-US" sz="1400" b="1" dirty="0"/>
               <a:t>Background Context</a:t>
             </a:r>
-            <a:endParaRPr lang="en-US" sz="1200" kern="1200" dirty="0">
-              <a:solidFill>
-                <a:schemeClr val="tx1"/>
-              </a:solidFill>
-              <a:effectLst/>
-              <a:latin typeface="+mn-lt"/>
-              <a:ea typeface="ＭＳ Ｐゴシック" pitchFamily="-106" charset="-128"/>
-              <a:cs typeface="ＭＳ Ｐゴシック" pitchFamily="-106" charset="-128"/>
-            </a:endParaRPr>
+            <a:endParaRPr lang="en-US" sz="1400" dirty="0"/>
           </a:p>
           <a:p>
             <a:pPr rtl="0" fontAlgn="ctr"/>
             <a:r>
-              <a:rPr lang="en-US" sz="1200" kern="1200" dirty="0">
-                <a:solidFill>
-                  <a:schemeClr val="tx1"/>
-                </a:solidFill>
-                <a:effectLst/>
-                <a:latin typeface="+mn-lt"/>
-                <a:ea typeface="ＭＳ Ｐゴシック" pitchFamily="-106" charset="-128"/>
-                <a:cs typeface="ＭＳ Ｐゴシック" pitchFamily="-106" charset="-128"/>
-              </a:rPr>
+              <a:rPr lang="en-US" sz="1400" dirty="0"/>
               <a:t>Location: Cane Ridge, near Paris, Kentucky</a:t>
             </a:r>
           </a:p>
           <a:p>
             <a:pPr rtl="0" fontAlgn="ctr"/>
             <a:r>
-              <a:rPr lang="en-US" sz="1200" kern="1200" dirty="0">
-                <a:solidFill>
-                  <a:schemeClr val="tx1"/>
-                </a:solidFill>
-                <a:effectLst/>
-                <a:latin typeface="+mn-lt"/>
-                <a:ea typeface="ＭＳ Ｐゴシック" pitchFamily="-106" charset="-128"/>
-                <a:cs typeface="ＭＳ Ｐゴシック" pitchFamily="-106" charset="-128"/>
-              </a:rPr>
+              <a:rPr lang="en-US" sz="1400" dirty="0"/>
               <a:t>Date: August 1801</a:t>
             </a:r>
           </a:p>
           <a:p>
             <a:pPr rtl="0" fontAlgn="ctr"/>
             <a:r>
-              <a:rPr lang="en-US" sz="1200" kern="1200" dirty="0">
-                <a:solidFill>
-                  <a:schemeClr val="tx1"/>
-                </a:solidFill>
-                <a:effectLst/>
-                <a:latin typeface="+mn-lt"/>
-                <a:ea typeface="ＭＳ Ｐゴシック" pitchFamily="-106" charset="-128"/>
-                <a:cs typeface="ＭＳ Ｐゴシック" pitchFamily="-106" charset="-128"/>
-              </a:rPr>
+              <a:rPr lang="en-US" sz="1400" dirty="0"/>
               <a:t>Key Figures: Barton W. Stone (Presbyterian minister), others from Methodist and Baptist backgrounds</a:t>
             </a:r>
           </a:p>
           <a:p>
             <a:pPr rtl="0" fontAlgn="ctr"/>
             <a:r>
-              <a:rPr lang="en-US" sz="1200" kern="1200" dirty="0">
-                <a:solidFill>
-                  <a:schemeClr val="tx1"/>
-                </a:solidFill>
-                <a:effectLst/>
-                <a:latin typeface="+mn-lt"/>
-                <a:ea typeface="ＭＳ Ｐゴシック" pitchFamily="-106" charset="-128"/>
-                <a:cs typeface="ＭＳ Ｐゴシック" pitchFamily="-106" charset="-128"/>
-              </a:rPr>
+              <a:rPr lang="en-US" sz="1400" dirty="0"/>
               <a:t>Setting: Frontier America during the Second Great Awakening</a:t>
             </a:r>
           </a:p>
           <a:p>
             <a:r>
-              <a:rPr lang="en-US" sz="1200" b="1" kern="1200" dirty="0">
-                <a:solidFill>
-                  <a:schemeClr val="tx1"/>
-                </a:solidFill>
-                <a:effectLst/>
-                <a:latin typeface="+mn-lt"/>
-                <a:ea typeface="ＭＳ Ｐゴシック" pitchFamily="-106" charset="-128"/>
-                <a:cs typeface="ＭＳ Ｐゴシック" pitchFamily="-106" charset="-128"/>
-              </a:rPr>
+              <a:rPr lang="en-US" sz="1400" b="1" dirty="0"/>
               <a:t>Event Description</a:t>
             </a:r>
-            <a:endParaRPr lang="en-US" sz="1200" kern="1200" dirty="0">
-              <a:solidFill>
-                <a:schemeClr val="tx1"/>
-              </a:solidFill>
-              <a:effectLst/>
-              <a:latin typeface="+mn-lt"/>
-              <a:ea typeface="ＭＳ Ｐゴシック" pitchFamily="-106" charset="-128"/>
-              <a:cs typeface="ＭＳ Ｐゴシック" pitchFamily="-106" charset="-128"/>
-            </a:endParaRPr>
+            <a:endParaRPr lang="en-US" sz="1400" dirty="0"/>
           </a:p>
           <a:p>
             <a:pPr rtl="0" fontAlgn="ctr"/>
             <a:r>
-              <a:rPr lang="en-US" sz="1200" kern="1200" dirty="0">
-                <a:solidFill>
-                  <a:schemeClr val="tx1"/>
-                </a:solidFill>
-                <a:effectLst/>
-                <a:latin typeface="+mn-lt"/>
-                <a:ea typeface="ＭＳ Ｐゴシック" pitchFamily="-106" charset="-128"/>
-                <a:cs typeface="ＭＳ Ｐゴシック" pitchFamily="-106" charset="-128"/>
-              </a:rPr>
+              <a:rPr lang="en-US" sz="1400" dirty="0"/>
               <a:t>A massive </a:t>
             </a:r>
             <a:r>
-              <a:rPr lang="en-US" sz="1200" b="1" kern="1200" dirty="0">
-                <a:solidFill>
-                  <a:schemeClr val="tx1"/>
-                </a:solidFill>
-                <a:effectLst/>
-                <a:latin typeface="+mn-lt"/>
-                <a:ea typeface="ＭＳ Ｐゴシック" pitchFamily="-106" charset="-128"/>
-                <a:cs typeface="ＭＳ Ｐゴシック" pitchFamily="-106" charset="-128"/>
-              </a:rPr>
+              <a:rPr lang="en-US" sz="1400" b="1" dirty="0"/>
               <a:t>camp meeting revival</a:t>
             </a:r>
             <a:r>
-              <a:rPr lang="en-US" sz="1200" kern="1200" dirty="0">
-                <a:solidFill>
-                  <a:schemeClr val="tx1"/>
-                </a:solidFill>
-                <a:effectLst/>
-                <a:latin typeface="+mn-lt"/>
-                <a:ea typeface="ＭＳ Ｐゴシック" pitchFamily="-106" charset="-128"/>
-                <a:cs typeface="ＭＳ Ｐゴシック" pitchFamily="-106" charset="-128"/>
-              </a:rPr>
+              <a:rPr lang="en-US" sz="1400" dirty="0"/>
               <a:t>—perhaps the largest in early U.S. history.</a:t>
             </a:r>
           </a:p>
           <a:p>
             <a:pPr rtl="0" fontAlgn="ctr"/>
             <a:r>
-              <a:rPr lang="en-US" sz="1200" kern="1200" dirty="0">
-                <a:solidFill>
-                  <a:schemeClr val="tx1"/>
-                </a:solidFill>
-                <a:effectLst/>
-                <a:latin typeface="+mn-lt"/>
-                <a:ea typeface="ＭＳ Ｐゴシック" pitchFamily="-106" charset="-128"/>
-                <a:cs typeface="ＭＳ Ｐゴシック" pitchFamily="-106" charset="-128"/>
-              </a:rPr>
+              <a:rPr lang="en-US" sz="1400" dirty="0"/>
               <a:t>Estimates of </a:t>
             </a:r>
             <a:r>
-              <a:rPr lang="en-US" sz="1200" b="1" kern="1200" dirty="0">
-                <a:solidFill>
-                  <a:schemeClr val="tx1"/>
-                </a:solidFill>
-                <a:effectLst/>
-                <a:latin typeface="+mn-lt"/>
-                <a:ea typeface="ＭＳ Ｐゴシック" pitchFamily="-106" charset="-128"/>
-                <a:cs typeface="ＭＳ Ｐゴシック" pitchFamily="-106" charset="-128"/>
-              </a:rPr>
+              <a:rPr lang="en-US" sz="1400" b="1" dirty="0"/>
               <a:t>10,000 to 25,000 people</a:t>
             </a:r>
             <a:r>
-              <a:rPr lang="en-US" sz="1200" kern="1200" dirty="0">
-                <a:solidFill>
-                  <a:schemeClr val="tx1"/>
-                </a:solidFill>
-                <a:effectLst/>
-                <a:latin typeface="+mn-lt"/>
-                <a:ea typeface="ＭＳ Ｐゴシック" pitchFamily="-106" charset="-128"/>
-                <a:cs typeface="ＭＳ Ｐゴシック" pitchFamily="-106" charset="-128"/>
-              </a:rPr>
+              <a:rPr lang="en-US" sz="1400" dirty="0"/>
               <a:t> attended (staggering for the time).</a:t>
             </a:r>
           </a:p>
           <a:p>
             <a:pPr rtl="0" fontAlgn="ctr"/>
             <a:r>
-              <a:rPr lang="en-US" sz="1200" kern="1200" dirty="0">
-                <a:solidFill>
-                  <a:schemeClr val="tx1"/>
-                </a:solidFill>
-                <a:effectLst/>
-                <a:latin typeface="+mn-lt"/>
-                <a:ea typeface="ＭＳ Ｐゴシック" pitchFamily="-106" charset="-128"/>
-                <a:cs typeface="ＭＳ Ｐゴシック" pitchFamily="-106" charset="-128"/>
-              </a:rPr>
+              <a:rPr lang="en-US" sz="1400" dirty="0"/>
               <a:t>Featured intense emotional responses: weeping, shouting, falling, physical trembling—interpreted by many as conviction and spiritual awakening.</a:t>
             </a:r>
           </a:p>
           <a:p>
             <a:pPr rtl="0" fontAlgn="ctr"/>
             <a:r>
-              <a:rPr lang="en-US" sz="1200" kern="1200" dirty="0">
-                <a:solidFill>
-                  <a:schemeClr val="tx1"/>
-                </a:solidFill>
-                <a:effectLst/>
-                <a:latin typeface="+mn-lt"/>
-                <a:ea typeface="ＭＳ Ｐゴシック" pitchFamily="-106" charset="-128"/>
-                <a:cs typeface="ＭＳ Ｐゴシック" pitchFamily="-106" charset="-128"/>
-              </a:rPr>
+              <a:rPr lang="en-US" sz="1400" dirty="0"/>
               <a:t>Preachers from different denominations </a:t>
             </a:r>
             <a:r>
-              <a:rPr lang="en-US" sz="1200" b="1" kern="1200" dirty="0">
-                <a:solidFill>
-                  <a:schemeClr val="tx1"/>
-                </a:solidFill>
-                <a:effectLst/>
-                <a:latin typeface="+mn-lt"/>
-                <a:ea typeface="ＭＳ Ｐゴシック" pitchFamily="-106" charset="-128"/>
-                <a:cs typeface="ＭＳ Ｐゴシック" pitchFamily="-106" charset="-128"/>
-              </a:rPr>
+              <a:rPr lang="en-US" sz="1400" b="1" dirty="0"/>
               <a:t>set aside doctrinal divisions</a:t>
             </a:r>
             <a:r>
-              <a:rPr lang="en-US" sz="1200" kern="1200" dirty="0">
-                <a:solidFill>
-                  <a:schemeClr val="tx1"/>
-                </a:solidFill>
-                <a:effectLst/>
-                <a:latin typeface="+mn-lt"/>
-                <a:ea typeface="ＭＳ Ｐゴシック" pitchFamily="-106" charset="-128"/>
-                <a:cs typeface="ＭＳ Ｐゴシック" pitchFamily="-106" charset="-128"/>
-              </a:rPr>
+              <a:rPr lang="en-US" sz="1400" dirty="0"/>
               <a:t> to preach repentance and the gospel of Christ.</a:t>
             </a:r>
           </a:p>
           <a:p>
             <a:r>
-              <a:rPr lang="en-US" sz="1200" b="1" kern="1200" dirty="0">
-                <a:solidFill>
-                  <a:schemeClr val="tx1"/>
-                </a:solidFill>
-                <a:effectLst/>
-                <a:latin typeface="+mn-lt"/>
-                <a:ea typeface="ＭＳ Ｐゴシック" pitchFamily="-106" charset="-128"/>
-                <a:cs typeface="ＭＳ Ｐゴシック" pitchFamily="-106" charset="-128"/>
-              </a:rPr>
+              <a:rPr lang="en-US" sz="1400" b="1" dirty="0"/>
               <a:t>Spiritual and Social Impact</a:t>
             </a:r>
-            <a:endParaRPr lang="en-US" sz="1200" kern="1200" dirty="0">
-              <a:solidFill>
-                <a:schemeClr val="tx1"/>
-              </a:solidFill>
-              <a:effectLst/>
-              <a:latin typeface="+mn-lt"/>
-              <a:ea typeface="ＭＳ Ｐゴシック" pitchFamily="-106" charset="-128"/>
-              <a:cs typeface="ＭＳ Ｐゴシック" pitchFamily="-106" charset="-128"/>
-            </a:endParaRPr>
+            <a:endParaRPr lang="en-US" sz="1400" dirty="0"/>
           </a:p>
           <a:p>
             <a:pPr rtl="0" fontAlgn="ctr"/>
             <a:r>
-              <a:rPr lang="en-US" sz="1200" kern="1200" dirty="0">
-                <a:solidFill>
-                  <a:schemeClr val="tx1"/>
-                </a:solidFill>
-                <a:effectLst/>
-                <a:latin typeface="+mn-lt"/>
-                <a:ea typeface="ＭＳ Ｐゴシック" pitchFamily="-106" charset="-128"/>
-                <a:cs typeface="ＭＳ Ｐゴシック" pitchFamily="-106" charset="-128"/>
-              </a:rPr>
+              <a:rPr lang="en-US" sz="1400" dirty="0"/>
               <a:t>Broke barriers between Presbyterians, Methodists, and Baptists.</a:t>
             </a:r>
           </a:p>
           <a:p>
             <a:pPr rtl="0" fontAlgn="ctr"/>
             <a:r>
-              <a:rPr lang="en-US" sz="1200" kern="1200" dirty="0">
-                <a:solidFill>
-                  <a:schemeClr val="tx1"/>
-                </a:solidFill>
-                <a:effectLst/>
-                <a:latin typeface="+mn-lt"/>
-                <a:ea typeface="ＭＳ Ｐゴシック" pitchFamily="-106" charset="-128"/>
-                <a:cs typeface="ＭＳ Ｐゴシック" pitchFamily="-106" charset="-128"/>
-              </a:rPr>
+              <a:rPr lang="en-US" sz="1400" dirty="0"/>
               <a:t>Highlighted hunger for </a:t>
             </a:r>
             <a:r>
-              <a:rPr lang="en-US" sz="1200" b="1" kern="1200" dirty="0">
-                <a:solidFill>
-                  <a:schemeClr val="tx1"/>
-                </a:solidFill>
-                <a:effectLst/>
-                <a:latin typeface="+mn-lt"/>
-                <a:ea typeface="ＭＳ Ｐゴシック" pitchFamily="-106" charset="-128"/>
-                <a:cs typeface="ＭＳ Ｐゴシック" pitchFamily="-106" charset="-128"/>
-              </a:rPr>
+              <a:rPr lang="en-US" sz="1400" b="1" dirty="0"/>
               <a:t>authentic spiritual experience</a:t>
             </a:r>
             <a:r>
-              <a:rPr lang="en-US" sz="1200" kern="1200" dirty="0">
-                <a:solidFill>
-                  <a:schemeClr val="tx1"/>
-                </a:solidFill>
-                <a:effectLst/>
-                <a:latin typeface="+mn-lt"/>
-                <a:ea typeface="ＭＳ Ｐゴシック" pitchFamily="-106" charset="-128"/>
-                <a:cs typeface="ＭＳ Ｐゴシック" pitchFamily="-106" charset="-128"/>
-              </a:rPr>
+              <a:rPr lang="en-US" sz="1400" dirty="0"/>
               <a:t> and </a:t>
             </a:r>
             <a:r>
-              <a:rPr lang="en-US" sz="1200" b="1" kern="1200" dirty="0">
-                <a:solidFill>
-                  <a:schemeClr val="tx1"/>
-                </a:solidFill>
-                <a:effectLst/>
-                <a:latin typeface="+mn-lt"/>
-                <a:ea typeface="ＭＳ Ｐゴシック" pitchFamily="-106" charset="-128"/>
-                <a:cs typeface="ＭＳ Ｐゴシック" pitchFamily="-106" charset="-128"/>
-              </a:rPr>
+              <a:rPr lang="en-US" sz="1400" b="1" dirty="0"/>
               <a:t>non-sectarian unity</a:t>
             </a:r>
             <a:r>
-              <a:rPr lang="en-US" sz="1200" kern="1200" dirty="0">
-                <a:solidFill>
-                  <a:schemeClr val="tx1"/>
-                </a:solidFill>
-                <a:effectLst/>
-                <a:latin typeface="+mn-lt"/>
-                <a:ea typeface="ＭＳ Ｐゴシック" pitchFamily="-106" charset="-128"/>
-                <a:cs typeface="ＭＳ Ｐゴシック" pitchFamily="-106" charset="-128"/>
-              </a:rPr>
+              <a:rPr lang="en-US" sz="1400" dirty="0"/>
               <a:t>.</a:t>
             </a:r>
           </a:p>
           <a:p>
             <a:pPr rtl="0" fontAlgn="ctr"/>
             <a:r>
-              <a:rPr lang="en-US" sz="1200" kern="1200" dirty="0">
-                <a:solidFill>
-                  <a:schemeClr val="tx1"/>
-                </a:solidFill>
-                <a:effectLst/>
-                <a:latin typeface="+mn-lt"/>
-                <a:ea typeface="ＭＳ Ｐゴシック" pitchFamily="-106" charset="-128"/>
-                <a:cs typeface="ＭＳ Ｐゴシック" pitchFamily="-106" charset="-128"/>
-              </a:rPr>
+              <a:rPr lang="en-US" sz="1400" dirty="0"/>
               <a:t>Raised new questions about ecclesiastical authority and denominational identity.</a:t>
             </a:r>
           </a:p>
           <a:p>
-            <a:endParaRPr lang="en-US" dirty="0"/>
-          </a:p>
-          <a:p>
-            <a:r>
-              <a:rPr lang="en-US" sz="1200" b="1" kern="1200" dirty="0">
-                <a:solidFill>
-                  <a:schemeClr val="tx1"/>
-                </a:solidFill>
-                <a:effectLst/>
-                <a:latin typeface="+mn-lt"/>
-                <a:ea typeface="ＭＳ Ｐゴシック" pitchFamily="-106" charset="-128"/>
-                <a:cs typeface="ＭＳ Ｐゴシック" pitchFamily="-106" charset="-128"/>
-              </a:rPr>
+            <a:endParaRPr lang="en-US" sz="1400" dirty="0"/>
+          </a:p>
+          <a:p>
+            <a:r>
+              <a:rPr lang="en-US" sz="1400" b="1" dirty="0"/>
               <a:t>Key Leaders</a:t>
             </a:r>
-            <a:endParaRPr lang="en-US" sz="1200" kern="1200" dirty="0">
-              <a:solidFill>
-                <a:schemeClr val="tx1"/>
-              </a:solidFill>
-              <a:effectLst/>
-              <a:latin typeface="+mn-lt"/>
-              <a:ea typeface="ＭＳ Ｐゴシック" pitchFamily="-106" charset="-128"/>
-              <a:cs typeface="ＭＳ Ｐゴシック" pitchFamily="-106" charset="-128"/>
-            </a:endParaRPr>
+            <a:endParaRPr lang="en-US" sz="1400" dirty="0"/>
           </a:p>
           <a:p>
             <a:pPr rtl="0" fontAlgn="ctr"/>
             <a:r>
-              <a:rPr lang="en-US" sz="1200" b="1" kern="1200" dirty="0">
-                <a:solidFill>
-                  <a:schemeClr val="tx1"/>
-                </a:solidFill>
-                <a:effectLst/>
-                <a:latin typeface="+mn-lt"/>
-                <a:ea typeface="ＭＳ Ｐゴシック" pitchFamily="-106" charset="-128"/>
-                <a:cs typeface="ＭＳ Ｐゴシック" pitchFamily="-106" charset="-128"/>
-              </a:rPr>
+              <a:rPr lang="en-US" sz="1400" b="1" dirty="0"/>
               <a:t>Barton W. Stone</a:t>
             </a:r>
             <a:r>
-              <a:rPr lang="en-US" sz="1200" kern="1200" dirty="0">
-                <a:solidFill>
-                  <a:schemeClr val="tx1"/>
-                </a:solidFill>
-                <a:effectLst/>
-                <a:latin typeface="+mn-lt"/>
-                <a:ea typeface="ＭＳ Ｐゴシック" pitchFamily="-106" charset="-128"/>
-                <a:cs typeface="ＭＳ Ｐゴシック" pitchFamily="-106" charset="-128"/>
-              </a:rPr>
+              <a:rPr lang="en-US" sz="1400" dirty="0"/>
               <a:t> (from Kentucky revival tradition)</a:t>
             </a:r>
           </a:p>
           <a:p>
             <a:pPr rtl="0" fontAlgn="ctr"/>
             <a:r>
-              <a:rPr lang="en-US" sz="1200" b="1" kern="1200" dirty="0">
-                <a:solidFill>
-                  <a:schemeClr val="tx1"/>
-                </a:solidFill>
-                <a:effectLst/>
-                <a:latin typeface="+mn-lt"/>
-                <a:ea typeface="ＭＳ Ｐゴシック" pitchFamily="-106" charset="-128"/>
-                <a:cs typeface="ＭＳ Ｐゴシック" pitchFamily="-106" charset="-128"/>
-              </a:rPr>
+              <a:rPr lang="en-US" sz="1400" b="1" dirty="0"/>
               <a:t>Thomas Campbell</a:t>
             </a:r>
             <a:r>
-              <a:rPr lang="en-US" sz="1200" kern="1200" dirty="0">
-                <a:solidFill>
-                  <a:schemeClr val="tx1"/>
-                </a:solidFill>
-                <a:effectLst/>
-                <a:latin typeface="+mn-lt"/>
-                <a:ea typeface="ＭＳ Ｐゴシック" pitchFamily="-106" charset="-128"/>
-                <a:cs typeface="ＭＳ Ｐゴシック" pitchFamily="-106" charset="-128"/>
-              </a:rPr>
+              <a:rPr lang="en-US" sz="1400" dirty="0"/>
               <a:t> and </a:t>
             </a:r>
             <a:r>
-              <a:rPr lang="en-US" sz="1200" b="1" kern="1200" dirty="0">
-                <a:solidFill>
-                  <a:schemeClr val="tx1"/>
-                </a:solidFill>
-                <a:effectLst/>
-                <a:latin typeface="+mn-lt"/>
-                <a:ea typeface="ＭＳ Ｐゴシック" pitchFamily="-106" charset="-128"/>
-                <a:cs typeface="ＭＳ Ｐゴシック" pitchFamily="-106" charset="-128"/>
-              </a:rPr>
+              <a:rPr lang="en-US" sz="1400" b="1" dirty="0"/>
               <a:t>Alexander Campbell</a:t>
             </a:r>
             <a:r>
-              <a:rPr lang="en-US" sz="1200" kern="1200" dirty="0">
-                <a:solidFill>
-                  <a:schemeClr val="tx1"/>
-                </a:solidFill>
-                <a:effectLst/>
-                <a:latin typeface="+mn-lt"/>
-                <a:ea typeface="ＭＳ Ｐゴシック" pitchFamily="-106" charset="-128"/>
-                <a:cs typeface="ＭＳ Ｐゴシック" pitchFamily="-106" charset="-128"/>
-              </a:rPr>
+              <a:rPr lang="en-US" sz="1400" dirty="0"/>
               <a:t> (immigrants from Scotland with Reformed/Presbyterian backgrounds)</a:t>
             </a:r>
           </a:p>
           <a:p>
             <a:r>
-              <a:rPr lang="en-US" sz="1200" b="1" kern="1200" dirty="0">
-                <a:solidFill>
-                  <a:schemeClr val="tx1"/>
-                </a:solidFill>
-                <a:effectLst/>
-                <a:latin typeface="+mn-lt"/>
-                <a:ea typeface="ＭＳ Ｐゴシック" pitchFamily="-106" charset="-128"/>
-                <a:cs typeface="ＭＳ Ｐゴシック" pitchFamily="-106" charset="-128"/>
-              </a:rPr>
+              <a:rPr lang="en-US" sz="1400" b="1" dirty="0"/>
               <a:t>Core Convictions</a:t>
             </a:r>
-            <a:endParaRPr lang="en-US" sz="1200" kern="1200" dirty="0">
-              <a:solidFill>
-                <a:schemeClr val="tx1"/>
-              </a:solidFill>
-              <a:effectLst/>
-              <a:latin typeface="+mn-lt"/>
-              <a:ea typeface="ＭＳ Ｐゴシック" pitchFamily="-106" charset="-128"/>
-              <a:cs typeface="ＭＳ Ｐゴシック" pitchFamily="-106" charset="-128"/>
-            </a:endParaRPr>
+            <a:endParaRPr lang="en-US" sz="1400" dirty="0"/>
           </a:p>
           <a:p>
             <a:pPr rtl="0" fontAlgn="ctr"/>
             <a:r>
-              <a:rPr lang="en-US" sz="1200" b="1" i="0" kern="1200" dirty="0">
-                <a:solidFill>
-                  <a:schemeClr val="tx1"/>
-                </a:solidFill>
-                <a:effectLst/>
-                <a:latin typeface="+mn-lt"/>
-                <a:ea typeface="ＭＳ Ｐゴシック" pitchFamily="-106" charset="-128"/>
-                <a:cs typeface="ＭＳ Ｐゴシック" pitchFamily="-106" charset="-128"/>
-              </a:rPr>
+              <a:rPr lang="en-US" sz="1400" b="1" dirty="0"/>
               <a:t>Christian Unity</a:t>
             </a:r>
             <a:r>
-              <a:rPr lang="en-US" sz="1200" b="0" i="0" kern="1200" dirty="0">
-                <a:solidFill>
-                  <a:schemeClr val="tx1"/>
-                </a:solidFill>
-                <a:effectLst/>
-                <a:latin typeface="+mn-lt"/>
-                <a:ea typeface="ＭＳ Ｐゴシック" pitchFamily="-106" charset="-128"/>
-                <a:cs typeface="ＭＳ Ｐゴシック" pitchFamily="-106" charset="-128"/>
-              </a:rPr>
+              <a:rPr lang="en-US" sz="1400" dirty="0"/>
               <a:t>: Division among Christians is sinful and contrary to Christ’s prayer in John 17.</a:t>
             </a:r>
-            <a:endParaRPr lang="en-US" sz="1200" b="1" i="0" kern="1200" dirty="0">
-              <a:solidFill>
-                <a:schemeClr val="tx1"/>
-              </a:solidFill>
-              <a:effectLst/>
-              <a:latin typeface="+mn-lt"/>
-              <a:ea typeface="ＭＳ Ｐゴシック" pitchFamily="-106" charset="-128"/>
-              <a:cs typeface="ＭＳ Ｐゴシック" pitchFamily="-106" charset="-128"/>
-            </a:endParaRPr>
+            <a:endParaRPr lang="en-US" sz="1400" b="1" dirty="0"/>
           </a:p>
           <a:p>
             <a:pPr rtl="0" fontAlgn="ctr"/>
             <a:r>
-              <a:rPr lang="en-US" sz="1200" b="1" i="0" kern="1200" dirty="0">
-                <a:solidFill>
-                  <a:schemeClr val="tx1"/>
-                </a:solidFill>
-                <a:effectLst/>
-                <a:latin typeface="+mn-lt"/>
-                <a:ea typeface="ＭＳ Ｐゴシック" pitchFamily="-106" charset="-128"/>
-                <a:cs typeface="ＭＳ Ｐゴシック" pitchFamily="-106" charset="-128"/>
-              </a:rPr>
+              <a:rPr lang="en-US" sz="1400" b="1" dirty="0"/>
               <a:t>No Creed but Christ</a:t>
             </a:r>
             <a:r>
-              <a:rPr lang="en-US" sz="1200" b="0" i="0" kern="1200" dirty="0">
-                <a:solidFill>
-                  <a:schemeClr val="tx1"/>
-                </a:solidFill>
-                <a:effectLst/>
-                <a:latin typeface="+mn-lt"/>
-                <a:ea typeface="ＭＳ Ｐゴシック" pitchFamily="-106" charset="-128"/>
-                <a:cs typeface="ＭＳ Ｐゴシック" pitchFamily="-106" charset="-128"/>
-              </a:rPr>
+              <a:rPr lang="en-US" sz="1400" dirty="0"/>
               <a:t>: Rejected man-made creeds; affirmed the Bible alone as sufficient for faith and practice.</a:t>
             </a:r>
-            <a:endParaRPr lang="en-US" sz="1200" b="1" i="0" kern="1200" dirty="0">
-              <a:solidFill>
-                <a:schemeClr val="tx1"/>
-              </a:solidFill>
-              <a:effectLst/>
-              <a:latin typeface="+mn-lt"/>
-              <a:ea typeface="ＭＳ Ｐゴシック" pitchFamily="-106" charset="-128"/>
-              <a:cs typeface="ＭＳ Ｐゴシック" pitchFamily="-106" charset="-128"/>
-            </a:endParaRPr>
+            <a:endParaRPr lang="en-US" sz="1400" b="1" dirty="0"/>
           </a:p>
           <a:p>
             <a:pPr rtl="0" fontAlgn="ctr"/>
             <a:r>
-              <a:rPr lang="en-US" sz="1200" b="1" i="0" kern="1200" dirty="0">
-                <a:solidFill>
-                  <a:schemeClr val="tx1"/>
-                </a:solidFill>
-                <a:effectLst/>
-                <a:latin typeface="+mn-lt"/>
-                <a:ea typeface="ＭＳ Ｐゴシック" pitchFamily="-106" charset="-128"/>
-                <a:cs typeface="ＭＳ Ｐゴシック" pitchFamily="-106" charset="-128"/>
-              </a:rPr>
+              <a:rPr lang="en-US" sz="1400" b="1" dirty="0"/>
               <a:t>Restoration of New Testament Christianity</a:t>
             </a:r>
             <a:r>
-              <a:rPr lang="en-US" sz="1200" b="0" i="0" kern="1200" dirty="0">
-                <a:solidFill>
-                  <a:schemeClr val="tx1"/>
-                </a:solidFill>
-                <a:effectLst/>
-                <a:latin typeface="+mn-lt"/>
-                <a:ea typeface="ＭＳ Ｐゴシック" pitchFamily="-106" charset="-128"/>
-                <a:cs typeface="ＭＳ Ｐゴシック" pitchFamily="-106" charset="-128"/>
-              </a:rPr>
+              <a:rPr lang="en-US" sz="1400" dirty="0"/>
               <a:t>: A return to the simplicity and purity of the early Church.</a:t>
             </a:r>
-            <a:endParaRPr lang="en-US" sz="1200" b="1" i="0" kern="1200" dirty="0">
-              <a:solidFill>
-                <a:schemeClr val="tx1"/>
-              </a:solidFill>
-              <a:effectLst/>
-              <a:latin typeface="+mn-lt"/>
-              <a:ea typeface="ＭＳ Ｐゴシック" pitchFamily="-106" charset="-128"/>
-              <a:cs typeface="ＭＳ Ｐゴシック" pitchFamily="-106" charset="-128"/>
-            </a:endParaRPr>
+            <a:endParaRPr lang="en-US" sz="1400" b="1" dirty="0"/>
           </a:p>
           <a:p>
             <a:pPr rtl="0" fontAlgn="ctr"/>
             <a:r>
-              <a:rPr lang="en-US" sz="1200" b="1" i="0" kern="1200" dirty="0">
-                <a:solidFill>
-                  <a:schemeClr val="tx1"/>
-                </a:solidFill>
-                <a:effectLst/>
-                <a:latin typeface="+mn-lt"/>
-                <a:ea typeface="ＭＳ Ｐゴシック" pitchFamily="-106" charset="-128"/>
-                <a:cs typeface="ＭＳ Ｐゴシック" pitchFamily="-106" charset="-128"/>
-              </a:rPr>
+              <a:rPr lang="en-US" sz="1400" b="1" dirty="0"/>
               <a:t>Congregational Autonomy</a:t>
             </a:r>
             <a:r>
-              <a:rPr lang="en-US" sz="1200" b="0" i="0" kern="1200" dirty="0">
-                <a:solidFill>
-                  <a:schemeClr val="tx1"/>
-                </a:solidFill>
-                <a:effectLst/>
-                <a:latin typeface="+mn-lt"/>
-                <a:ea typeface="ＭＳ Ｐゴシック" pitchFamily="-106" charset="-128"/>
-                <a:cs typeface="ＭＳ Ｐゴシック" pitchFamily="-106" charset="-128"/>
-              </a:rPr>
+              <a:rPr lang="en-US" sz="1400" dirty="0"/>
               <a:t>: Independent local churches governed by elders, without centralized authority.</a:t>
             </a:r>
-            <a:endParaRPr lang="en-US" sz="1200" b="1" i="0" kern="1200" dirty="0">
-              <a:solidFill>
-                <a:schemeClr val="tx1"/>
-              </a:solidFill>
-              <a:effectLst/>
-              <a:latin typeface="+mn-lt"/>
-              <a:ea typeface="ＭＳ Ｐゴシック" pitchFamily="-106" charset="-128"/>
-              <a:cs typeface="ＭＳ Ｐゴシック" pitchFamily="-106" charset="-128"/>
-            </a:endParaRPr>
+            <a:endParaRPr lang="en-US" sz="1400" b="1" dirty="0"/>
           </a:p>
           <a:p>
             <a:pPr rtl="0" fontAlgn="ctr"/>
             <a:r>
-              <a:rPr lang="en-US" sz="1200" b="1" i="0" kern="1200" dirty="0">
-                <a:solidFill>
-                  <a:schemeClr val="tx1"/>
-                </a:solidFill>
-                <a:effectLst/>
-                <a:latin typeface="+mn-lt"/>
-                <a:ea typeface="ＭＳ Ｐゴシック" pitchFamily="-106" charset="-128"/>
-                <a:cs typeface="ＭＳ Ｐゴシック" pitchFamily="-106" charset="-128"/>
-              </a:rPr>
+              <a:rPr lang="en-US" sz="1400" b="1" dirty="0"/>
               <a:t>Believer’s Baptism</a:t>
             </a:r>
             <a:r>
-              <a:rPr lang="en-US" sz="1200" b="0" i="0" kern="1200" dirty="0">
-                <a:solidFill>
-                  <a:schemeClr val="tx1"/>
-                </a:solidFill>
-                <a:effectLst/>
-                <a:latin typeface="+mn-lt"/>
-                <a:ea typeface="ＭＳ Ｐゴシック" pitchFamily="-106" charset="-128"/>
-                <a:cs typeface="ＭＳ Ｐゴシック" pitchFamily="-106" charset="-128"/>
-              </a:rPr>
+              <a:rPr lang="en-US" sz="1400" dirty="0"/>
               <a:t>: Emphasis on immersion for remission of sins.</a:t>
             </a:r>
-            <a:endParaRPr lang="en-US" sz="1200" b="1" i="0" kern="1200" dirty="0">
-              <a:solidFill>
-                <a:schemeClr val="tx1"/>
-              </a:solidFill>
-              <a:effectLst/>
-              <a:latin typeface="+mn-lt"/>
-              <a:ea typeface="ＭＳ Ｐゴシック" pitchFamily="-106" charset="-128"/>
-              <a:cs typeface="ＭＳ Ｐゴシック" pitchFamily="-106" charset="-128"/>
-            </a:endParaRPr>
+            <a:endParaRPr lang="en-US" sz="1400" b="1" dirty="0"/>
           </a:p>
           <a:p>
             <a:pPr rtl="0" fontAlgn="ctr"/>
             <a:r>
-              <a:rPr lang="en-US" sz="1200" b="1" i="0" kern="1200" dirty="0">
-                <a:solidFill>
-                  <a:schemeClr val="tx1"/>
-                </a:solidFill>
-                <a:effectLst/>
-                <a:latin typeface="+mn-lt"/>
-                <a:ea typeface="ＭＳ Ｐゴシック" pitchFamily="-106" charset="-128"/>
-                <a:cs typeface="ＭＳ Ｐゴシック" pitchFamily="-106" charset="-128"/>
-              </a:rPr>
+              <a:rPr lang="en-US" sz="1400" b="1" dirty="0"/>
               <a:t>Weekly Lord’s Supper</a:t>
             </a:r>
             <a:r>
-              <a:rPr lang="en-US" sz="1200" b="0" i="0" kern="1200" dirty="0">
-                <a:solidFill>
-                  <a:schemeClr val="tx1"/>
-                </a:solidFill>
-                <a:effectLst/>
-                <a:latin typeface="+mn-lt"/>
-                <a:ea typeface="ＭＳ Ｐゴシック" pitchFamily="-106" charset="-128"/>
-                <a:cs typeface="ＭＳ Ｐゴシック" pitchFamily="-106" charset="-128"/>
-              </a:rPr>
+              <a:rPr lang="en-US" sz="1400" dirty="0"/>
               <a:t>: Practiced as part of the apostolic tradition.</a:t>
             </a:r>
-            <a:endParaRPr lang="en-US" sz="1200" b="1" i="0" kern="1200" dirty="0">
-              <a:solidFill>
-                <a:schemeClr val="tx1"/>
-              </a:solidFill>
-              <a:effectLst/>
-              <a:latin typeface="+mn-lt"/>
-              <a:ea typeface="ＭＳ Ｐゴシック" pitchFamily="-106" charset="-128"/>
-              <a:cs typeface="ＭＳ Ｐゴシック" pitchFamily="-106" charset="-128"/>
-            </a:endParaRPr>
-          </a:p>
-          <a:p>
-            <a:r>
-              <a:rPr lang="en-US" sz="1200" b="1" kern="1200" dirty="0">
-                <a:solidFill>
-                  <a:schemeClr val="tx1"/>
-                </a:solidFill>
-                <a:effectLst/>
-                <a:latin typeface="+mn-lt"/>
-                <a:ea typeface="ＭＳ Ｐゴシック" pitchFamily="-106" charset="-128"/>
-                <a:cs typeface="ＭＳ Ｐゴシック" pitchFamily="-106" charset="-128"/>
-              </a:rPr>
+            <a:endParaRPr lang="en-US" sz="1400" b="1" dirty="0"/>
+          </a:p>
+          <a:p>
+            <a:r>
+              <a:rPr lang="en-US" sz="1400" b="1" dirty="0"/>
               <a:t>Milestone:</a:t>
             </a:r>
-            <a:endParaRPr lang="en-US" sz="1200" kern="1200" dirty="0">
-              <a:solidFill>
-                <a:schemeClr val="tx1"/>
-              </a:solidFill>
-              <a:effectLst/>
-              <a:latin typeface="+mn-lt"/>
-              <a:ea typeface="ＭＳ Ｐゴシック" pitchFamily="-106" charset="-128"/>
-              <a:cs typeface="ＭＳ Ｐゴシック" pitchFamily="-106" charset="-128"/>
-            </a:endParaRPr>
+            <a:endParaRPr lang="en-US" sz="1400" dirty="0"/>
           </a:p>
           <a:p>
             <a:pPr rtl="0" fontAlgn="ctr"/>
             <a:r>
-              <a:rPr lang="en-US" sz="1200" kern="1200" dirty="0">
-                <a:solidFill>
-                  <a:schemeClr val="tx1"/>
-                </a:solidFill>
-                <a:effectLst/>
-                <a:latin typeface="+mn-lt"/>
-                <a:ea typeface="ＭＳ Ｐゴシック" pitchFamily="-106" charset="-128"/>
-                <a:cs typeface="ＭＳ Ｐゴシック" pitchFamily="-106" charset="-128"/>
-              </a:rPr>
+              <a:rPr lang="en-US" sz="1400" dirty="0"/>
               <a:t>In </a:t>
             </a:r>
             <a:r>
-              <a:rPr lang="en-US" sz="1200" b="1" kern="1200" dirty="0">
-                <a:solidFill>
-                  <a:schemeClr val="tx1"/>
-                </a:solidFill>
-                <a:effectLst/>
-                <a:latin typeface="+mn-lt"/>
-                <a:ea typeface="ＭＳ Ｐゴシック" pitchFamily="-106" charset="-128"/>
-                <a:cs typeface="ＭＳ Ｐゴシック" pitchFamily="-106" charset="-128"/>
-              </a:rPr>
+              <a:rPr lang="en-US" sz="1400" b="1" dirty="0"/>
               <a:t>1832</a:t>
             </a:r>
             <a:r>
-              <a:rPr lang="en-US" sz="1200" kern="1200" dirty="0">
-                <a:solidFill>
-                  <a:schemeClr val="tx1"/>
-                </a:solidFill>
-                <a:effectLst/>
-                <a:latin typeface="+mn-lt"/>
-                <a:ea typeface="ＭＳ Ｐゴシック" pitchFamily="-106" charset="-128"/>
-                <a:cs typeface="ＭＳ Ｐゴシック" pitchFamily="-106" charset="-128"/>
-              </a:rPr>
+              <a:rPr lang="en-US" sz="1400" dirty="0"/>
               <a:t>, Stone’s followers and the Campbellites formally united in Lexington, Kentucky—symbolizing a covenantal act of </a:t>
             </a:r>
             <a:r>
-              <a:rPr lang="en-US" sz="1200" b="1" kern="1200" dirty="0">
-                <a:solidFill>
-                  <a:schemeClr val="tx1"/>
-                </a:solidFill>
-                <a:effectLst/>
-                <a:latin typeface="+mn-lt"/>
-                <a:ea typeface="ＭＳ Ｐゴシック" pitchFamily="-106" charset="-128"/>
-                <a:cs typeface="ＭＳ Ｐゴシック" pitchFamily="-106" charset="-128"/>
-              </a:rPr>
+              <a:rPr lang="en-US" sz="1400" b="1" dirty="0"/>
               <a:t>Christian reconciliation and unity</a:t>
             </a:r>
             <a:r>
-              <a:rPr lang="en-US" sz="1200" kern="1200" dirty="0">
-                <a:solidFill>
-                  <a:schemeClr val="tx1"/>
-                </a:solidFill>
-                <a:effectLst/>
-                <a:latin typeface="+mn-lt"/>
-                <a:ea typeface="ＭＳ Ｐゴシック" pitchFamily="-106" charset="-128"/>
-                <a:cs typeface="ＭＳ Ｐゴシック" pitchFamily="-106" charset="-128"/>
-              </a:rPr>
+              <a:rPr lang="en-US" sz="1400" dirty="0"/>
               <a:t>.</a:t>
             </a:r>
           </a:p>
           <a:p>
-            <a:endParaRPr lang="en-US" dirty="0"/>
-          </a:p>
-          <a:p>
-            <a:r>
-              <a:rPr lang="en-US" sz="1200" b="1" kern="1200" dirty="0">
-                <a:solidFill>
-                  <a:schemeClr val="tx1"/>
-                </a:solidFill>
-                <a:effectLst/>
-                <a:latin typeface="+mn-lt"/>
-                <a:ea typeface="ＭＳ Ｐゴシック" pitchFamily="-106" charset="-128"/>
-                <a:cs typeface="ＭＳ Ｐゴシック" pitchFamily="-106" charset="-128"/>
-              </a:rPr>
+            <a:endParaRPr lang="en-US" sz="1400" dirty="0"/>
+          </a:p>
+          <a:p>
+            <a:r>
+              <a:rPr lang="en-US" sz="1400" b="1" dirty="0"/>
               <a:t>From Division to Covenant Fellowship</a:t>
             </a:r>
-            <a:endParaRPr lang="en-US" sz="1200" kern="1200" dirty="0">
-              <a:solidFill>
-                <a:schemeClr val="tx1"/>
-              </a:solidFill>
-              <a:effectLst/>
-              <a:latin typeface="+mn-lt"/>
-              <a:ea typeface="ＭＳ Ｐゴシック" pitchFamily="-106" charset="-128"/>
-              <a:cs typeface="ＭＳ Ｐゴシック" pitchFamily="-106" charset="-128"/>
-            </a:endParaRPr>
-          </a:p>
-          <a:p>
-            <a:r>
-              <a:rPr lang="en-US" sz="1200" b="1" kern="1200" dirty="0">
-                <a:solidFill>
-                  <a:schemeClr val="tx1"/>
-                </a:solidFill>
-                <a:effectLst/>
-                <a:latin typeface="+mn-lt"/>
-                <a:ea typeface="ＭＳ Ｐゴシック" pitchFamily="-106" charset="-128"/>
-                <a:cs typeface="ＭＳ Ｐゴシック" pitchFamily="-106" charset="-128"/>
-              </a:rPr>
+            <a:endParaRPr lang="en-US" sz="1400" dirty="0"/>
+          </a:p>
+          <a:p>
+            <a:r>
+              <a:rPr lang="en-US" sz="1400" b="1" dirty="0"/>
               <a:t>Challenges Faced</a:t>
             </a:r>
-            <a:endParaRPr lang="en-US" sz="1200" kern="1200" dirty="0">
-              <a:solidFill>
-                <a:schemeClr val="tx1"/>
-              </a:solidFill>
-              <a:effectLst/>
-              <a:latin typeface="+mn-lt"/>
-              <a:ea typeface="ＭＳ Ｐゴシック" pitchFamily="-106" charset="-128"/>
-              <a:cs typeface="ＭＳ Ｐゴシック" pitchFamily="-106" charset="-128"/>
-            </a:endParaRPr>
+            <a:endParaRPr lang="en-US" sz="1400" dirty="0"/>
           </a:p>
           <a:p>
             <a:pPr rtl="0" fontAlgn="ctr"/>
             <a:r>
-              <a:rPr lang="en-US" sz="1200" kern="1200" dirty="0">
-                <a:solidFill>
-                  <a:schemeClr val="tx1"/>
-                </a:solidFill>
-                <a:effectLst/>
-                <a:latin typeface="+mn-lt"/>
-                <a:ea typeface="ＭＳ Ｐゴシック" pitchFamily="-106" charset="-128"/>
-                <a:cs typeface="ＭＳ Ｐゴシック" pitchFamily="-106" charset="-128"/>
-              </a:rPr>
+              <a:rPr lang="en-US" sz="1400" dirty="0"/>
               <a:t>Denominational mistrust</a:t>
             </a:r>
           </a:p>
           <a:p>
             <a:pPr rtl="0" fontAlgn="ctr"/>
             <a:r>
-              <a:rPr lang="en-US" sz="1200" kern="1200" dirty="0">
-                <a:solidFill>
-                  <a:schemeClr val="tx1"/>
-                </a:solidFill>
-                <a:effectLst/>
-                <a:latin typeface="+mn-lt"/>
-                <a:ea typeface="ＭＳ Ｐゴシック" pitchFamily="-106" charset="-128"/>
-                <a:cs typeface="ＭＳ Ｐゴシック" pitchFamily="-106" charset="-128"/>
-              </a:rPr>
+              <a:rPr lang="en-US" sz="1400" dirty="0"/>
               <a:t>Differing views on sacraments, leadership, and church polity</a:t>
             </a:r>
           </a:p>
           <a:p>
             <a:pPr rtl="0" fontAlgn="ctr"/>
             <a:r>
-              <a:rPr lang="en-US" sz="1200" kern="1200" dirty="0">
-                <a:solidFill>
-                  <a:schemeClr val="tx1"/>
-                </a:solidFill>
-                <a:effectLst/>
-                <a:latin typeface="+mn-lt"/>
-                <a:ea typeface="ＭＳ Ｐゴシック" pitchFamily="-106" charset="-128"/>
-                <a:cs typeface="ＭＳ Ｐゴシック" pitchFamily="-106" charset="-128"/>
-              </a:rPr>
+              <a:rPr lang="en-US" sz="1400" dirty="0"/>
               <a:t>Personality tensions (e.g., some questioned Alexander Campbell's strong leadership)</a:t>
             </a:r>
           </a:p>
           <a:p>
             <a:r>
-              <a:rPr lang="en-US" sz="1200" b="1" kern="1200" dirty="0">
-                <a:solidFill>
-                  <a:schemeClr val="tx1"/>
-                </a:solidFill>
-                <a:effectLst/>
-                <a:latin typeface="+mn-lt"/>
-                <a:ea typeface="ＭＳ Ｐゴシック" pitchFamily="-106" charset="-128"/>
-                <a:cs typeface="ＭＳ Ｐゴシック" pitchFamily="-106" charset="-128"/>
-              </a:rPr>
+              <a:rPr lang="en-US" sz="1400" b="1" dirty="0"/>
               <a:t>How They Overcame Division</a:t>
             </a:r>
-            <a:endParaRPr lang="en-US" sz="1200" kern="1200" dirty="0">
-              <a:solidFill>
-                <a:schemeClr val="tx1"/>
-              </a:solidFill>
-              <a:effectLst/>
-              <a:latin typeface="+mn-lt"/>
-              <a:ea typeface="ＭＳ Ｐゴシック" pitchFamily="-106" charset="-128"/>
-              <a:cs typeface="ＭＳ Ｐゴシック" pitchFamily="-106" charset="-128"/>
-            </a:endParaRPr>
+            <a:endParaRPr lang="en-US" sz="1400" dirty="0"/>
           </a:p>
           <a:p>
             <a:pPr rtl="0" fontAlgn="ctr"/>
             <a:r>
-              <a:rPr lang="en-US" sz="1200" kern="1200" dirty="0">
-                <a:solidFill>
-                  <a:schemeClr val="tx1"/>
-                </a:solidFill>
-                <a:effectLst/>
-                <a:latin typeface="+mn-lt"/>
-                <a:ea typeface="ＭＳ Ｐゴシック" pitchFamily="-106" charset="-128"/>
-                <a:cs typeface="ＭＳ Ｐゴシック" pitchFamily="-106" charset="-128"/>
-              </a:rPr>
+              <a:rPr lang="en-US" sz="1400" dirty="0"/>
               <a:t>Public confession that </a:t>
             </a:r>
             <a:r>
-              <a:rPr lang="en-US" sz="1200" b="1" kern="1200" dirty="0">
-                <a:solidFill>
-                  <a:schemeClr val="tx1"/>
-                </a:solidFill>
-                <a:effectLst/>
-                <a:latin typeface="+mn-lt"/>
-                <a:ea typeface="ＭＳ Ｐゴシック" pitchFamily="-106" charset="-128"/>
-                <a:cs typeface="ＭＳ Ｐゴシック" pitchFamily="-106" charset="-128"/>
-              </a:rPr>
+              <a:rPr lang="en-US" sz="1400" b="1" dirty="0"/>
               <a:t>“we are not the only Christians”</a:t>
             </a:r>
-            <a:endParaRPr lang="en-US" sz="1200" kern="1200" dirty="0">
-              <a:solidFill>
-                <a:schemeClr val="tx1"/>
-              </a:solidFill>
-              <a:effectLst/>
-              <a:latin typeface="+mn-lt"/>
-              <a:ea typeface="ＭＳ Ｐゴシック" pitchFamily="-106" charset="-128"/>
-              <a:cs typeface="ＭＳ Ｐゴシック" pitchFamily="-106" charset="-128"/>
-            </a:endParaRPr>
+            <a:endParaRPr lang="en-US" sz="1400" dirty="0"/>
           </a:p>
           <a:p>
             <a:pPr rtl="0" fontAlgn="ctr"/>
             <a:r>
-              <a:rPr lang="en-US" sz="1200" kern="1200" dirty="0">
-                <a:solidFill>
-                  <a:schemeClr val="tx1"/>
-                </a:solidFill>
-                <a:effectLst/>
-                <a:latin typeface="+mn-lt"/>
-                <a:ea typeface="ＭＳ Ｐゴシック" pitchFamily="-106" charset="-128"/>
-                <a:cs typeface="ＭＳ Ｐゴシック" pitchFamily="-106" charset="-128"/>
-              </a:rPr>
+              <a:rPr lang="en-US" sz="1400" dirty="0"/>
               <a:t>Focus on shared essentials rather than divisive specifics</a:t>
             </a:r>
           </a:p>
           <a:p>
             <a:pPr rtl="0" fontAlgn="ctr"/>
             <a:r>
-              <a:rPr lang="en-US" sz="1200" kern="1200" dirty="0">
-                <a:solidFill>
-                  <a:schemeClr val="tx1"/>
-                </a:solidFill>
-                <a:effectLst/>
-                <a:latin typeface="+mn-lt"/>
-                <a:ea typeface="ＭＳ Ｐゴシック" pitchFamily="-106" charset="-128"/>
-                <a:cs typeface="ＭＳ Ｐゴシック" pitchFamily="-106" charset="-128"/>
-              </a:rPr>
+              <a:rPr lang="en-US" sz="1400" dirty="0"/>
               <a:t>Commitment to </a:t>
             </a:r>
             <a:r>
-              <a:rPr lang="en-US" sz="1200" b="1" kern="1200" dirty="0">
-                <a:solidFill>
-                  <a:schemeClr val="tx1"/>
-                </a:solidFill>
-                <a:effectLst/>
-                <a:latin typeface="+mn-lt"/>
-                <a:ea typeface="ＭＳ Ｐゴシック" pitchFamily="-106" charset="-128"/>
-                <a:cs typeface="ＭＳ Ｐゴシック" pitchFamily="-106" charset="-128"/>
-              </a:rPr>
+              <a:rPr lang="en-US" sz="1400" b="1" dirty="0"/>
               <a:t>Scripture over tradition</a:t>
             </a:r>
-            <a:endParaRPr lang="en-US" sz="1200" kern="1200" dirty="0">
-              <a:solidFill>
-                <a:schemeClr val="tx1"/>
-              </a:solidFill>
-              <a:effectLst/>
-              <a:latin typeface="+mn-lt"/>
-              <a:ea typeface="ＭＳ Ｐゴシック" pitchFamily="-106" charset="-128"/>
-              <a:cs typeface="ＭＳ Ｐゴシック" pitchFamily="-106" charset="-128"/>
-            </a:endParaRPr>
+            <a:endParaRPr lang="en-US" sz="1400" dirty="0"/>
           </a:p>
           <a:p>
             <a:pPr rtl="0" fontAlgn="ctr"/>
             <a:r>
-              <a:rPr lang="en-US" sz="1200" kern="1200" dirty="0">
-                <a:solidFill>
-                  <a:schemeClr val="tx1"/>
-                </a:solidFill>
-                <a:effectLst/>
-                <a:latin typeface="+mn-lt"/>
-                <a:ea typeface="ＭＳ Ｐゴシック" pitchFamily="-106" charset="-128"/>
-                <a:cs typeface="ＭＳ Ｐゴシック" pitchFamily="-106" charset="-128"/>
-              </a:rPr>
+              <a:rPr lang="en-US" sz="1400" dirty="0"/>
               <a:t>Emphasis on </a:t>
             </a:r>
             <a:r>
-              <a:rPr lang="en-US" sz="1200" b="1" kern="1200" dirty="0">
-                <a:solidFill>
-                  <a:schemeClr val="tx1"/>
-                </a:solidFill>
-                <a:effectLst/>
-                <a:latin typeface="+mn-lt"/>
-                <a:ea typeface="ＭＳ Ｐゴシック" pitchFamily="-106" charset="-128"/>
-                <a:cs typeface="ＭＳ Ｐゴシック" pitchFamily="-106" charset="-128"/>
-              </a:rPr>
+              <a:rPr lang="en-US" sz="1400" b="1" dirty="0"/>
               <a:t>shared Lordship of Christ</a:t>
             </a:r>
             <a:r>
-              <a:rPr lang="en-US" sz="1200" kern="1200" dirty="0">
-                <a:solidFill>
-                  <a:schemeClr val="tx1"/>
-                </a:solidFill>
-                <a:effectLst/>
-                <a:latin typeface="+mn-lt"/>
-                <a:ea typeface="ＭＳ Ｐゴシック" pitchFamily="-106" charset="-128"/>
-                <a:cs typeface="ＭＳ Ｐゴシック" pitchFamily="-106" charset="-128"/>
-              </a:rPr>
+              <a:rPr lang="en-US" sz="1400" dirty="0"/>
               <a:t>, baptism, and table fellowship</a:t>
             </a:r>
           </a:p>
           <a:p>
-            <a:endParaRPr lang="en-US" dirty="0"/>
-          </a:p>
-          <a:p>
-            <a:endParaRPr lang="en-US" dirty="0"/>
-          </a:p>
-          <a:p>
-            <a:r>
-              <a:rPr lang="en-US" sz="1200" b="1" kern="1200" dirty="0">
-                <a:solidFill>
-                  <a:schemeClr val="tx1"/>
-                </a:solidFill>
-                <a:effectLst/>
-                <a:latin typeface="+mn-lt"/>
-                <a:ea typeface="ＭＳ Ｐゴシック" pitchFamily="-106" charset="-128"/>
-                <a:cs typeface="ＭＳ Ｐゴシック" pitchFamily="-106" charset="-128"/>
-              </a:rPr>
+            <a:endParaRPr lang="en-US" sz="1400" dirty="0"/>
+          </a:p>
+          <a:p>
+            <a:endParaRPr lang="en-US" sz="1400" dirty="0"/>
+          </a:p>
+          <a:p>
+            <a:r>
+              <a:rPr lang="en-US" sz="1400" b="1" dirty="0"/>
               <a:t>Legacy and Lasting Influence</a:t>
             </a:r>
-            <a:endParaRPr lang="en-US" sz="1200" kern="1200" dirty="0">
-              <a:solidFill>
-                <a:schemeClr val="tx1"/>
-              </a:solidFill>
-              <a:effectLst/>
-              <a:latin typeface="+mn-lt"/>
-              <a:ea typeface="ＭＳ Ｐゴシック" pitchFamily="-106" charset="-128"/>
-              <a:cs typeface="ＭＳ Ｐゴシック" pitchFamily="-106" charset="-128"/>
-            </a:endParaRPr>
-          </a:p>
-          <a:p>
-            <a:r>
-              <a:rPr lang="en-US" sz="1200" b="1" kern="1200" dirty="0">
-                <a:solidFill>
-                  <a:schemeClr val="tx1"/>
-                </a:solidFill>
-                <a:effectLst/>
-                <a:latin typeface="+mn-lt"/>
-                <a:ea typeface="ＭＳ Ｐゴシック" pitchFamily="-106" charset="-128"/>
-                <a:cs typeface="ＭＳ Ｐゴシック" pitchFamily="-106" charset="-128"/>
-              </a:rPr>
+            <a:endParaRPr lang="en-US" sz="1400" dirty="0"/>
+          </a:p>
+          <a:p>
+            <a:r>
+              <a:rPr lang="en-US" sz="1400" b="1" dirty="0"/>
               <a:t>Positive Outcomes</a:t>
             </a:r>
-            <a:endParaRPr lang="en-US" sz="1200" kern="1200" dirty="0">
-              <a:solidFill>
-                <a:schemeClr val="tx1"/>
-              </a:solidFill>
-              <a:effectLst/>
-              <a:latin typeface="+mn-lt"/>
-              <a:ea typeface="ＭＳ Ｐゴシック" pitchFamily="-106" charset="-128"/>
-              <a:cs typeface="ＭＳ Ｐゴシック" pitchFamily="-106" charset="-128"/>
-            </a:endParaRPr>
+            <a:endParaRPr lang="en-US" sz="1400" dirty="0"/>
           </a:p>
           <a:p>
             <a:pPr rtl="0" fontAlgn="ctr"/>
             <a:r>
-              <a:rPr lang="en-US" sz="1200" kern="1200" dirty="0">
-                <a:solidFill>
-                  <a:schemeClr val="tx1"/>
-                </a:solidFill>
-                <a:effectLst/>
-                <a:latin typeface="+mn-lt"/>
-                <a:ea typeface="ＭＳ Ｐゴシック" pitchFamily="-106" charset="-128"/>
-                <a:cs typeface="ＭＳ Ｐゴシック" pitchFamily="-106" charset="-128"/>
-              </a:rPr>
+              <a:rPr lang="en-US" sz="1400" dirty="0"/>
               <a:t>Gave rise to what became:</a:t>
             </a:r>
           </a:p>
           <a:p>
             <a:pPr lvl="1" rtl="0" fontAlgn="ctr"/>
             <a:r>
-              <a:rPr lang="en-US" sz="1200" b="1" kern="1200" dirty="0">
-                <a:solidFill>
-                  <a:schemeClr val="tx1"/>
-                </a:solidFill>
-                <a:effectLst/>
-                <a:latin typeface="+mn-lt"/>
-                <a:ea typeface="ＭＳ Ｐゴシック" pitchFamily="-106" charset="-128"/>
-                <a:cs typeface="+mn-cs"/>
-              </a:rPr>
+              <a:rPr lang="en-US" sz="1400" b="1" dirty="0"/>
               <a:t>Churches of Christ</a:t>
             </a:r>
-            <a:endParaRPr lang="en-US" sz="1200" kern="1200" dirty="0">
-              <a:solidFill>
-                <a:schemeClr val="tx1"/>
-              </a:solidFill>
-              <a:effectLst/>
-              <a:latin typeface="+mn-lt"/>
-              <a:ea typeface="ＭＳ Ｐゴシック" pitchFamily="-106" charset="-128"/>
-              <a:cs typeface="+mn-cs"/>
-            </a:endParaRPr>
+            <a:endParaRPr lang="en-US" sz="1400" dirty="0"/>
           </a:p>
           <a:p>
             <a:pPr lvl="1" rtl="0" fontAlgn="ctr"/>
             <a:r>
-              <a:rPr lang="en-US" sz="1200" b="1" kern="1200" dirty="0">
-                <a:solidFill>
-                  <a:schemeClr val="tx1"/>
-                </a:solidFill>
-                <a:effectLst/>
-                <a:latin typeface="+mn-lt"/>
-                <a:ea typeface="ＭＳ Ｐゴシック" pitchFamily="-106" charset="-128"/>
-                <a:cs typeface="+mn-cs"/>
-              </a:rPr>
+              <a:rPr lang="en-US" sz="1400" b="1" dirty="0"/>
               <a:t>Christian Church (Disciples of Christ)</a:t>
             </a:r>
-            <a:endParaRPr lang="en-US" sz="1200" kern="1200" dirty="0">
-              <a:solidFill>
-                <a:schemeClr val="tx1"/>
-              </a:solidFill>
-              <a:effectLst/>
-              <a:latin typeface="+mn-lt"/>
-              <a:ea typeface="ＭＳ Ｐゴシック" pitchFamily="-106" charset="-128"/>
-              <a:cs typeface="+mn-cs"/>
-            </a:endParaRPr>
+            <a:endParaRPr lang="en-US" sz="1400" dirty="0"/>
           </a:p>
           <a:p>
             <a:pPr lvl="1" rtl="0" fontAlgn="ctr"/>
             <a:r>
-              <a:rPr lang="en-US" sz="1200" b="1" kern="1200" dirty="0">
-                <a:solidFill>
-                  <a:schemeClr val="tx1"/>
-                </a:solidFill>
-                <a:effectLst/>
-                <a:latin typeface="+mn-lt"/>
-                <a:ea typeface="ＭＳ Ｐゴシック" pitchFamily="-106" charset="-128"/>
-                <a:cs typeface="+mn-cs"/>
-              </a:rPr>
+              <a:rPr lang="en-US" sz="1400" b="1" dirty="0"/>
               <a:t>Independent Christian Churches</a:t>
             </a:r>
-            <a:endParaRPr lang="en-US" sz="1200" kern="1200" dirty="0">
-              <a:solidFill>
-                <a:schemeClr val="tx1"/>
-              </a:solidFill>
-              <a:effectLst/>
-              <a:latin typeface="+mn-lt"/>
-              <a:ea typeface="ＭＳ Ｐゴシック" pitchFamily="-106" charset="-128"/>
-              <a:cs typeface="+mn-cs"/>
-            </a:endParaRPr>
+            <a:endParaRPr lang="en-US" sz="1400" dirty="0"/>
           </a:p>
           <a:p>
             <a:pPr rtl="0" fontAlgn="ctr"/>
             <a:r>
-              <a:rPr lang="en-US" sz="1200" kern="1200" dirty="0">
-                <a:solidFill>
-                  <a:schemeClr val="tx1"/>
-                </a:solidFill>
-                <a:effectLst/>
-                <a:latin typeface="+mn-lt"/>
-                <a:ea typeface="ＭＳ Ｐゴシック" pitchFamily="-106" charset="-128"/>
-                <a:cs typeface="ＭＳ Ｐゴシック" pitchFamily="-106" charset="-128"/>
-              </a:rPr>
+              <a:rPr lang="en-US" sz="1400" dirty="0"/>
               <a:t>Promoted </a:t>
             </a:r>
             <a:r>
-              <a:rPr lang="en-US" sz="1200" b="1" kern="1200" dirty="0">
-                <a:solidFill>
-                  <a:schemeClr val="tx1"/>
-                </a:solidFill>
-                <a:effectLst/>
-                <a:latin typeface="+mn-lt"/>
-                <a:ea typeface="ＭＳ Ｐゴシック" pitchFamily="-106" charset="-128"/>
-                <a:cs typeface="ＭＳ Ｐゴシック" pitchFamily="-106" charset="-128"/>
-              </a:rPr>
+              <a:rPr lang="en-US" sz="1400" b="1" dirty="0"/>
               <a:t>unity in essentials</a:t>
             </a:r>
             <a:r>
-              <a:rPr lang="en-US" sz="1200" kern="1200" dirty="0">
-                <a:solidFill>
-                  <a:schemeClr val="tx1"/>
-                </a:solidFill>
-                <a:effectLst/>
-                <a:latin typeface="+mn-lt"/>
-                <a:ea typeface="ＭＳ Ｐゴシック" pitchFamily="-106" charset="-128"/>
-                <a:cs typeface="ＭＳ Ｐゴシック" pitchFamily="-106" charset="-128"/>
-              </a:rPr>
+              <a:rPr lang="en-US" sz="1400" dirty="0"/>
               <a:t>, liberty in non-essentials, and charity in all things.</a:t>
             </a:r>
           </a:p>
           <a:p>
             <a:pPr rtl="0" fontAlgn="ctr"/>
             <a:r>
-              <a:rPr lang="en-US" sz="1200" kern="1200" dirty="0">
-                <a:solidFill>
-                  <a:schemeClr val="tx1"/>
-                </a:solidFill>
-                <a:effectLst/>
-                <a:latin typeface="+mn-lt"/>
-                <a:ea typeface="ＭＳ Ｐゴシック" pitchFamily="-106" charset="-128"/>
-                <a:cs typeface="ＭＳ Ｐゴシック" pitchFamily="-106" charset="-128"/>
-              </a:rPr>
+              <a:rPr lang="en-US" sz="1400" dirty="0"/>
               <a:t>Inspired future ecumenical efforts and movements focused on </a:t>
             </a:r>
             <a:r>
-              <a:rPr lang="en-US" sz="1200" b="1" kern="1200" dirty="0">
-                <a:solidFill>
-                  <a:schemeClr val="tx1"/>
-                </a:solidFill>
-                <a:effectLst/>
-                <a:latin typeface="+mn-lt"/>
-                <a:ea typeface="ＭＳ Ｐゴシック" pitchFamily="-106" charset="-128"/>
-                <a:cs typeface="ＭＳ Ｐゴシック" pitchFamily="-106" charset="-128"/>
-              </a:rPr>
+              <a:rPr lang="en-US" sz="1400" b="1" dirty="0"/>
               <a:t>biblical simplicity</a:t>
             </a:r>
             <a:r>
-              <a:rPr lang="en-US" sz="1200" kern="1200" dirty="0">
-                <a:solidFill>
-                  <a:schemeClr val="tx1"/>
-                </a:solidFill>
-                <a:effectLst/>
-                <a:latin typeface="+mn-lt"/>
-                <a:ea typeface="ＭＳ Ｐゴシック" pitchFamily="-106" charset="-128"/>
-                <a:cs typeface="ＭＳ Ｐゴシック" pitchFamily="-106" charset="-128"/>
-              </a:rPr>
+              <a:rPr lang="en-US" sz="1400" dirty="0"/>
               <a:t> and </a:t>
             </a:r>
             <a:r>
-              <a:rPr lang="en-US" sz="1200" b="1" kern="1200" dirty="0">
-                <a:solidFill>
-                  <a:schemeClr val="tx1"/>
-                </a:solidFill>
-                <a:effectLst/>
-                <a:latin typeface="+mn-lt"/>
-                <a:ea typeface="ＭＳ Ｐゴシック" pitchFamily="-106" charset="-128"/>
-                <a:cs typeface="ＭＳ Ｐゴシック" pitchFamily="-106" charset="-128"/>
-              </a:rPr>
+              <a:rPr lang="en-US" sz="1400" b="1" dirty="0"/>
               <a:t>local church autonomy</a:t>
             </a:r>
             <a:r>
-              <a:rPr lang="en-US" sz="1200" kern="1200" dirty="0">
-                <a:solidFill>
-                  <a:schemeClr val="tx1"/>
-                </a:solidFill>
-                <a:effectLst/>
-                <a:latin typeface="+mn-lt"/>
-                <a:ea typeface="ＭＳ Ｐゴシック" pitchFamily="-106" charset="-128"/>
-                <a:cs typeface="ＭＳ Ｐゴシック" pitchFamily="-106" charset="-128"/>
-              </a:rPr>
+              <a:rPr lang="en-US" sz="1400" dirty="0"/>
               <a:t>.</a:t>
             </a:r>
           </a:p>
           <a:p>
             <a:r>
-              <a:rPr lang="en-US" sz="1200" b="1" kern="1200" dirty="0">
-                <a:solidFill>
-                  <a:schemeClr val="tx1"/>
-                </a:solidFill>
-                <a:effectLst/>
-                <a:latin typeface="+mn-lt"/>
-                <a:ea typeface="ＭＳ Ｐゴシック" pitchFamily="-106" charset="-128"/>
-                <a:cs typeface="ＭＳ Ｐゴシック" pitchFamily="-106" charset="-128"/>
-              </a:rPr>
+              <a:rPr lang="en-US" sz="1400" b="1" dirty="0"/>
               <a:t>Cautions and Weaknesses</a:t>
             </a:r>
-            <a:endParaRPr lang="en-US" sz="1200" kern="1200" dirty="0">
-              <a:solidFill>
-                <a:schemeClr val="tx1"/>
-              </a:solidFill>
-              <a:effectLst/>
-              <a:latin typeface="+mn-lt"/>
-              <a:ea typeface="ＭＳ Ｐゴシック" pitchFamily="-106" charset="-128"/>
-              <a:cs typeface="ＭＳ Ｐゴシック" pitchFamily="-106" charset="-128"/>
-            </a:endParaRPr>
+            <a:endParaRPr lang="en-US" sz="1400" dirty="0"/>
           </a:p>
           <a:p>
             <a:pPr rtl="0" fontAlgn="ctr"/>
             <a:r>
-              <a:rPr lang="en-US" sz="1200" kern="1200" dirty="0">
-                <a:solidFill>
-                  <a:schemeClr val="tx1"/>
-                </a:solidFill>
-                <a:effectLst/>
-                <a:latin typeface="+mn-lt"/>
-                <a:ea typeface="ＭＳ Ｐゴシック" pitchFamily="-106" charset="-128"/>
-                <a:cs typeface="ＭＳ Ｐゴシック" pitchFamily="-106" charset="-128"/>
-              </a:rPr>
+              <a:rPr lang="en-US" sz="1400" dirty="0"/>
               <a:t>Some later Restorationist groups developed rigid patterns of uniformity</a:t>
             </a:r>
           </a:p>
           <a:p>
             <a:pPr rtl="0" fontAlgn="ctr"/>
             <a:r>
-              <a:rPr lang="en-US" sz="1200" kern="1200" dirty="0">
-                <a:solidFill>
-                  <a:schemeClr val="tx1"/>
-                </a:solidFill>
-                <a:effectLst/>
-                <a:latin typeface="+mn-lt"/>
-                <a:ea typeface="ＭＳ Ｐゴシック" pitchFamily="-106" charset="-128"/>
-                <a:cs typeface="ＭＳ Ｐゴシック" pitchFamily="-106" charset="-128"/>
-              </a:rPr>
+              <a:rPr lang="en-US" sz="1400" dirty="0"/>
               <a:t>Over time, the unity vision fractured due to disagreements over methods, instruments, and institutional cooperation</a:t>
             </a:r>
           </a:p>
           <a:p>
-            <a:endParaRPr lang="en-US" dirty="0"/>
+            <a:endParaRPr lang="en-US" sz="1400" dirty="0"/>
           </a:p>
           <a:p>
             <a:endParaRPr lang="en-US" dirty="0"/>
@@ -4706,588 +2509,220 @@
           <a:lstStyle/>
           <a:p>
             <a:r>
-              <a:rPr lang="en-US" sz="1200" b="1" kern="1200" dirty="0">
-                <a:solidFill>
-                  <a:schemeClr val="tx1"/>
-                </a:solidFill>
-                <a:effectLst/>
-                <a:latin typeface="+mn-lt"/>
-                <a:ea typeface="ＭＳ Ｐゴシック" pitchFamily="-106" charset="-128"/>
-                <a:cs typeface="ＭＳ Ｐゴシック" pitchFamily="-106" charset="-128"/>
-              </a:rPr>
+              <a:rPr lang="en-US" sz="1400" b="1" dirty="0"/>
               <a:t>1. Live in Unity (Ephesians 4:1–6)</a:t>
             </a:r>
-            <a:endParaRPr lang="en-US" sz="1200" kern="1200" dirty="0">
-              <a:solidFill>
-                <a:schemeClr val="tx1"/>
-              </a:solidFill>
-              <a:effectLst/>
-              <a:latin typeface="+mn-lt"/>
-              <a:ea typeface="ＭＳ Ｐゴシック" pitchFamily="-106" charset="-128"/>
-              <a:cs typeface="ＭＳ Ｐゴシック" pitchFamily="-106" charset="-128"/>
-            </a:endParaRPr>
-          </a:p>
-          <a:p>
-            <a:r>
-              <a:rPr lang="en-US" sz="1200" i="1" kern="1200" dirty="0">
-                <a:solidFill>
-                  <a:schemeClr val="tx1"/>
-                </a:solidFill>
-                <a:effectLst/>
-                <a:latin typeface="+mn-lt"/>
-                <a:ea typeface="ＭＳ Ｐゴシック" pitchFamily="-106" charset="-128"/>
-                <a:cs typeface="ＭＳ Ｐゴシック" pitchFamily="-106" charset="-128"/>
-              </a:rPr>
+            <a:endParaRPr lang="en-US" sz="1400" dirty="0"/>
+          </a:p>
+          <a:p>
+            <a:r>
+              <a:rPr lang="en-US" sz="1400" i="1" dirty="0"/>
               <a:t>“Make every effort to keep the unity of the Spirit through the bond of peace.”</a:t>
             </a:r>
-            <a:endParaRPr lang="en-US" sz="1200" kern="1200" dirty="0">
-              <a:solidFill>
-                <a:schemeClr val="tx1"/>
-              </a:solidFill>
-              <a:effectLst/>
-              <a:latin typeface="+mn-lt"/>
-              <a:ea typeface="ＭＳ Ｐゴシック" pitchFamily="-106" charset="-128"/>
-              <a:cs typeface="ＭＳ Ｐゴシック" pitchFamily="-106" charset="-128"/>
-            </a:endParaRPr>
+            <a:endParaRPr lang="en-US" sz="1400" dirty="0"/>
           </a:p>
           <a:p>
             <a:pPr rtl="0" fontAlgn="ctr"/>
             <a:r>
-              <a:rPr lang="en-US" sz="1200" kern="1200" dirty="0">
-                <a:solidFill>
-                  <a:schemeClr val="tx1"/>
-                </a:solidFill>
-                <a:effectLst/>
-                <a:latin typeface="+mn-lt"/>
-                <a:ea typeface="ＭＳ Ｐゴシック" pitchFamily="-106" charset="-128"/>
-                <a:cs typeface="ＭＳ Ｐゴシック" pitchFamily="-106" charset="-128"/>
-              </a:rPr>
+              <a:rPr lang="en-US" sz="1400" dirty="0"/>
               <a:t>One body, one Spirit, one hope—fellowship is about </a:t>
             </a:r>
             <a:r>
-              <a:rPr lang="en-US" sz="1200" b="1" kern="1200" dirty="0">
-                <a:solidFill>
-                  <a:schemeClr val="tx1"/>
-                </a:solidFill>
-                <a:effectLst/>
-                <a:latin typeface="+mn-lt"/>
-                <a:ea typeface="ＭＳ Ｐゴシック" pitchFamily="-106" charset="-128"/>
-                <a:cs typeface="ＭＳ Ｐゴシック" pitchFamily="-106" charset="-128"/>
-              </a:rPr>
+              <a:rPr lang="en-US" sz="1400" b="1" dirty="0"/>
               <a:t>oneness</a:t>
             </a:r>
             <a:r>
-              <a:rPr lang="en-US" sz="1200" kern="1200" dirty="0">
-                <a:solidFill>
-                  <a:schemeClr val="tx1"/>
-                </a:solidFill>
-                <a:effectLst/>
-                <a:latin typeface="+mn-lt"/>
-                <a:ea typeface="ＭＳ Ｐゴシック" pitchFamily="-106" charset="-128"/>
-                <a:cs typeface="ＭＳ Ｐゴシック" pitchFamily="-106" charset="-128"/>
-              </a:rPr>
+              <a:rPr lang="en-US" sz="1400" dirty="0"/>
               <a:t> in calling and identity.</a:t>
             </a:r>
           </a:p>
           <a:p>
             <a:pPr rtl="0" fontAlgn="ctr"/>
             <a:r>
-              <a:rPr lang="en-US" sz="1200" b="1" kern="1200" dirty="0">
-                <a:solidFill>
-                  <a:schemeClr val="tx1"/>
-                </a:solidFill>
-                <a:effectLst/>
-                <a:latin typeface="+mn-lt"/>
-                <a:ea typeface="ＭＳ Ｐゴシック" pitchFamily="-106" charset="-128"/>
-                <a:cs typeface="ＭＳ Ｐゴシック" pitchFamily="-106" charset="-128"/>
-              </a:rPr>
+              <a:rPr lang="en-US" sz="1400" b="1" dirty="0"/>
               <a:t>Teaching Point</a:t>
             </a:r>
             <a:r>
-              <a:rPr lang="en-US" sz="1200" kern="1200" dirty="0">
-                <a:solidFill>
-                  <a:schemeClr val="tx1"/>
-                </a:solidFill>
-                <a:effectLst/>
-                <a:latin typeface="+mn-lt"/>
-                <a:ea typeface="ＭＳ Ｐゴシック" pitchFamily="-106" charset="-128"/>
-                <a:cs typeface="ＭＳ Ｐゴシック" pitchFamily="-106" charset="-128"/>
-              </a:rPr>
+              <a:rPr lang="en-US" sz="1400" dirty="0"/>
               <a:t>: Covenant fellowship honors the calling of each believer without competition.</a:t>
             </a:r>
           </a:p>
           <a:p>
             <a:r>
-              <a:rPr lang="en-US" sz="1200" b="1" kern="1200" dirty="0">
-                <a:solidFill>
-                  <a:schemeClr val="tx1"/>
-                </a:solidFill>
-                <a:effectLst/>
-                <a:latin typeface="+mn-lt"/>
-                <a:ea typeface="ＭＳ Ｐゴシック" pitchFamily="-106" charset="-128"/>
-                <a:cs typeface="ＭＳ Ｐゴシック" pitchFamily="-106" charset="-128"/>
-              </a:rPr>
+              <a:rPr lang="en-US" sz="1400" b="1" dirty="0"/>
               <a:t>2. Live in Holiness (4:17–32)</a:t>
             </a:r>
-            <a:endParaRPr lang="en-US" sz="1200" kern="1200" dirty="0">
-              <a:solidFill>
-                <a:schemeClr val="tx1"/>
-              </a:solidFill>
-              <a:effectLst/>
-              <a:latin typeface="+mn-lt"/>
-              <a:ea typeface="ＭＳ Ｐゴシック" pitchFamily="-106" charset="-128"/>
-              <a:cs typeface="ＭＳ Ｐゴシック" pitchFamily="-106" charset="-128"/>
-            </a:endParaRPr>
+            <a:endParaRPr lang="en-US" sz="1400" dirty="0"/>
           </a:p>
           <a:p>
             <a:pPr rtl="0" fontAlgn="ctr"/>
             <a:r>
-              <a:rPr lang="en-US" sz="1200" kern="1200" dirty="0">
-                <a:solidFill>
-                  <a:schemeClr val="tx1"/>
-                </a:solidFill>
-                <a:effectLst/>
-                <a:latin typeface="+mn-lt"/>
-                <a:ea typeface="ＭＳ Ｐゴシック" pitchFamily="-106" charset="-128"/>
-                <a:cs typeface="ＭＳ Ｐゴシック" pitchFamily="-106" charset="-128"/>
-              </a:rPr>
+              <a:rPr lang="en-US" sz="1400" dirty="0"/>
               <a:t>Put off the “old self,” live differently from the world.</a:t>
             </a:r>
           </a:p>
           <a:p>
             <a:pPr rtl="0" fontAlgn="ctr"/>
             <a:r>
-              <a:rPr lang="en-US" sz="1200" kern="1200" dirty="0">
-                <a:solidFill>
-                  <a:schemeClr val="tx1"/>
-                </a:solidFill>
-                <a:effectLst/>
-                <a:latin typeface="+mn-lt"/>
-                <a:ea typeface="ＭＳ Ｐゴシック" pitchFamily="-106" charset="-128"/>
-                <a:cs typeface="ＭＳ Ｐゴシック" pitchFamily="-106" charset="-128"/>
-              </a:rPr>
+              <a:rPr lang="en-US" sz="1400" dirty="0"/>
               <a:t>Speak truth, resolve anger quickly, build up others.</a:t>
             </a:r>
           </a:p>
           <a:p>
             <a:pPr rtl="0" fontAlgn="ctr"/>
             <a:r>
-              <a:rPr lang="en-US" sz="1200" b="1" kern="1200" dirty="0">
-                <a:solidFill>
-                  <a:schemeClr val="tx1"/>
-                </a:solidFill>
-                <a:effectLst/>
-                <a:latin typeface="+mn-lt"/>
-                <a:ea typeface="ＭＳ Ｐゴシック" pitchFamily="-106" charset="-128"/>
-                <a:cs typeface="ＭＳ Ｐゴシック" pitchFamily="-106" charset="-128"/>
-              </a:rPr>
+              <a:rPr lang="en-US" sz="1400" b="1" dirty="0"/>
               <a:t>Teaching Point</a:t>
             </a:r>
             <a:r>
-              <a:rPr lang="en-US" sz="1200" kern="1200" dirty="0">
-                <a:solidFill>
-                  <a:schemeClr val="tx1"/>
-                </a:solidFill>
-                <a:effectLst/>
-                <a:latin typeface="+mn-lt"/>
-                <a:ea typeface="ＭＳ Ｐゴシック" pitchFamily="-106" charset="-128"/>
-                <a:cs typeface="ＭＳ Ｐゴシック" pitchFamily="-106" charset="-128"/>
-              </a:rPr>
+              <a:rPr lang="en-US" sz="1400" dirty="0"/>
               <a:t>: Holiness protects fellowship—sin and unrepentance fracture community.</a:t>
             </a:r>
           </a:p>
           <a:p>
             <a:r>
-              <a:rPr lang="en-US" sz="1200" b="1" kern="1200" dirty="0">
-                <a:solidFill>
-                  <a:schemeClr val="tx1"/>
-                </a:solidFill>
-                <a:effectLst/>
-                <a:latin typeface="+mn-lt"/>
-                <a:ea typeface="ＭＳ Ｐゴシック" pitchFamily="-106" charset="-128"/>
-                <a:cs typeface="ＭＳ Ｐゴシック" pitchFamily="-106" charset="-128"/>
-              </a:rPr>
+              <a:rPr lang="en-US" sz="1400" b="1" dirty="0"/>
               <a:t>3. Live in Love (5:1–7)</a:t>
             </a:r>
-            <a:endParaRPr lang="en-US" sz="1200" kern="1200" dirty="0">
-              <a:solidFill>
-                <a:schemeClr val="tx1"/>
-              </a:solidFill>
-              <a:effectLst/>
-              <a:latin typeface="+mn-lt"/>
-              <a:ea typeface="ＭＳ Ｐゴシック" pitchFamily="-106" charset="-128"/>
-              <a:cs typeface="ＭＳ Ｐゴシック" pitchFamily="-106" charset="-128"/>
-            </a:endParaRPr>
-          </a:p>
-          <a:p>
-            <a:r>
-              <a:rPr lang="en-US" sz="1200" i="1" kern="1200" dirty="0">
-                <a:solidFill>
-                  <a:schemeClr val="tx1"/>
-                </a:solidFill>
-                <a:effectLst/>
-                <a:latin typeface="+mn-lt"/>
-                <a:ea typeface="ＭＳ Ｐゴシック" pitchFamily="-106" charset="-128"/>
-                <a:cs typeface="ＭＳ Ｐゴシック" pitchFamily="-106" charset="-128"/>
-              </a:rPr>
+            <a:endParaRPr lang="en-US" sz="1400" dirty="0"/>
+          </a:p>
+          <a:p>
+            <a:r>
+              <a:rPr lang="en-US" sz="1400" i="1" dirty="0"/>
               <a:t>“Walk in the way of love, just as Christ loved us…”</a:t>
             </a:r>
-            <a:endParaRPr lang="en-US" sz="1200" kern="1200" dirty="0">
-              <a:solidFill>
-                <a:schemeClr val="tx1"/>
-              </a:solidFill>
-              <a:effectLst/>
-              <a:latin typeface="+mn-lt"/>
-              <a:ea typeface="ＭＳ Ｐゴシック" pitchFamily="-106" charset="-128"/>
-              <a:cs typeface="ＭＳ Ｐゴシック" pitchFamily="-106" charset="-128"/>
-            </a:endParaRPr>
+            <a:endParaRPr lang="en-US" sz="1400" dirty="0"/>
           </a:p>
           <a:p>
             <a:pPr rtl="0" fontAlgn="ctr"/>
             <a:r>
-              <a:rPr lang="en-US" sz="1200" kern="1200" dirty="0">
-                <a:solidFill>
-                  <a:schemeClr val="tx1"/>
-                </a:solidFill>
-                <a:effectLst/>
-                <a:latin typeface="+mn-lt"/>
-                <a:ea typeface="ＭＳ Ｐゴシック" pitchFamily="-106" charset="-128"/>
-                <a:cs typeface="ＭＳ Ｐゴシック" pitchFamily="-106" charset="-128"/>
-              </a:rPr>
+              <a:rPr lang="en-US" sz="1400" dirty="0"/>
               <a:t>Imitate God’s sacrificial love. Avoid impurity and greed.</a:t>
             </a:r>
           </a:p>
           <a:p>
             <a:pPr rtl="0" fontAlgn="ctr"/>
             <a:r>
-              <a:rPr lang="en-US" sz="1200" b="1" kern="1200" dirty="0">
-                <a:solidFill>
-                  <a:schemeClr val="tx1"/>
-                </a:solidFill>
-                <a:effectLst/>
-                <a:latin typeface="+mn-lt"/>
-                <a:ea typeface="ＭＳ Ｐゴシック" pitchFamily="-106" charset="-128"/>
-                <a:cs typeface="ＭＳ Ｐゴシック" pitchFamily="-106" charset="-128"/>
-              </a:rPr>
+              <a:rPr lang="en-US" sz="1400" b="1" dirty="0"/>
               <a:t>Teaching Point</a:t>
             </a:r>
             <a:r>
-              <a:rPr lang="en-US" sz="1200" kern="1200" dirty="0">
-                <a:solidFill>
-                  <a:schemeClr val="tx1"/>
-                </a:solidFill>
-                <a:effectLst/>
-                <a:latin typeface="+mn-lt"/>
-                <a:ea typeface="ＭＳ Ｐゴシック" pitchFamily="-106" charset="-128"/>
-                <a:cs typeface="ＭＳ Ｐゴシック" pitchFamily="-106" charset="-128"/>
-              </a:rPr>
+              <a:rPr lang="en-US" sz="1400" dirty="0"/>
               <a:t>: Love is the ethic of covenant commitment, not personal gain.</a:t>
             </a:r>
           </a:p>
           <a:p>
             <a:r>
-              <a:rPr lang="en-US" sz="1200" b="1" kern="1200" dirty="0">
-                <a:solidFill>
-                  <a:schemeClr val="tx1"/>
-                </a:solidFill>
-                <a:effectLst/>
-                <a:latin typeface="+mn-lt"/>
-                <a:ea typeface="ＭＳ Ｐゴシック" pitchFamily="-106" charset="-128"/>
-                <a:cs typeface="ＭＳ Ｐゴシック" pitchFamily="-106" charset="-128"/>
-              </a:rPr>
+              <a:rPr lang="en-US" sz="1400" b="1" dirty="0"/>
               <a:t>4. Live in the Light (5:8–14)</a:t>
             </a:r>
-            <a:endParaRPr lang="en-US" sz="1200" kern="1200" dirty="0">
-              <a:solidFill>
-                <a:schemeClr val="tx1"/>
-              </a:solidFill>
-              <a:effectLst/>
-              <a:latin typeface="+mn-lt"/>
-              <a:ea typeface="ＭＳ Ｐゴシック" pitchFamily="-106" charset="-128"/>
-              <a:cs typeface="ＭＳ Ｐゴシック" pitchFamily="-106" charset="-128"/>
-            </a:endParaRPr>
+            <a:endParaRPr lang="en-US" sz="1400" dirty="0"/>
           </a:p>
           <a:p>
             <a:pPr rtl="0" fontAlgn="ctr"/>
             <a:r>
-              <a:rPr lang="en-US" sz="1200" kern="1200" dirty="0">
-                <a:solidFill>
-                  <a:schemeClr val="tx1"/>
-                </a:solidFill>
-                <a:effectLst/>
-                <a:latin typeface="+mn-lt"/>
-                <a:ea typeface="ＭＳ Ｐゴシック" pitchFamily="-106" charset="-128"/>
-                <a:cs typeface="ＭＳ Ｐゴシック" pitchFamily="-106" charset="-128"/>
-              </a:rPr>
+              <a:rPr lang="en-US" sz="1400" dirty="0"/>
               <a:t>Expose darkness, bear fruit in truth and goodness.</a:t>
             </a:r>
           </a:p>
           <a:p>
             <a:pPr rtl="0" fontAlgn="ctr"/>
             <a:r>
-              <a:rPr lang="en-US" sz="1200" b="1" kern="1200" dirty="0">
-                <a:solidFill>
-                  <a:schemeClr val="tx1"/>
-                </a:solidFill>
-                <a:effectLst/>
-                <a:latin typeface="+mn-lt"/>
-                <a:ea typeface="ＭＳ Ｐゴシック" pitchFamily="-106" charset="-128"/>
-                <a:cs typeface="ＭＳ Ｐゴシック" pitchFamily="-106" charset="-128"/>
-              </a:rPr>
+              <a:rPr lang="en-US" sz="1400" b="1" dirty="0"/>
               <a:t>Teaching Point</a:t>
             </a:r>
             <a:r>
-              <a:rPr lang="en-US" sz="1200" kern="1200" dirty="0">
-                <a:solidFill>
-                  <a:schemeClr val="tx1"/>
-                </a:solidFill>
-                <a:effectLst/>
-                <a:latin typeface="+mn-lt"/>
-                <a:ea typeface="ＭＳ Ｐゴシック" pitchFamily="-106" charset="-128"/>
-                <a:cs typeface="ＭＳ Ｐゴシック" pitchFamily="-106" charset="-128"/>
-              </a:rPr>
+              <a:rPr lang="en-US" sz="1400" dirty="0"/>
               <a:t>: Transparent relationships are key to covenant fellowship.</a:t>
             </a:r>
           </a:p>
           <a:p>
             <a:r>
-              <a:rPr lang="en-US" sz="1200" b="1" kern="1200" dirty="0">
-                <a:solidFill>
-                  <a:schemeClr val="tx1"/>
-                </a:solidFill>
-                <a:effectLst/>
-                <a:latin typeface="+mn-lt"/>
-                <a:ea typeface="ＭＳ Ｐゴシック" pitchFamily="-106" charset="-128"/>
-                <a:cs typeface="ＭＳ Ｐゴシック" pitchFamily="-106" charset="-128"/>
-              </a:rPr>
+              <a:rPr lang="en-US" sz="1400" b="1" dirty="0"/>
               <a:t>5. Live Wisely (5:15–21)</a:t>
             </a:r>
-            <a:endParaRPr lang="en-US" sz="1200" kern="1200" dirty="0">
-              <a:solidFill>
-                <a:schemeClr val="tx1"/>
-              </a:solidFill>
-              <a:effectLst/>
-              <a:latin typeface="+mn-lt"/>
-              <a:ea typeface="ＭＳ Ｐゴシック" pitchFamily="-106" charset="-128"/>
-              <a:cs typeface="ＭＳ Ｐゴシック" pitchFamily="-106" charset="-128"/>
-            </a:endParaRPr>
-          </a:p>
-          <a:p>
-            <a:r>
-              <a:rPr lang="en-US" sz="1200" i="1" kern="1200" dirty="0">
-                <a:solidFill>
-                  <a:schemeClr val="tx1"/>
-                </a:solidFill>
-                <a:effectLst/>
-                <a:latin typeface="+mn-lt"/>
-                <a:ea typeface="ＭＳ Ｐゴシック" pitchFamily="-106" charset="-128"/>
-                <a:cs typeface="ＭＳ Ｐゴシック" pitchFamily="-106" charset="-128"/>
-              </a:rPr>
+            <a:endParaRPr lang="en-US" sz="1400" dirty="0"/>
+          </a:p>
+          <a:p>
+            <a:r>
+              <a:rPr lang="en-US" sz="1400" i="1" dirty="0"/>
               <a:t>“Be very careful, then, how you live—not as unwise but as wise...”</a:t>
             </a:r>
-            <a:endParaRPr lang="en-US" sz="1200" kern="1200" dirty="0">
-              <a:solidFill>
-                <a:schemeClr val="tx1"/>
-              </a:solidFill>
-              <a:effectLst/>
-              <a:latin typeface="+mn-lt"/>
-              <a:ea typeface="ＭＳ Ｐゴシック" pitchFamily="-106" charset="-128"/>
-              <a:cs typeface="ＭＳ Ｐゴシック" pitchFamily="-106" charset="-128"/>
-            </a:endParaRPr>
+            <a:endParaRPr lang="en-US" sz="1400" dirty="0"/>
           </a:p>
           <a:p>
             <a:pPr rtl="0" fontAlgn="ctr"/>
             <a:r>
-              <a:rPr lang="en-US" sz="1200" kern="1200" dirty="0">
-                <a:solidFill>
-                  <a:schemeClr val="tx1"/>
-                </a:solidFill>
-                <a:effectLst/>
-                <a:latin typeface="+mn-lt"/>
-                <a:ea typeface="ＭＳ Ｐゴシック" pitchFamily="-106" charset="-128"/>
-                <a:cs typeface="ＭＳ Ｐゴシック" pitchFamily="-106" charset="-128"/>
-              </a:rPr>
+              <a:rPr lang="en-US" sz="1400" dirty="0"/>
               <a:t>Be filled with the Spirit, submit to one another out of reverence for Christ.</a:t>
             </a:r>
           </a:p>
           <a:p>
             <a:pPr rtl="0" fontAlgn="ctr"/>
             <a:r>
-              <a:rPr lang="en-US" sz="1200" b="1" kern="1200" dirty="0">
-                <a:solidFill>
-                  <a:schemeClr val="tx1"/>
-                </a:solidFill>
-                <a:effectLst/>
-                <a:latin typeface="+mn-lt"/>
-                <a:ea typeface="ＭＳ Ｐゴシック" pitchFamily="-106" charset="-128"/>
-                <a:cs typeface="ＭＳ Ｐゴシック" pitchFamily="-106" charset="-128"/>
-              </a:rPr>
+              <a:rPr lang="en-US" sz="1400" b="1" dirty="0"/>
               <a:t>Teaching Point</a:t>
             </a:r>
             <a:r>
-              <a:rPr lang="en-US" sz="1200" kern="1200" dirty="0">
-                <a:solidFill>
-                  <a:schemeClr val="tx1"/>
-                </a:solidFill>
-                <a:effectLst/>
-                <a:latin typeface="+mn-lt"/>
-                <a:ea typeface="ＭＳ Ｐゴシック" pitchFamily="-106" charset="-128"/>
-                <a:cs typeface="ＭＳ Ｐゴシック" pitchFamily="-106" charset="-128"/>
-              </a:rPr>
+              <a:rPr lang="en-US" sz="1400" dirty="0"/>
               <a:t>: Wisdom and Spirit-dependence protect fellowship from folly.</a:t>
             </a:r>
           </a:p>
           <a:p>
             <a:r>
-              <a:rPr lang="en-US" sz="1200" b="1" kern="1200" dirty="0">
-                <a:solidFill>
-                  <a:schemeClr val="tx1"/>
-                </a:solidFill>
-                <a:effectLst/>
-                <a:latin typeface="+mn-lt"/>
-                <a:ea typeface="ＭＳ Ｐゴシック" pitchFamily="-106" charset="-128"/>
-                <a:cs typeface="ＭＳ Ｐゴシック" pitchFamily="-106" charset="-128"/>
-              </a:rPr>
+              <a:rPr lang="en-US" sz="1400" b="1" dirty="0"/>
               <a:t>6. Cherish One Another (5:22–6:9)</a:t>
             </a:r>
-            <a:endParaRPr lang="en-US" sz="1200" kern="1200" dirty="0">
-              <a:solidFill>
-                <a:schemeClr val="tx1"/>
-              </a:solidFill>
-              <a:effectLst/>
-              <a:latin typeface="+mn-lt"/>
-              <a:ea typeface="ＭＳ Ｐゴシック" pitchFamily="-106" charset="-128"/>
-              <a:cs typeface="ＭＳ Ｐゴシック" pitchFamily="-106" charset="-128"/>
-            </a:endParaRPr>
+            <a:endParaRPr lang="en-US" sz="1400" dirty="0"/>
           </a:p>
           <a:p>
             <a:pPr rtl="0" fontAlgn="ctr"/>
             <a:r>
-              <a:rPr lang="en-US" sz="1200" kern="1200" dirty="0">
-                <a:solidFill>
-                  <a:schemeClr val="tx1"/>
-                </a:solidFill>
-                <a:effectLst/>
-                <a:latin typeface="+mn-lt"/>
-                <a:ea typeface="ＭＳ Ｐゴシック" pitchFamily="-106" charset="-128"/>
-                <a:cs typeface="ＭＳ Ｐゴシック" pitchFamily="-106" charset="-128"/>
-              </a:rPr>
+              <a:rPr lang="en-US" sz="1400" dirty="0"/>
               <a:t>Husbands, wives, children, masters, and servants—all relationships are marked by </a:t>
             </a:r>
             <a:r>
-              <a:rPr lang="en-US" sz="1200" b="1" kern="1200" dirty="0">
-                <a:solidFill>
-                  <a:schemeClr val="tx1"/>
-                </a:solidFill>
-                <a:effectLst/>
-                <a:latin typeface="+mn-lt"/>
-                <a:ea typeface="ＭＳ Ｐゴシック" pitchFamily="-106" charset="-128"/>
-                <a:cs typeface="ＭＳ Ｐゴシック" pitchFamily="-106" charset="-128"/>
-              </a:rPr>
+              <a:rPr lang="en-US" sz="1400" b="1" dirty="0"/>
               <a:t>mutual love and honor</a:t>
             </a:r>
             <a:r>
-              <a:rPr lang="en-US" sz="1200" kern="1200" dirty="0">
-                <a:solidFill>
-                  <a:schemeClr val="tx1"/>
-                </a:solidFill>
-                <a:effectLst/>
-                <a:latin typeface="+mn-lt"/>
-                <a:ea typeface="ＭＳ Ｐゴシック" pitchFamily="-106" charset="-128"/>
-                <a:cs typeface="ＭＳ Ｐゴシック" pitchFamily="-106" charset="-128"/>
-              </a:rPr>
+              <a:rPr lang="en-US" sz="1400" dirty="0"/>
               <a:t>.</a:t>
             </a:r>
           </a:p>
           <a:p>
             <a:pPr rtl="0" fontAlgn="ctr"/>
             <a:r>
-              <a:rPr lang="en-US" sz="1200" b="1" kern="1200" dirty="0">
-                <a:solidFill>
-                  <a:schemeClr val="tx1"/>
-                </a:solidFill>
-                <a:effectLst/>
-                <a:latin typeface="+mn-lt"/>
-                <a:ea typeface="ＭＳ Ｐゴシック" pitchFamily="-106" charset="-128"/>
-                <a:cs typeface="ＭＳ Ｐゴシック" pitchFamily="-106" charset="-128"/>
-              </a:rPr>
+              <a:rPr lang="en-US" sz="1400" b="1" dirty="0"/>
               <a:t>Teaching Point</a:t>
             </a:r>
             <a:r>
-              <a:rPr lang="en-US" sz="1200" kern="1200" dirty="0">
-                <a:solidFill>
-                  <a:schemeClr val="tx1"/>
-                </a:solidFill>
-                <a:effectLst/>
-                <a:latin typeface="+mn-lt"/>
-                <a:ea typeface="ＭＳ Ｐゴシック" pitchFamily="-106" charset="-128"/>
-                <a:cs typeface="ＭＳ Ｐゴシック" pitchFamily="-106" charset="-128"/>
-              </a:rPr>
+              <a:rPr lang="en-US" sz="1400" dirty="0"/>
               <a:t>: Covenant fellowship must extend to family and work life.</a:t>
             </a:r>
           </a:p>
           <a:p>
             <a:r>
-              <a:rPr lang="en-US" sz="1200" b="1" kern="1200" dirty="0">
-                <a:solidFill>
-                  <a:schemeClr val="tx1"/>
-                </a:solidFill>
-                <a:effectLst/>
-                <a:latin typeface="+mn-lt"/>
-                <a:ea typeface="ＭＳ Ｐゴシック" pitchFamily="-106" charset="-128"/>
-                <a:cs typeface="ＭＳ Ｐゴシック" pitchFamily="-106" charset="-128"/>
-              </a:rPr>
+              <a:rPr lang="en-US" sz="1400" b="1" dirty="0"/>
               <a:t>7. Put on the Full Armor of God (6:10–20)</a:t>
             </a:r>
-            <a:endParaRPr lang="en-US" sz="1200" kern="1200" dirty="0">
-              <a:solidFill>
-                <a:schemeClr val="tx1"/>
-              </a:solidFill>
-              <a:effectLst/>
-              <a:latin typeface="+mn-lt"/>
-              <a:ea typeface="ＭＳ Ｐゴシック" pitchFamily="-106" charset="-128"/>
-              <a:cs typeface="ＭＳ Ｐゴシック" pitchFamily="-106" charset="-128"/>
-            </a:endParaRPr>
+            <a:endParaRPr lang="en-US" sz="1400" dirty="0"/>
           </a:p>
           <a:p>
             <a:pPr rtl="0" fontAlgn="ctr"/>
             <a:r>
-              <a:rPr lang="en-US" sz="1200" kern="1200" dirty="0">
-                <a:solidFill>
-                  <a:schemeClr val="tx1"/>
-                </a:solidFill>
-                <a:effectLst/>
-                <a:latin typeface="+mn-lt"/>
-                <a:ea typeface="ＭＳ Ｐゴシック" pitchFamily="-106" charset="-128"/>
-                <a:cs typeface="ＭＳ Ｐゴシック" pitchFamily="-106" charset="-128"/>
-              </a:rPr>
+              <a:rPr lang="en-US" sz="1400" dirty="0"/>
               <a:t>Recognize the spiritual battle; protect the fellowship through prayer, truth, righteousness, and readiness.</a:t>
             </a:r>
           </a:p>
           <a:p>
             <a:pPr rtl="0" fontAlgn="ctr"/>
             <a:r>
-              <a:rPr lang="en-US" sz="1200" b="1" kern="1200" dirty="0">
-                <a:solidFill>
-                  <a:schemeClr val="tx1"/>
-                </a:solidFill>
-                <a:effectLst/>
-                <a:latin typeface="+mn-lt"/>
-                <a:ea typeface="ＭＳ Ｐゴシック" pitchFamily="-106" charset="-128"/>
-                <a:cs typeface="ＭＳ Ｐゴシック" pitchFamily="-106" charset="-128"/>
-              </a:rPr>
+              <a:rPr lang="en-US" sz="1400" b="1" dirty="0"/>
               <a:t>Teaching Point</a:t>
             </a:r>
             <a:r>
-              <a:rPr lang="en-US" sz="1200" kern="1200" dirty="0">
-                <a:solidFill>
-                  <a:schemeClr val="tx1"/>
-                </a:solidFill>
-                <a:effectLst/>
-                <a:latin typeface="+mn-lt"/>
-                <a:ea typeface="ＭＳ Ｐゴシック" pitchFamily="-106" charset="-128"/>
-                <a:cs typeface="ＭＳ Ｐゴシック" pitchFamily="-106" charset="-128"/>
-              </a:rPr>
+              <a:rPr lang="en-US" sz="1400" dirty="0"/>
               <a:t>: Unity will always face opposition. We fight for fellowship with spiritual weapons.</a:t>
             </a:r>
           </a:p>
@@ -5403,689 +2838,268 @@
           <a:lstStyle/>
           <a:p>
             <a:r>
-              <a:rPr lang="en-US" sz="1200" b="1" kern="1200" dirty="0">
-                <a:solidFill>
-                  <a:schemeClr val="tx1"/>
-                </a:solidFill>
-                <a:effectLst/>
-                <a:latin typeface="+mn-lt"/>
-                <a:ea typeface="ＭＳ Ｐゴシック" pitchFamily="-106" charset="-128"/>
-                <a:cs typeface="ＭＳ Ｐゴシック" pitchFamily="-106" charset="-128"/>
-              </a:rPr>
+              <a:rPr lang="en-US" sz="1400" b="1" dirty="0"/>
               <a:t>1. Live in Unity (Ephesians 4:1–6)</a:t>
             </a:r>
-            <a:endParaRPr lang="en-US" sz="1200" kern="1200" dirty="0">
-              <a:solidFill>
-                <a:schemeClr val="tx1"/>
-              </a:solidFill>
-              <a:effectLst/>
-              <a:latin typeface="+mn-lt"/>
-              <a:ea typeface="ＭＳ Ｐゴシック" pitchFamily="-106" charset="-128"/>
-              <a:cs typeface="ＭＳ Ｐゴシック" pitchFamily="-106" charset="-128"/>
-            </a:endParaRPr>
-          </a:p>
-          <a:p>
-            <a:r>
-              <a:rPr lang="en-US" sz="1200" i="1" kern="1200" dirty="0">
-                <a:solidFill>
-                  <a:schemeClr val="tx1"/>
-                </a:solidFill>
-                <a:effectLst/>
-                <a:latin typeface="+mn-lt"/>
-                <a:ea typeface="ＭＳ Ｐゴシック" pitchFamily="-106" charset="-128"/>
-                <a:cs typeface="ＭＳ Ｐゴシック" pitchFamily="-106" charset="-128"/>
-              </a:rPr>
+            <a:endParaRPr lang="en-US" sz="1400" dirty="0"/>
+          </a:p>
+          <a:p>
+            <a:r>
+              <a:rPr lang="en-US" sz="1400" i="1" dirty="0"/>
               <a:t>“Make every effort to keep the unity of the Spirit through the bond of peace.”</a:t>
             </a:r>
-            <a:endParaRPr lang="en-US" sz="1200" kern="1200" dirty="0">
-              <a:solidFill>
-                <a:schemeClr val="tx1"/>
-              </a:solidFill>
-              <a:effectLst/>
-              <a:latin typeface="+mn-lt"/>
-              <a:ea typeface="ＭＳ Ｐゴシック" pitchFamily="-106" charset="-128"/>
-              <a:cs typeface="ＭＳ Ｐゴシック" pitchFamily="-106" charset="-128"/>
-            </a:endParaRPr>
+            <a:endParaRPr lang="en-US" sz="1400" dirty="0"/>
           </a:p>
           <a:p>
             <a:pPr rtl="0" fontAlgn="ctr"/>
             <a:r>
-              <a:rPr lang="en-US" sz="1200" kern="1200" dirty="0">
-                <a:solidFill>
-                  <a:schemeClr val="tx1"/>
-                </a:solidFill>
-                <a:effectLst/>
-                <a:latin typeface="+mn-lt"/>
-                <a:ea typeface="ＭＳ Ｐゴシック" pitchFamily="-106" charset="-128"/>
-                <a:cs typeface="ＭＳ Ｐゴシック" pitchFamily="-106" charset="-128"/>
-              </a:rPr>
+              <a:rPr lang="en-US" sz="1400" dirty="0"/>
               <a:t>One body, one Spirit, one hope—fellowship is about </a:t>
             </a:r>
             <a:r>
-              <a:rPr lang="en-US" sz="1200" b="1" kern="1200" dirty="0">
-                <a:solidFill>
-                  <a:schemeClr val="tx1"/>
-                </a:solidFill>
-                <a:effectLst/>
-                <a:latin typeface="+mn-lt"/>
-                <a:ea typeface="ＭＳ Ｐゴシック" pitchFamily="-106" charset="-128"/>
-                <a:cs typeface="ＭＳ Ｐゴシック" pitchFamily="-106" charset="-128"/>
-              </a:rPr>
+              <a:rPr lang="en-US" sz="1400" b="1" dirty="0"/>
               <a:t>oneness</a:t>
             </a:r>
             <a:r>
-              <a:rPr lang="en-US" sz="1200" kern="1200" dirty="0">
-                <a:solidFill>
-                  <a:schemeClr val="tx1"/>
-                </a:solidFill>
-                <a:effectLst/>
-                <a:latin typeface="+mn-lt"/>
-                <a:ea typeface="ＭＳ Ｐゴシック" pitchFamily="-106" charset="-128"/>
-                <a:cs typeface="ＭＳ Ｐゴシック" pitchFamily="-106" charset="-128"/>
-              </a:rPr>
+              <a:rPr lang="en-US" sz="1400" dirty="0"/>
               <a:t> in calling and identity.</a:t>
             </a:r>
           </a:p>
           <a:p>
             <a:pPr rtl="0" fontAlgn="ctr"/>
             <a:r>
-              <a:rPr lang="en-US" sz="1200" b="1" kern="1200" dirty="0">
-                <a:solidFill>
-                  <a:schemeClr val="tx1"/>
-                </a:solidFill>
-                <a:effectLst/>
-                <a:latin typeface="+mn-lt"/>
-                <a:ea typeface="ＭＳ Ｐゴシック" pitchFamily="-106" charset="-128"/>
-                <a:cs typeface="ＭＳ Ｐゴシック" pitchFamily="-106" charset="-128"/>
-              </a:rPr>
+              <a:rPr lang="en-US" sz="1400" b="1" dirty="0"/>
               <a:t>Teaching Point</a:t>
             </a:r>
             <a:r>
-              <a:rPr lang="en-US" sz="1200" kern="1200" dirty="0">
-                <a:solidFill>
-                  <a:schemeClr val="tx1"/>
-                </a:solidFill>
-                <a:effectLst/>
-                <a:latin typeface="+mn-lt"/>
-                <a:ea typeface="ＭＳ Ｐゴシック" pitchFamily="-106" charset="-128"/>
-                <a:cs typeface="ＭＳ Ｐゴシック" pitchFamily="-106" charset="-128"/>
-              </a:rPr>
+              <a:rPr lang="en-US" sz="1400" dirty="0"/>
               <a:t>: Covenant fellowship honors the calling of each believer without competition.</a:t>
             </a:r>
           </a:p>
           <a:p>
-            <a:endParaRPr lang="en-US" sz="1200" b="1" kern="1200" dirty="0">
-              <a:solidFill>
-                <a:schemeClr val="tx1"/>
-              </a:solidFill>
-              <a:effectLst/>
-              <a:latin typeface="+mn-lt"/>
-              <a:ea typeface="ＭＳ Ｐゴシック" pitchFamily="-106" charset="-128"/>
-              <a:cs typeface="ＭＳ Ｐゴシック" pitchFamily="-106" charset="-128"/>
-            </a:endParaRPr>
-          </a:p>
-          <a:p>
-            <a:r>
-              <a:rPr lang="en-US" sz="1200" b="1" kern="1200" dirty="0">
-                <a:solidFill>
-                  <a:schemeClr val="tx1"/>
-                </a:solidFill>
-                <a:effectLst/>
-                <a:latin typeface="+mn-lt"/>
-                <a:ea typeface="ＭＳ Ｐゴシック" pitchFamily="-106" charset="-128"/>
-                <a:cs typeface="ＭＳ Ｐゴシック" pitchFamily="-106" charset="-128"/>
-              </a:rPr>
+            <a:endParaRPr lang="en-US" sz="1400" b="1" dirty="0"/>
+          </a:p>
+          <a:p>
+            <a:r>
+              <a:rPr lang="en-US" sz="1400" b="1" dirty="0"/>
               <a:t>2. Live in Holiness (4:17–32)</a:t>
             </a:r>
-            <a:endParaRPr lang="en-US" sz="1200" kern="1200" dirty="0">
-              <a:solidFill>
-                <a:schemeClr val="tx1"/>
-              </a:solidFill>
-              <a:effectLst/>
-              <a:latin typeface="+mn-lt"/>
-              <a:ea typeface="ＭＳ Ｐゴシック" pitchFamily="-106" charset="-128"/>
-              <a:cs typeface="ＭＳ Ｐゴシック" pitchFamily="-106" charset="-128"/>
-            </a:endParaRPr>
+            <a:endParaRPr lang="en-US" sz="1400" dirty="0"/>
           </a:p>
           <a:p>
             <a:pPr rtl="0" fontAlgn="ctr"/>
             <a:r>
-              <a:rPr lang="en-US" sz="1200" kern="1200" dirty="0">
-                <a:solidFill>
-                  <a:schemeClr val="tx1"/>
-                </a:solidFill>
-                <a:effectLst/>
-                <a:latin typeface="+mn-lt"/>
-                <a:ea typeface="ＭＳ Ｐゴシック" pitchFamily="-106" charset="-128"/>
-                <a:cs typeface="ＭＳ Ｐゴシック" pitchFamily="-106" charset="-128"/>
-              </a:rPr>
+              <a:rPr lang="en-US" sz="1400" dirty="0"/>
               <a:t>Put off the “old self,” live differently from the world.</a:t>
             </a:r>
           </a:p>
           <a:p>
             <a:pPr rtl="0" fontAlgn="ctr"/>
             <a:r>
-              <a:rPr lang="en-US" sz="1200" kern="1200" dirty="0">
-                <a:solidFill>
-                  <a:schemeClr val="tx1"/>
-                </a:solidFill>
-                <a:effectLst/>
-                <a:latin typeface="+mn-lt"/>
-                <a:ea typeface="ＭＳ Ｐゴシック" pitchFamily="-106" charset="-128"/>
-                <a:cs typeface="ＭＳ Ｐゴシック" pitchFamily="-106" charset="-128"/>
-              </a:rPr>
+              <a:rPr lang="en-US" sz="1400" dirty="0"/>
               <a:t>Speak truth, resolve anger quickly, build up others.</a:t>
             </a:r>
           </a:p>
           <a:p>
             <a:pPr rtl="0" fontAlgn="ctr"/>
             <a:r>
-              <a:rPr lang="en-US" sz="1200" b="1" kern="1200" dirty="0">
-                <a:solidFill>
-                  <a:schemeClr val="tx1"/>
-                </a:solidFill>
-                <a:effectLst/>
-                <a:latin typeface="+mn-lt"/>
-                <a:ea typeface="ＭＳ Ｐゴシック" pitchFamily="-106" charset="-128"/>
-                <a:cs typeface="ＭＳ Ｐゴシック" pitchFamily="-106" charset="-128"/>
-              </a:rPr>
+              <a:rPr lang="en-US" sz="1400" b="1" dirty="0"/>
               <a:t>Teaching Point</a:t>
             </a:r>
             <a:r>
-              <a:rPr lang="en-US" sz="1200" kern="1200" dirty="0">
-                <a:solidFill>
-                  <a:schemeClr val="tx1"/>
-                </a:solidFill>
-                <a:effectLst/>
-                <a:latin typeface="+mn-lt"/>
-                <a:ea typeface="ＭＳ Ｐゴシック" pitchFamily="-106" charset="-128"/>
-                <a:cs typeface="ＭＳ Ｐゴシック" pitchFamily="-106" charset="-128"/>
-              </a:rPr>
+              <a:rPr lang="en-US" sz="1400" dirty="0"/>
               <a:t>: Holiness protects fellowship—sin and unrepentance fracture community.</a:t>
             </a:r>
           </a:p>
           <a:p>
-            <a:endParaRPr lang="en-US" sz="1200" b="1" kern="1200" dirty="0">
-              <a:solidFill>
-                <a:schemeClr val="tx1"/>
-              </a:solidFill>
-              <a:effectLst/>
-              <a:latin typeface="+mn-lt"/>
-              <a:ea typeface="ＭＳ Ｐゴシック" pitchFamily="-106" charset="-128"/>
-              <a:cs typeface="ＭＳ Ｐゴシック" pitchFamily="-106" charset="-128"/>
-            </a:endParaRPr>
-          </a:p>
-          <a:p>
-            <a:r>
-              <a:rPr lang="en-US" sz="1200" b="1" kern="1200" dirty="0">
-                <a:solidFill>
-                  <a:schemeClr val="tx1"/>
-                </a:solidFill>
-                <a:effectLst/>
-                <a:latin typeface="+mn-lt"/>
-                <a:ea typeface="ＭＳ Ｐゴシック" pitchFamily="-106" charset="-128"/>
-                <a:cs typeface="ＭＳ Ｐゴシック" pitchFamily="-106" charset="-128"/>
-              </a:rPr>
+            <a:endParaRPr lang="en-US" sz="1400" b="1" dirty="0"/>
+          </a:p>
+          <a:p>
+            <a:r>
+              <a:rPr lang="en-US" sz="1400" b="1" dirty="0"/>
               <a:t>3. Live in Love (5:1–7)</a:t>
             </a:r>
-            <a:endParaRPr lang="en-US" sz="1200" kern="1200" dirty="0">
-              <a:solidFill>
-                <a:schemeClr val="tx1"/>
-              </a:solidFill>
-              <a:effectLst/>
-              <a:latin typeface="+mn-lt"/>
-              <a:ea typeface="ＭＳ Ｐゴシック" pitchFamily="-106" charset="-128"/>
-              <a:cs typeface="ＭＳ Ｐゴシック" pitchFamily="-106" charset="-128"/>
-            </a:endParaRPr>
-          </a:p>
-          <a:p>
-            <a:r>
-              <a:rPr lang="en-US" sz="1200" i="1" kern="1200" dirty="0">
-                <a:solidFill>
-                  <a:schemeClr val="tx1"/>
-                </a:solidFill>
-                <a:effectLst/>
-                <a:latin typeface="+mn-lt"/>
-                <a:ea typeface="ＭＳ Ｐゴシック" pitchFamily="-106" charset="-128"/>
-                <a:cs typeface="ＭＳ Ｐゴシック" pitchFamily="-106" charset="-128"/>
-              </a:rPr>
+            <a:endParaRPr lang="en-US" sz="1400" dirty="0"/>
+          </a:p>
+          <a:p>
+            <a:r>
+              <a:rPr lang="en-US" sz="1400" i="1" dirty="0"/>
               <a:t>“Walk in the way of love, just as Christ loved us…”</a:t>
             </a:r>
-            <a:endParaRPr lang="en-US" sz="1200" kern="1200" dirty="0">
-              <a:solidFill>
-                <a:schemeClr val="tx1"/>
-              </a:solidFill>
-              <a:effectLst/>
-              <a:latin typeface="+mn-lt"/>
-              <a:ea typeface="ＭＳ Ｐゴシック" pitchFamily="-106" charset="-128"/>
-              <a:cs typeface="ＭＳ Ｐゴシック" pitchFamily="-106" charset="-128"/>
-            </a:endParaRPr>
+            <a:endParaRPr lang="en-US" sz="1400" dirty="0"/>
           </a:p>
           <a:p>
             <a:pPr rtl="0" fontAlgn="ctr"/>
             <a:r>
-              <a:rPr lang="en-US" sz="1200" kern="1200" dirty="0">
-                <a:solidFill>
-                  <a:schemeClr val="tx1"/>
-                </a:solidFill>
-                <a:effectLst/>
-                <a:latin typeface="+mn-lt"/>
-                <a:ea typeface="ＭＳ Ｐゴシック" pitchFamily="-106" charset="-128"/>
-                <a:cs typeface="ＭＳ Ｐゴシック" pitchFamily="-106" charset="-128"/>
-              </a:rPr>
+              <a:rPr lang="en-US" sz="1400" dirty="0"/>
               <a:t>Imitate God’s sacrificial love. Avoid impurity and greed.</a:t>
             </a:r>
           </a:p>
           <a:p>
             <a:pPr rtl="0" fontAlgn="ctr"/>
             <a:r>
-              <a:rPr lang="en-US" sz="1200" b="1" kern="1200" dirty="0">
-                <a:solidFill>
-                  <a:schemeClr val="tx1"/>
-                </a:solidFill>
-                <a:effectLst/>
-                <a:latin typeface="+mn-lt"/>
-                <a:ea typeface="ＭＳ Ｐゴシック" pitchFamily="-106" charset="-128"/>
-                <a:cs typeface="ＭＳ Ｐゴシック" pitchFamily="-106" charset="-128"/>
-              </a:rPr>
+              <a:rPr lang="en-US" sz="1400" b="1" dirty="0"/>
               <a:t>Teaching Point</a:t>
             </a:r>
             <a:r>
-              <a:rPr lang="en-US" sz="1200" kern="1200" dirty="0">
-                <a:solidFill>
-                  <a:schemeClr val="tx1"/>
-                </a:solidFill>
-                <a:effectLst/>
-                <a:latin typeface="+mn-lt"/>
-                <a:ea typeface="ＭＳ Ｐゴシック" pitchFamily="-106" charset="-128"/>
-                <a:cs typeface="ＭＳ Ｐゴシック" pitchFamily="-106" charset="-128"/>
-              </a:rPr>
+              <a:rPr lang="en-US" sz="1400" dirty="0"/>
               <a:t>: Love is the ethic of covenant commitment, not personal gain.</a:t>
             </a:r>
           </a:p>
           <a:p>
-            <a:endParaRPr lang="en-US" sz="1200" b="1" kern="1200" dirty="0">
-              <a:solidFill>
-                <a:schemeClr val="tx1"/>
-              </a:solidFill>
-              <a:effectLst/>
-              <a:latin typeface="+mn-lt"/>
-              <a:ea typeface="ＭＳ Ｐゴシック" pitchFamily="-106" charset="-128"/>
-              <a:cs typeface="ＭＳ Ｐゴシック" pitchFamily="-106" charset="-128"/>
-            </a:endParaRPr>
-          </a:p>
-          <a:p>
-            <a:r>
-              <a:rPr lang="en-US" sz="1200" b="1" kern="1200" dirty="0">
-                <a:solidFill>
-                  <a:schemeClr val="tx1"/>
-                </a:solidFill>
-                <a:effectLst/>
-                <a:latin typeface="+mn-lt"/>
-                <a:ea typeface="ＭＳ Ｐゴシック" pitchFamily="-106" charset="-128"/>
-                <a:cs typeface="ＭＳ Ｐゴシック" pitchFamily="-106" charset="-128"/>
-              </a:rPr>
+            <a:endParaRPr lang="en-US" sz="1400" b="1" dirty="0"/>
+          </a:p>
+          <a:p>
+            <a:r>
+              <a:rPr lang="en-US" sz="1400" b="1" dirty="0"/>
               <a:t>4. Live in the Light (5:8–14)</a:t>
             </a:r>
-            <a:endParaRPr lang="en-US" sz="1200" kern="1200" dirty="0">
-              <a:solidFill>
-                <a:schemeClr val="tx1"/>
-              </a:solidFill>
-              <a:effectLst/>
-              <a:latin typeface="+mn-lt"/>
-              <a:ea typeface="ＭＳ Ｐゴシック" pitchFamily="-106" charset="-128"/>
-              <a:cs typeface="ＭＳ Ｐゴシック" pitchFamily="-106" charset="-128"/>
-            </a:endParaRPr>
+            <a:endParaRPr lang="en-US" sz="1400" dirty="0"/>
           </a:p>
           <a:p>
             <a:pPr rtl="0" fontAlgn="ctr"/>
             <a:r>
-              <a:rPr lang="en-US" sz="1200" kern="1200" dirty="0">
-                <a:solidFill>
-                  <a:schemeClr val="tx1"/>
-                </a:solidFill>
-                <a:effectLst/>
-                <a:latin typeface="+mn-lt"/>
-                <a:ea typeface="ＭＳ Ｐゴシック" pitchFamily="-106" charset="-128"/>
-                <a:cs typeface="ＭＳ Ｐゴシック" pitchFamily="-106" charset="-128"/>
-              </a:rPr>
+              <a:rPr lang="en-US" sz="1400" dirty="0"/>
               <a:t>Expose darkness, bear fruit in truth and goodness.</a:t>
             </a:r>
           </a:p>
           <a:p>
             <a:pPr rtl="0" fontAlgn="ctr"/>
             <a:r>
-              <a:rPr lang="en-US" sz="1200" b="1" kern="1200" dirty="0">
-                <a:solidFill>
-                  <a:schemeClr val="tx1"/>
-                </a:solidFill>
-                <a:effectLst/>
-                <a:latin typeface="+mn-lt"/>
-                <a:ea typeface="ＭＳ Ｐゴシック" pitchFamily="-106" charset="-128"/>
-                <a:cs typeface="ＭＳ Ｐゴシック" pitchFamily="-106" charset="-128"/>
-              </a:rPr>
+              <a:rPr lang="en-US" sz="1400" b="1" dirty="0"/>
               <a:t>Teaching Point</a:t>
             </a:r>
             <a:r>
-              <a:rPr lang="en-US" sz="1200" kern="1200" dirty="0">
-                <a:solidFill>
-                  <a:schemeClr val="tx1"/>
-                </a:solidFill>
-                <a:effectLst/>
-                <a:latin typeface="+mn-lt"/>
-                <a:ea typeface="ＭＳ Ｐゴシック" pitchFamily="-106" charset="-128"/>
-                <a:cs typeface="ＭＳ Ｐゴシック" pitchFamily="-106" charset="-128"/>
-              </a:rPr>
+              <a:rPr lang="en-US" sz="1400" dirty="0"/>
               <a:t>: Transparent relationships are key to covenant fellowship.</a:t>
             </a:r>
           </a:p>
           <a:p>
-            <a:endParaRPr lang="en-US" sz="1200" b="1" kern="1200" dirty="0">
-              <a:solidFill>
-                <a:schemeClr val="tx1"/>
-              </a:solidFill>
-              <a:effectLst/>
-              <a:latin typeface="+mn-lt"/>
-              <a:ea typeface="ＭＳ Ｐゴシック" pitchFamily="-106" charset="-128"/>
-              <a:cs typeface="ＭＳ Ｐゴシック" pitchFamily="-106" charset="-128"/>
-            </a:endParaRPr>
-          </a:p>
-          <a:p>
-            <a:r>
-              <a:rPr lang="en-US" sz="1200" b="1" kern="1200" dirty="0">
-                <a:solidFill>
-                  <a:schemeClr val="tx1"/>
-                </a:solidFill>
-                <a:effectLst/>
-                <a:latin typeface="+mn-lt"/>
-                <a:ea typeface="ＭＳ Ｐゴシック" pitchFamily="-106" charset="-128"/>
-                <a:cs typeface="ＭＳ Ｐゴシック" pitchFamily="-106" charset="-128"/>
-              </a:rPr>
+            <a:endParaRPr lang="en-US" sz="1400" b="1" dirty="0"/>
+          </a:p>
+          <a:p>
+            <a:r>
+              <a:rPr lang="en-US" sz="1400" b="1" dirty="0"/>
               <a:t>5. Live Wisely (5:15–21)</a:t>
             </a:r>
-            <a:endParaRPr lang="en-US" sz="1200" kern="1200" dirty="0">
-              <a:solidFill>
-                <a:schemeClr val="tx1"/>
-              </a:solidFill>
-              <a:effectLst/>
-              <a:latin typeface="+mn-lt"/>
-              <a:ea typeface="ＭＳ Ｐゴシック" pitchFamily="-106" charset="-128"/>
-              <a:cs typeface="ＭＳ Ｐゴシック" pitchFamily="-106" charset="-128"/>
-            </a:endParaRPr>
-          </a:p>
-          <a:p>
-            <a:r>
-              <a:rPr lang="en-US" sz="1200" i="1" kern="1200" dirty="0">
-                <a:solidFill>
-                  <a:schemeClr val="tx1"/>
-                </a:solidFill>
-                <a:effectLst/>
-                <a:latin typeface="+mn-lt"/>
-                <a:ea typeface="ＭＳ Ｐゴシック" pitchFamily="-106" charset="-128"/>
-                <a:cs typeface="ＭＳ Ｐゴシック" pitchFamily="-106" charset="-128"/>
-              </a:rPr>
+            <a:endParaRPr lang="en-US" sz="1400" dirty="0"/>
+          </a:p>
+          <a:p>
+            <a:r>
+              <a:rPr lang="en-US" sz="1400" i="1" dirty="0"/>
               <a:t>“Be very careful, then, how you live—not as unwise but as wise...”</a:t>
             </a:r>
-            <a:endParaRPr lang="en-US" sz="1200" kern="1200" dirty="0">
-              <a:solidFill>
-                <a:schemeClr val="tx1"/>
-              </a:solidFill>
-              <a:effectLst/>
-              <a:latin typeface="+mn-lt"/>
-              <a:ea typeface="ＭＳ Ｐゴシック" pitchFamily="-106" charset="-128"/>
-              <a:cs typeface="ＭＳ Ｐゴシック" pitchFamily="-106" charset="-128"/>
-            </a:endParaRPr>
+            <a:endParaRPr lang="en-US" sz="1400" dirty="0"/>
           </a:p>
           <a:p>
             <a:pPr rtl="0" fontAlgn="ctr"/>
             <a:r>
-              <a:rPr lang="en-US" sz="1200" kern="1200" dirty="0">
-                <a:solidFill>
-                  <a:schemeClr val="tx1"/>
-                </a:solidFill>
-                <a:effectLst/>
-                <a:latin typeface="+mn-lt"/>
-                <a:ea typeface="ＭＳ Ｐゴシック" pitchFamily="-106" charset="-128"/>
-                <a:cs typeface="ＭＳ Ｐゴシック" pitchFamily="-106" charset="-128"/>
-              </a:rPr>
+              <a:rPr lang="en-US" sz="1400" dirty="0"/>
               <a:t>Be filled with the Spirit, submit to one another out of reverence for Christ.</a:t>
             </a:r>
           </a:p>
           <a:p>
             <a:pPr rtl="0" fontAlgn="ctr"/>
             <a:r>
-              <a:rPr lang="en-US" sz="1200" b="1" kern="1200" dirty="0">
-                <a:solidFill>
-                  <a:schemeClr val="tx1"/>
-                </a:solidFill>
-                <a:effectLst/>
-                <a:latin typeface="+mn-lt"/>
-                <a:ea typeface="ＭＳ Ｐゴシック" pitchFamily="-106" charset="-128"/>
-                <a:cs typeface="ＭＳ Ｐゴシック" pitchFamily="-106" charset="-128"/>
-              </a:rPr>
+              <a:rPr lang="en-US" sz="1400" b="1" dirty="0"/>
               <a:t>Teaching Point</a:t>
             </a:r>
             <a:r>
-              <a:rPr lang="en-US" sz="1200" kern="1200" dirty="0">
-                <a:solidFill>
-                  <a:schemeClr val="tx1"/>
-                </a:solidFill>
-                <a:effectLst/>
-                <a:latin typeface="+mn-lt"/>
-                <a:ea typeface="ＭＳ Ｐゴシック" pitchFamily="-106" charset="-128"/>
-                <a:cs typeface="ＭＳ Ｐゴシック" pitchFamily="-106" charset="-128"/>
-              </a:rPr>
+              <a:rPr lang="en-US" sz="1400" dirty="0"/>
               <a:t>: Wisdom and Spirit-dependence protect fellowship from folly.</a:t>
             </a:r>
           </a:p>
           <a:p>
-            <a:endParaRPr lang="en-US" sz="1200" b="1" kern="1200" dirty="0">
-              <a:solidFill>
-                <a:schemeClr val="tx1"/>
-              </a:solidFill>
-              <a:effectLst/>
-              <a:latin typeface="+mn-lt"/>
-              <a:ea typeface="ＭＳ Ｐゴシック" pitchFamily="-106" charset="-128"/>
-              <a:cs typeface="ＭＳ Ｐゴシック" pitchFamily="-106" charset="-128"/>
-            </a:endParaRPr>
-          </a:p>
-          <a:p>
-            <a:r>
-              <a:rPr lang="en-US" sz="1200" b="1" kern="1200" dirty="0">
-                <a:solidFill>
-                  <a:schemeClr val="tx1"/>
-                </a:solidFill>
-                <a:effectLst/>
-                <a:latin typeface="+mn-lt"/>
-                <a:ea typeface="ＭＳ Ｐゴシック" pitchFamily="-106" charset="-128"/>
-                <a:cs typeface="ＭＳ Ｐゴシック" pitchFamily="-106" charset="-128"/>
-              </a:rPr>
+            <a:endParaRPr lang="en-US" sz="1400" b="1" dirty="0"/>
+          </a:p>
+          <a:p>
+            <a:r>
+              <a:rPr lang="en-US" sz="1400" b="1" dirty="0"/>
               <a:t>6. Cherish One Another (5:22–6:9)</a:t>
             </a:r>
-            <a:endParaRPr lang="en-US" sz="1200" kern="1200" dirty="0">
-              <a:solidFill>
-                <a:schemeClr val="tx1"/>
-              </a:solidFill>
-              <a:effectLst/>
-              <a:latin typeface="+mn-lt"/>
-              <a:ea typeface="ＭＳ Ｐゴシック" pitchFamily="-106" charset="-128"/>
-              <a:cs typeface="ＭＳ Ｐゴシック" pitchFamily="-106" charset="-128"/>
-            </a:endParaRPr>
+            <a:endParaRPr lang="en-US" sz="1400" dirty="0"/>
           </a:p>
           <a:p>
             <a:pPr rtl="0" fontAlgn="ctr"/>
             <a:r>
-              <a:rPr lang="en-US" sz="1200" kern="1200" dirty="0">
-                <a:solidFill>
-                  <a:schemeClr val="tx1"/>
-                </a:solidFill>
-                <a:effectLst/>
-                <a:latin typeface="+mn-lt"/>
-                <a:ea typeface="ＭＳ Ｐゴシック" pitchFamily="-106" charset="-128"/>
-                <a:cs typeface="ＭＳ Ｐゴシック" pitchFamily="-106" charset="-128"/>
-              </a:rPr>
+              <a:rPr lang="en-US" sz="1400" dirty="0"/>
               <a:t>Husbands, wives, children, masters, and servants—all relationships are marked by </a:t>
             </a:r>
             <a:r>
-              <a:rPr lang="en-US" sz="1200" b="1" kern="1200" dirty="0">
-                <a:solidFill>
-                  <a:schemeClr val="tx1"/>
-                </a:solidFill>
-                <a:effectLst/>
-                <a:latin typeface="+mn-lt"/>
-                <a:ea typeface="ＭＳ Ｐゴシック" pitchFamily="-106" charset="-128"/>
-                <a:cs typeface="ＭＳ Ｐゴシック" pitchFamily="-106" charset="-128"/>
-              </a:rPr>
+              <a:rPr lang="en-US" sz="1400" b="1" dirty="0"/>
               <a:t>mutual love and honor</a:t>
             </a:r>
             <a:r>
-              <a:rPr lang="en-US" sz="1200" kern="1200" dirty="0">
-                <a:solidFill>
-                  <a:schemeClr val="tx1"/>
-                </a:solidFill>
-                <a:effectLst/>
-                <a:latin typeface="+mn-lt"/>
-                <a:ea typeface="ＭＳ Ｐゴシック" pitchFamily="-106" charset="-128"/>
-                <a:cs typeface="ＭＳ Ｐゴシック" pitchFamily="-106" charset="-128"/>
-              </a:rPr>
+              <a:rPr lang="en-US" sz="1400" dirty="0"/>
               <a:t>.</a:t>
             </a:r>
           </a:p>
           <a:p>
             <a:pPr rtl="0" fontAlgn="ctr"/>
             <a:r>
-              <a:rPr lang="en-US" sz="1200" b="1" kern="1200" dirty="0">
-                <a:solidFill>
-                  <a:schemeClr val="tx1"/>
-                </a:solidFill>
-                <a:effectLst/>
-                <a:latin typeface="+mn-lt"/>
-                <a:ea typeface="ＭＳ Ｐゴシック" pitchFamily="-106" charset="-128"/>
-                <a:cs typeface="ＭＳ Ｐゴシック" pitchFamily="-106" charset="-128"/>
-              </a:rPr>
+              <a:rPr lang="en-US" sz="1400" b="1" dirty="0"/>
               <a:t>Teaching Point</a:t>
             </a:r>
             <a:r>
-              <a:rPr lang="en-US" sz="1200" kern="1200" dirty="0">
-                <a:solidFill>
-                  <a:schemeClr val="tx1"/>
-                </a:solidFill>
-                <a:effectLst/>
-                <a:latin typeface="+mn-lt"/>
-                <a:ea typeface="ＭＳ Ｐゴシック" pitchFamily="-106" charset="-128"/>
-                <a:cs typeface="ＭＳ Ｐゴシック" pitchFamily="-106" charset="-128"/>
-              </a:rPr>
+              <a:rPr lang="en-US" sz="1400" dirty="0"/>
               <a:t>: Covenant fellowship must extend to family and work life.</a:t>
             </a:r>
           </a:p>
           <a:p>
-            <a:endParaRPr lang="en-US" sz="1200" b="1" kern="1200" dirty="0">
-              <a:solidFill>
-                <a:schemeClr val="tx1"/>
-              </a:solidFill>
-              <a:effectLst/>
-              <a:latin typeface="+mn-lt"/>
-              <a:ea typeface="ＭＳ Ｐゴシック" pitchFamily="-106" charset="-128"/>
-              <a:cs typeface="ＭＳ Ｐゴシック" pitchFamily="-106" charset="-128"/>
-            </a:endParaRPr>
-          </a:p>
-          <a:p>
-            <a:r>
-              <a:rPr lang="en-US" sz="1200" b="1" kern="1200" dirty="0">
-                <a:solidFill>
-                  <a:schemeClr val="tx1"/>
-                </a:solidFill>
-                <a:effectLst/>
-                <a:latin typeface="+mn-lt"/>
-                <a:ea typeface="ＭＳ Ｐゴシック" pitchFamily="-106" charset="-128"/>
-                <a:cs typeface="ＭＳ Ｐゴシック" pitchFamily="-106" charset="-128"/>
-              </a:rPr>
+            <a:endParaRPr lang="en-US" sz="1400" b="1" dirty="0"/>
+          </a:p>
+          <a:p>
+            <a:r>
+              <a:rPr lang="en-US" sz="1400" b="1" dirty="0"/>
               <a:t>7. Put on the Full Armor of God (6:10–20)</a:t>
             </a:r>
-            <a:endParaRPr lang="en-US" sz="1200" kern="1200" dirty="0">
-              <a:solidFill>
-                <a:schemeClr val="tx1"/>
-              </a:solidFill>
-              <a:effectLst/>
-              <a:latin typeface="+mn-lt"/>
-              <a:ea typeface="ＭＳ Ｐゴシック" pitchFamily="-106" charset="-128"/>
-              <a:cs typeface="ＭＳ Ｐゴシック" pitchFamily="-106" charset="-128"/>
-            </a:endParaRPr>
+            <a:endParaRPr lang="en-US" sz="1400" dirty="0"/>
           </a:p>
           <a:p>
             <a:pPr rtl="0" fontAlgn="ctr"/>
             <a:r>
-              <a:rPr lang="en-US" sz="1200" kern="1200" dirty="0">
-                <a:solidFill>
-                  <a:schemeClr val="tx1"/>
-                </a:solidFill>
-                <a:effectLst/>
-                <a:latin typeface="+mn-lt"/>
-                <a:ea typeface="ＭＳ Ｐゴシック" pitchFamily="-106" charset="-128"/>
-                <a:cs typeface="ＭＳ Ｐゴシック" pitchFamily="-106" charset="-128"/>
-              </a:rPr>
+              <a:rPr lang="en-US" sz="1400" dirty="0"/>
               <a:t>Recognize the spiritual battle; protect the fellowship through prayer, truth, righteousness, and readiness.</a:t>
             </a:r>
           </a:p>
           <a:p>
             <a:pPr rtl="0" fontAlgn="ctr"/>
             <a:r>
-              <a:rPr lang="en-US" sz="1200" b="1" kern="1200" dirty="0">
-                <a:solidFill>
-                  <a:schemeClr val="tx1"/>
-                </a:solidFill>
-                <a:effectLst/>
-                <a:latin typeface="+mn-lt"/>
-                <a:ea typeface="ＭＳ Ｐゴシック" pitchFamily="-106" charset="-128"/>
-                <a:cs typeface="ＭＳ Ｐゴシック" pitchFamily="-106" charset="-128"/>
-              </a:rPr>
+              <a:rPr lang="en-US" sz="1400" b="1" dirty="0"/>
               <a:t>Teaching Point</a:t>
             </a:r>
             <a:r>
-              <a:rPr lang="en-US" sz="1200" kern="1200" dirty="0">
-                <a:solidFill>
-                  <a:schemeClr val="tx1"/>
-                </a:solidFill>
-                <a:effectLst/>
-                <a:latin typeface="+mn-lt"/>
-                <a:ea typeface="ＭＳ Ｐゴシック" pitchFamily="-106" charset="-128"/>
-                <a:cs typeface="ＭＳ Ｐゴシック" pitchFamily="-106" charset="-128"/>
-              </a:rPr>
+              <a:rPr lang="en-US" sz="1400" dirty="0"/>
               <a:t>: Unity will always face opposition. We fight for fellowship with spiritual weapons.</a:t>
             </a:r>
           </a:p>
           <a:p>
-            <a:endParaRPr lang="en-US" dirty="0"/>
-          </a:p>
-          <a:p>
-            <a:r>
-              <a:rPr lang="en-US" sz="1200" dirty="0"/>
+            <a:endParaRPr lang="en-US" sz="1400" dirty="0"/>
+          </a:p>
+          <a:p>
+            <a:r>
+              <a:rPr lang="en-US" sz="1400" dirty="0"/>
               <a:t>-  </a:t>
             </a:r>
             <a:r>
-              <a:rPr lang="en-US" sz="1200" b="1" dirty="0"/>
+              <a:rPr lang="en-US" sz="1400" b="1" dirty="0"/>
               <a:t>2 Corinthians 5:17-18 </a:t>
             </a:r>
             <a:r>
-              <a:rPr lang="en-US" sz="1200" dirty="0"/>
+              <a:rPr lang="en-US" sz="1400" dirty="0"/>
               <a:t>: "Therefore, if anyone is in Christ, the new creation has come: The old has gone, the new is here! All this is from God, who reconciled us to himself through Christ."</a:t>
             </a:r>
           </a:p>
           <a:p>
             <a:r>
-              <a:rPr lang="en-US" sz="1200" dirty="0"/>
+              <a:rPr lang="en-US" sz="1400" dirty="0"/>
               <a:t>   - </a:t>
             </a:r>
             <a:r>
-              <a:rPr lang="en-US" sz="1200" b="1" dirty="0"/>
+              <a:rPr lang="en-US" sz="1400" b="1" dirty="0"/>
               <a:t>Highlights the transformative power of the Gospel, reconciling believers to God.</a:t>
             </a:r>
-          </a:p>
-          <a:p>
-            <a:endParaRPr lang="en-US" dirty="0"/>
-          </a:p>
-          <a:p>
-            <a:endParaRPr lang="en-US" dirty="0"/>
+            <a:endParaRPr lang="en-US" sz="1400" dirty="0"/>
           </a:p>
           <a:p>
             <a:endParaRPr lang="en-US" dirty="0"/>
